--- a/99_pranning/00_本企画.pptx
+++ b/99_pranning/00_本企画.pptx
@@ -4325,6 +4325,25 @@
               </a:rPr>
               <a:t>)</a:t>
             </a:r>
+          </a:p>
+          <a:p>
+            <a:r>
+              <a:rPr lang="ja-JP" altLang="en-US" dirty="0">
+                <a:latin typeface="HGP創英角ｺﾞｼｯｸUB" panose="020B0900000000000000" pitchFamily="50" charset="-128"/>
+                <a:ea typeface="HGP創英角ｺﾞｼｯｸUB" panose="020B0900000000000000" pitchFamily="50" charset="-128"/>
+              </a:rPr>
+              <a:t>プレイヤーの位置によって傾きが生まれる</a:t>
+            </a:r>
+            <a:r>
+              <a:rPr lang="ja-JP" altLang="en-US" dirty="0">
+                <a:solidFill>
+                  <a:srgbClr val="FF0000"/>
+                </a:solidFill>
+                <a:latin typeface="HGP創英角ｺﾞｼｯｸUB" panose="020B0900000000000000" pitchFamily="50" charset="-128"/>
+                <a:ea typeface="HGP創英角ｺﾞｼｯｸUB" panose="020B0900000000000000" pitchFamily="50" charset="-128"/>
+              </a:rPr>
+              <a:t>シーソーギミック</a:t>
+            </a:r>
             <a:endParaRPr lang="ja-JP" altLang="en-US" dirty="0">
               <a:latin typeface="HGP創英角ｺﾞｼｯｸUB" panose="020B0900000000000000" pitchFamily="50" charset="-128"/>
               <a:ea typeface="HGP創英角ｺﾞｼｯｸUB" panose="020B0900000000000000" pitchFamily="50" charset="-128"/>

--- a/99_pranning/00_本企画.pptx
+++ b/99_pranning/00_本企画.pptx
@@ -7,9 +7,10 @@
   <p:sldIdLst>
     <p:sldId id="256" r:id="rId2"/>
     <p:sldId id="258" r:id="rId3"/>
-    <p:sldId id="259" r:id="rId4"/>
-    <p:sldId id="257" r:id="rId5"/>
-    <p:sldId id="260" r:id="rId6"/>
+    <p:sldId id="257" r:id="rId4"/>
+    <p:sldId id="265" r:id="rId5"/>
+    <p:sldId id="272" r:id="rId6"/>
+    <p:sldId id="273" r:id="rId7"/>
   </p:sldIdLst>
   <p:sldSz cx="12192000" cy="6858000"/>
   <p:notesSz cx="6858000" cy="9144000"/>
@@ -3005,9 +3006,19 @@
 <p:sldMaster xmlns:a="http://schemas.openxmlformats.org/drawingml/2006/main" xmlns:r="http://schemas.openxmlformats.org/officeDocument/2006/relationships" xmlns:p="http://schemas.openxmlformats.org/presentationml/2006/main">
   <p:cSld>
     <p:bg>
-      <p:bgRef idx="1001">
-        <a:schemeClr val="bg1"/>
-      </p:bgRef>
+      <p:bgPr>
+        <a:blipFill dpi="0" rotWithShape="1">
+          <a:blip r:embed="rId13">
+            <a:alphaModFix amt="40000"/>
+            <a:lum/>
+          </a:blip>
+          <a:srcRect/>
+          <a:stretch>
+            <a:fillRect l="-10000" t="-10000" r="-10000" b="-10000"/>
+          </a:stretch>
+        </a:blipFill>
+        <a:effectLst/>
+      </p:bgPr>
     </p:bg>
     <p:spTree>
       <p:nvGrpSpPr>
@@ -3634,20 +3645,37 @@
             <p:ph type="ctrTitle"/>
           </p:nvPr>
         </p:nvSpPr>
-        <p:spPr/>
-        <p:txBody>
-          <a:bodyPr/>
+        <p:spPr>
+          <a:xfrm>
+            <a:off x="2146169" y="2341726"/>
+            <a:ext cx="7899662" cy="1087274"/>
+          </a:xfrm>
+        </p:spPr>
+        <p:txBody>
+          <a:bodyPr>
+            <a:noAutofit/>
+          </a:bodyPr>
           <a:lstStyle/>
           <a:p>
             <a:r>
-              <a:rPr lang="ja-JP" altLang="en-US" dirty="0">
+              <a:rPr lang="ja-JP" altLang="en-US" sz="8000" dirty="0">
+                <a:effectLst>
+                  <a:glow rad="190500">
+                    <a:schemeClr val="bg1"/>
+                  </a:glow>
+                </a:effectLst>
                 <a:latin typeface="HGP創英角ｺﾞｼｯｸUB" panose="020B0900000000000000" pitchFamily="50" charset="-128"/>
                 <a:ea typeface="HGP創英角ｺﾞｼｯｸUB" panose="020B0900000000000000" pitchFamily="50" charset="-128"/>
               </a:rPr>
               <a:t>新・</a:t>
             </a:r>
             <a:r>
-              <a:rPr kumimoji="1" lang="ja-JP" altLang="en-US" dirty="0">
+              <a:rPr kumimoji="1" lang="ja-JP" altLang="en-US" sz="8000" dirty="0">
+                <a:effectLst>
+                  <a:glow rad="190500">
+                    <a:schemeClr val="bg1"/>
+                  </a:glow>
+                </a:effectLst>
                 <a:latin typeface="HGP創英角ｺﾞｼｯｸUB" panose="020B0900000000000000" pitchFamily="50" charset="-128"/>
                 <a:ea typeface="HGP創英角ｺﾞｼｯｸUB" panose="020B0900000000000000" pitchFamily="50" charset="-128"/>
               </a:rPr>
@@ -3672,26 +3700,48 @@
             <p:ph type="subTitle" idx="1"/>
           </p:nvPr>
         </p:nvSpPr>
-        <p:spPr/>
-        <p:txBody>
-          <a:bodyPr/>
+        <p:spPr>
+          <a:xfrm>
+            <a:off x="2146169" y="3521075"/>
+            <a:ext cx="7899662" cy="602317"/>
+          </a:xfrm>
+        </p:spPr>
+        <p:txBody>
+          <a:bodyPr>
+            <a:normAutofit/>
+          </a:bodyPr>
           <a:lstStyle/>
           <a:p>
             <a:r>
-              <a:rPr kumimoji="1" lang="en-US" altLang="ja-JP" dirty="0">
+              <a:rPr kumimoji="1" lang="en-US" altLang="ja-JP" sz="3600" dirty="0">
+                <a:effectLst>
+                  <a:glow rad="190500">
+                    <a:schemeClr val="bg1"/>
+                  </a:glow>
+                </a:effectLst>
                 <a:latin typeface="HGP創英角ｺﾞｼｯｸUB" panose="020B0900000000000000" pitchFamily="50" charset="-128"/>
                 <a:ea typeface="HGP創英角ｺﾞｼｯｸUB" panose="020B0900000000000000" pitchFamily="50" charset="-128"/>
               </a:rPr>
               <a:t>2025</a:t>
             </a:r>
             <a:r>
-              <a:rPr kumimoji="1" lang="ja-JP" altLang="en-US" dirty="0">
+              <a:rPr kumimoji="1" lang="ja-JP" altLang="en-US" sz="3600" dirty="0">
+                <a:effectLst>
+                  <a:glow rad="190500">
+                    <a:schemeClr val="bg1"/>
+                  </a:glow>
+                </a:effectLst>
                 <a:latin typeface="HGP創英角ｺﾞｼｯｸUB" panose="020B0900000000000000" pitchFamily="50" charset="-128"/>
                 <a:ea typeface="HGP創英角ｺﾞｼｯｸUB" panose="020B0900000000000000" pitchFamily="50" charset="-128"/>
               </a:rPr>
               <a:t>卒業制作</a:t>
             </a:r>
-            <a:endParaRPr kumimoji="1" lang="en-US" altLang="ja-JP" dirty="0">
+            <a:endParaRPr kumimoji="1" lang="en-US" altLang="ja-JP" sz="3600" dirty="0">
+              <a:effectLst>
+                <a:glow rad="190500">
+                  <a:schemeClr val="bg1"/>
+                </a:glow>
+              </a:effectLst>
               <a:latin typeface="HGP創英角ｺﾞｼｯｸUB" panose="020B0900000000000000" pitchFamily="50" charset="-128"/>
               <a:ea typeface="HGP創英角ｺﾞｼｯｸUB" panose="020B0900000000000000" pitchFamily="50" charset="-128"/>
             </a:endParaRPr>
@@ -3708,6 +3758,9 @@
   <p:clrMapOvr>
     <a:masterClrMapping/>
   </p:clrMapOvr>
+  <p:transition spd="slow">
+    <p:push dir="u"/>
+  </p:transition>
 </p:sld>
 </file>
 
@@ -3730,10 +3783,510 @@
       </p:grpSpPr>
       <p:sp>
         <p:nvSpPr>
-          <p:cNvPr id="2" name="タイトル 1">
-            <a:extLst>
-              <a:ext uri="{FF2B5EF4-FFF2-40B4-BE49-F238E27FC236}">
-                <a16:creationId xmlns:a16="http://schemas.microsoft.com/office/drawing/2014/main" id="{03BA0322-063A-4D28-B2A8-F34ECE407FD0}"/>
+          <p:cNvPr id="3" name="コンテンツ プレースホルダー 2">
+            <a:extLst>
+              <a:ext uri="{FF2B5EF4-FFF2-40B4-BE49-F238E27FC236}">
+                <a16:creationId xmlns:a16="http://schemas.microsoft.com/office/drawing/2014/main" id="{9562E871-E0CE-41B2-AC84-2B5CBBA01099}"/>
+              </a:ext>
+            </a:extLst>
+          </p:cNvPr>
+          <p:cNvSpPr>
+            <a:spLocks noGrp="1"/>
+          </p:cNvSpPr>
+          <p:nvPr>
+            <p:ph idx="1"/>
+          </p:nvPr>
+        </p:nvSpPr>
+        <p:spPr>
+          <a:xfrm>
+            <a:off x="522402" y="232493"/>
+            <a:ext cx="5487186" cy="1982804"/>
+          </a:xfrm>
+        </p:spPr>
+        <p:txBody>
+          <a:bodyPr/>
+          <a:lstStyle/>
+          <a:p>
+            <a:pPr marL="0" indent="0">
+              <a:buNone/>
+            </a:pPr>
+            <a:r>
+              <a:rPr lang="ja-JP" altLang="en-US" sz="4000" dirty="0">
+                <a:effectLst>
+                  <a:glow rad="190500">
+                    <a:schemeClr val="bg1"/>
+                  </a:glow>
+                </a:effectLst>
+                <a:latin typeface="HGP創英角ｺﾞｼｯｸUB" panose="020B0900000000000000" pitchFamily="50" charset="-128"/>
+                <a:ea typeface="HGP創英角ｺﾞｼｯｸUB" panose="020B0900000000000000" pitchFamily="50" charset="-128"/>
+              </a:rPr>
+              <a:t>ターゲット</a:t>
+            </a:r>
+            <a:endParaRPr lang="en-US" altLang="ja-JP" sz="4000" dirty="0">
+              <a:effectLst>
+                <a:glow rad="190500">
+                  <a:schemeClr val="bg1"/>
+                </a:glow>
+              </a:effectLst>
+              <a:latin typeface="HGP創英角ｺﾞｼｯｸUB" panose="020B0900000000000000" pitchFamily="50" charset="-128"/>
+              <a:ea typeface="HGP創英角ｺﾞｼｯｸUB" panose="020B0900000000000000" pitchFamily="50" charset="-128"/>
+            </a:endParaRPr>
+          </a:p>
+          <a:p>
+            <a:pPr marL="0" indent="0">
+              <a:buNone/>
+            </a:pPr>
+            <a:r>
+              <a:rPr kumimoji="1" lang="en-US" altLang="ja-JP" sz="3600" b="1" dirty="0">
+                <a:solidFill>
+                  <a:srgbClr val="FF0000"/>
+                </a:solidFill>
+                <a:effectLst>
+                  <a:glow rad="228600">
+                    <a:schemeClr val="accent4">
+                      <a:satMod val="175000"/>
+                      <a:alpha val="40000"/>
+                    </a:schemeClr>
+                  </a:glow>
+                </a:effectLst>
+                <a:latin typeface="HGP創英角ｺﾞｼｯｸUB" panose="020B0900000000000000" pitchFamily="50" charset="-128"/>
+                <a:ea typeface="HGP創英角ｺﾞｼｯｸUB" panose="020B0900000000000000" pitchFamily="50" charset="-128"/>
+              </a:rPr>
+              <a:t>AKR</a:t>
+            </a:r>
+            <a:r>
+              <a:rPr kumimoji="1" lang="ja-JP" altLang="en-US" dirty="0">
+                <a:effectLst>
+                  <a:glow rad="228600">
+                    <a:schemeClr val="accent4">
+                      <a:satMod val="175000"/>
+                      <a:alpha val="40000"/>
+                    </a:schemeClr>
+                  </a:glow>
+                </a:effectLst>
+                <a:latin typeface="HGP創英角ｺﾞｼｯｸUB" panose="020B0900000000000000" pitchFamily="50" charset="-128"/>
+                <a:ea typeface="HGP創英角ｺﾞｼｯｸUB" panose="020B0900000000000000" pitchFamily="50" charset="-128"/>
+              </a:rPr>
+              <a:t>狙い撃ち</a:t>
+            </a:r>
+            <a:endParaRPr kumimoji="1" lang="en-US" altLang="ja-JP" dirty="0">
+              <a:effectLst>
+                <a:glow rad="228600">
+                  <a:schemeClr val="accent4">
+                    <a:satMod val="175000"/>
+                    <a:alpha val="40000"/>
+                  </a:schemeClr>
+                </a:glow>
+              </a:effectLst>
+              <a:latin typeface="HGP創英角ｺﾞｼｯｸUB" panose="020B0900000000000000" pitchFamily="50" charset="-128"/>
+              <a:ea typeface="HGP創英角ｺﾞｼｯｸUB" panose="020B0900000000000000" pitchFamily="50" charset="-128"/>
+            </a:endParaRPr>
+          </a:p>
+          <a:p>
+            <a:pPr marL="0" indent="0">
+              <a:buNone/>
+            </a:pPr>
+            <a:r>
+              <a:rPr lang="en-US" altLang="ja-JP" sz="3600" b="1" dirty="0">
+                <a:solidFill>
+                  <a:srgbClr val="FF0000"/>
+                </a:solidFill>
+                <a:effectLst>
+                  <a:glow rad="228600">
+                    <a:schemeClr val="accent4">
+                      <a:satMod val="175000"/>
+                      <a:alpha val="40000"/>
+                    </a:schemeClr>
+                  </a:glow>
+                </a:effectLst>
+                <a:latin typeface="HGP創英角ｺﾞｼｯｸUB" panose="020B0900000000000000" pitchFamily="50" charset="-128"/>
+                <a:ea typeface="HGP創英角ｺﾞｼｯｸUB" panose="020B0900000000000000" pitchFamily="50" charset="-128"/>
+              </a:rPr>
+              <a:t>40-50</a:t>
+            </a:r>
+            <a:r>
+              <a:rPr lang="ja-JP" altLang="en-US" sz="3600" b="1" dirty="0">
+                <a:solidFill>
+                  <a:srgbClr val="FF0000"/>
+                </a:solidFill>
+                <a:effectLst>
+                  <a:glow rad="228600">
+                    <a:schemeClr val="accent4">
+                      <a:satMod val="175000"/>
+                      <a:alpha val="40000"/>
+                    </a:schemeClr>
+                  </a:glow>
+                </a:effectLst>
+                <a:latin typeface="HGP創英角ｺﾞｼｯｸUB" panose="020B0900000000000000" pitchFamily="50" charset="-128"/>
+                <a:ea typeface="HGP創英角ｺﾞｼｯｸUB" panose="020B0900000000000000" pitchFamily="50" charset="-128"/>
+              </a:rPr>
+              <a:t>世代</a:t>
+            </a:r>
+            <a:r>
+              <a:rPr lang="ja-JP" altLang="en-US" dirty="0">
+                <a:effectLst>
+                  <a:glow rad="228600">
+                    <a:schemeClr val="accent4">
+                      <a:satMod val="175000"/>
+                      <a:alpha val="40000"/>
+                    </a:schemeClr>
+                  </a:glow>
+                </a:effectLst>
+                <a:latin typeface="HGP創英角ｺﾞｼｯｸUB" panose="020B0900000000000000" pitchFamily="50" charset="-128"/>
+                <a:ea typeface="HGP創英角ｺﾞｼｯｸUB" panose="020B0900000000000000" pitchFamily="50" charset="-128"/>
+              </a:rPr>
+              <a:t>に刺さるとうれしい</a:t>
+            </a:r>
+          </a:p>
+          <a:p>
+            <a:pPr marL="0" indent="0">
+              <a:buNone/>
+            </a:pPr>
+            <a:endParaRPr kumimoji="1" lang="en-US" altLang="ja-JP" dirty="0">
+              <a:effectLst>
+                <a:glow rad="228600">
+                  <a:schemeClr val="accent4">
+                    <a:satMod val="175000"/>
+                    <a:alpha val="40000"/>
+                  </a:schemeClr>
+                </a:glow>
+              </a:effectLst>
+              <a:latin typeface="HGP創英角ｺﾞｼｯｸUB" panose="020B0900000000000000" pitchFamily="50" charset="-128"/>
+              <a:ea typeface="HGP創英角ｺﾞｼｯｸUB" panose="020B0900000000000000" pitchFamily="50" charset="-128"/>
+            </a:endParaRPr>
+          </a:p>
+          <a:p>
+            <a:pPr marL="0" indent="0" algn="r">
+              <a:buNone/>
+            </a:pPr>
+            <a:endParaRPr kumimoji="1" lang="en-US" altLang="ja-JP" dirty="0">
+              <a:effectLst>
+                <a:glow rad="228600">
+                  <a:schemeClr val="accent4">
+                    <a:satMod val="175000"/>
+                    <a:alpha val="40000"/>
+                  </a:schemeClr>
+                </a:glow>
+              </a:effectLst>
+              <a:latin typeface="HGP創英角ｺﾞｼｯｸUB" panose="020B0900000000000000" pitchFamily="50" charset="-128"/>
+              <a:ea typeface="HGP創英角ｺﾞｼｯｸUB" panose="020B0900000000000000" pitchFamily="50" charset="-128"/>
+            </a:endParaRPr>
+          </a:p>
+        </p:txBody>
+      </p:sp>
+      <p:sp>
+        <p:nvSpPr>
+          <p:cNvPr id="6" name="コンテンツ プレースホルダー 2">
+            <a:extLst>
+              <a:ext uri="{FF2B5EF4-FFF2-40B4-BE49-F238E27FC236}">
+                <a16:creationId xmlns:a16="http://schemas.microsoft.com/office/drawing/2014/main" id="{BE083C4A-8BC9-4BC5-9E10-93DA427394DC}"/>
+              </a:ext>
+            </a:extLst>
+          </p:cNvPr>
+          <p:cNvSpPr txBox="1">
+            <a:spLocks/>
+          </p:cNvSpPr>
+          <p:nvPr/>
+        </p:nvSpPr>
+        <p:spPr>
+          <a:xfrm>
+            <a:off x="6182412" y="232493"/>
+            <a:ext cx="5487186" cy="1982804"/>
+          </a:xfrm>
+          <a:prstGeom prst="rect">
+            <a:avLst/>
+          </a:prstGeom>
+        </p:spPr>
+        <p:txBody>
+          <a:bodyPr vert="horz" lIns="91440" tIns="45720" rIns="91440" bIns="45720" rtlCol="0">
+            <a:normAutofit/>
+          </a:bodyPr>
+          <a:lstStyle>
+            <a:lvl1pPr marL="228600" indent="-228600" algn="l" defTabSz="914400" rtl="0" eaLnBrk="1" latinLnBrk="0" hangingPunct="1">
+              <a:lnSpc>
+                <a:spcPct val="90000"/>
+              </a:lnSpc>
+              <a:spcBef>
+                <a:spcPts val="1000"/>
+              </a:spcBef>
+              <a:buFont typeface="Arial" panose="020B0604020202020204" pitchFamily="34" charset="0"/>
+              <a:buChar char="•"/>
+              <a:defRPr kumimoji="1" sz="2800" kern="1200">
+                <a:solidFill>
+                  <a:schemeClr val="tx1"/>
+                </a:solidFill>
+                <a:latin typeface="+mn-lt"/>
+                <a:ea typeface="+mn-ea"/>
+                <a:cs typeface="+mn-cs"/>
+              </a:defRPr>
+            </a:lvl1pPr>
+            <a:lvl2pPr marL="685800" indent="-228600" algn="l" defTabSz="914400" rtl="0" eaLnBrk="1" latinLnBrk="0" hangingPunct="1">
+              <a:lnSpc>
+                <a:spcPct val="90000"/>
+              </a:lnSpc>
+              <a:spcBef>
+                <a:spcPts val="500"/>
+              </a:spcBef>
+              <a:buFont typeface="Arial" panose="020B0604020202020204" pitchFamily="34" charset="0"/>
+              <a:buChar char="•"/>
+              <a:defRPr kumimoji="1" sz="2400" kern="1200">
+                <a:solidFill>
+                  <a:schemeClr val="tx1"/>
+                </a:solidFill>
+                <a:latin typeface="+mn-lt"/>
+                <a:ea typeface="+mn-ea"/>
+                <a:cs typeface="+mn-cs"/>
+              </a:defRPr>
+            </a:lvl2pPr>
+            <a:lvl3pPr marL="1143000" indent="-228600" algn="l" defTabSz="914400" rtl="0" eaLnBrk="1" latinLnBrk="0" hangingPunct="1">
+              <a:lnSpc>
+                <a:spcPct val="90000"/>
+              </a:lnSpc>
+              <a:spcBef>
+                <a:spcPts val="500"/>
+              </a:spcBef>
+              <a:buFont typeface="Arial" panose="020B0604020202020204" pitchFamily="34" charset="0"/>
+              <a:buChar char="•"/>
+              <a:defRPr kumimoji="1" sz="2000" kern="1200">
+                <a:solidFill>
+                  <a:schemeClr val="tx1"/>
+                </a:solidFill>
+                <a:latin typeface="+mn-lt"/>
+                <a:ea typeface="+mn-ea"/>
+                <a:cs typeface="+mn-cs"/>
+              </a:defRPr>
+            </a:lvl3pPr>
+            <a:lvl4pPr marL="1600200" indent="-228600" algn="l" defTabSz="914400" rtl="0" eaLnBrk="1" latinLnBrk="0" hangingPunct="1">
+              <a:lnSpc>
+                <a:spcPct val="90000"/>
+              </a:lnSpc>
+              <a:spcBef>
+                <a:spcPts val="500"/>
+              </a:spcBef>
+              <a:buFont typeface="Arial" panose="020B0604020202020204" pitchFamily="34" charset="0"/>
+              <a:buChar char="•"/>
+              <a:defRPr kumimoji="1" sz="1800" kern="1200">
+                <a:solidFill>
+                  <a:schemeClr val="tx1"/>
+                </a:solidFill>
+                <a:latin typeface="+mn-lt"/>
+                <a:ea typeface="+mn-ea"/>
+                <a:cs typeface="+mn-cs"/>
+              </a:defRPr>
+            </a:lvl4pPr>
+            <a:lvl5pPr marL="2057400" indent="-228600" algn="l" defTabSz="914400" rtl="0" eaLnBrk="1" latinLnBrk="0" hangingPunct="1">
+              <a:lnSpc>
+                <a:spcPct val="90000"/>
+              </a:lnSpc>
+              <a:spcBef>
+                <a:spcPts val="500"/>
+              </a:spcBef>
+              <a:buFont typeface="Arial" panose="020B0604020202020204" pitchFamily="34" charset="0"/>
+              <a:buChar char="•"/>
+              <a:defRPr kumimoji="1" sz="1800" kern="1200">
+                <a:solidFill>
+                  <a:schemeClr val="tx1"/>
+                </a:solidFill>
+                <a:latin typeface="+mn-lt"/>
+                <a:ea typeface="+mn-ea"/>
+                <a:cs typeface="+mn-cs"/>
+              </a:defRPr>
+            </a:lvl5pPr>
+            <a:lvl6pPr marL="2514600" indent="-228600" algn="l" defTabSz="914400" rtl="0" eaLnBrk="1" latinLnBrk="0" hangingPunct="1">
+              <a:lnSpc>
+                <a:spcPct val="90000"/>
+              </a:lnSpc>
+              <a:spcBef>
+                <a:spcPts val="500"/>
+              </a:spcBef>
+              <a:buFont typeface="Arial" panose="020B0604020202020204" pitchFamily="34" charset="0"/>
+              <a:buChar char="•"/>
+              <a:defRPr kumimoji="1" sz="1800" kern="1200">
+                <a:solidFill>
+                  <a:schemeClr val="tx1"/>
+                </a:solidFill>
+                <a:latin typeface="+mn-lt"/>
+                <a:ea typeface="+mn-ea"/>
+                <a:cs typeface="+mn-cs"/>
+              </a:defRPr>
+            </a:lvl6pPr>
+            <a:lvl7pPr marL="2971800" indent="-228600" algn="l" defTabSz="914400" rtl="0" eaLnBrk="1" latinLnBrk="0" hangingPunct="1">
+              <a:lnSpc>
+                <a:spcPct val="90000"/>
+              </a:lnSpc>
+              <a:spcBef>
+                <a:spcPts val="500"/>
+              </a:spcBef>
+              <a:buFont typeface="Arial" panose="020B0604020202020204" pitchFamily="34" charset="0"/>
+              <a:buChar char="•"/>
+              <a:defRPr kumimoji="1" sz="1800" kern="1200">
+                <a:solidFill>
+                  <a:schemeClr val="tx1"/>
+                </a:solidFill>
+                <a:latin typeface="+mn-lt"/>
+                <a:ea typeface="+mn-ea"/>
+                <a:cs typeface="+mn-cs"/>
+              </a:defRPr>
+            </a:lvl7pPr>
+            <a:lvl8pPr marL="3429000" indent="-228600" algn="l" defTabSz="914400" rtl="0" eaLnBrk="1" latinLnBrk="0" hangingPunct="1">
+              <a:lnSpc>
+                <a:spcPct val="90000"/>
+              </a:lnSpc>
+              <a:spcBef>
+                <a:spcPts val="500"/>
+              </a:spcBef>
+              <a:buFont typeface="Arial" panose="020B0604020202020204" pitchFamily="34" charset="0"/>
+              <a:buChar char="•"/>
+              <a:defRPr kumimoji="1" sz="1800" kern="1200">
+                <a:solidFill>
+                  <a:schemeClr val="tx1"/>
+                </a:solidFill>
+                <a:latin typeface="+mn-lt"/>
+                <a:ea typeface="+mn-ea"/>
+                <a:cs typeface="+mn-cs"/>
+              </a:defRPr>
+            </a:lvl8pPr>
+            <a:lvl9pPr marL="3886200" indent="-228600" algn="l" defTabSz="914400" rtl="0" eaLnBrk="1" latinLnBrk="0" hangingPunct="1">
+              <a:lnSpc>
+                <a:spcPct val="90000"/>
+              </a:lnSpc>
+              <a:spcBef>
+                <a:spcPts val="500"/>
+              </a:spcBef>
+              <a:buFont typeface="Arial" panose="020B0604020202020204" pitchFamily="34" charset="0"/>
+              <a:buChar char="•"/>
+              <a:defRPr kumimoji="1" sz="1800" kern="1200">
+                <a:solidFill>
+                  <a:schemeClr val="tx1"/>
+                </a:solidFill>
+                <a:latin typeface="+mn-lt"/>
+                <a:ea typeface="+mn-ea"/>
+                <a:cs typeface="+mn-cs"/>
+              </a:defRPr>
+            </a:lvl9pPr>
+          </a:lstStyle>
+          <a:p>
+            <a:pPr marL="0" indent="0" algn="r">
+              <a:buFont typeface="Arial" panose="020B0604020202020204" pitchFamily="34" charset="0"/>
+              <a:buNone/>
+            </a:pPr>
+            <a:r>
+              <a:rPr lang="ja-JP" altLang="en-US" sz="4000" dirty="0">
+                <a:effectLst>
+                  <a:glow rad="190500">
+                    <a:schemeClr val="bg1"/>
+                  </a:glow>
+                </a:effectLst>
+                <a:latin typeface="HGP創英角ｺﾞｼｯｸUB" panose="020B0900000000000000" pitchFamily="50" charset="-128"/>
+                <a:ea typeface="HGP創英角ｺﾞｼｯｸUB" panose="020B0900000000000000" pitchFamily="50" charset="-128"/>
+              </a:rPr>
+              <a:t>コンセプト</a:t>
+            </a:r>
+            <a:endParaRPr lang="en-US" altLang="ja-JP" sz="4000" dirty="0">
+              <a:effectLst>
+                <a:glow rad="190500">
+                  <a:schemeClr val="bg1"/>
+                </a:glow>
+              </a:effectLst>
+              <a:latin typeface="HGP創英角ｺﾞｼｯｸUB" panose="020B0900000000000000" pitchFamily="50" charset="-128"/>
+              <a:ea typeface="HGP創英角ｺﾞｼｯｸUB" panose="020B0900000000000000" pitchFamily="50" charset="-128"/>
+            </a:endParaRPr>
+          </a:p>
+          <a:p>
+            <a:pPr marL="0" indent="0" algn="r">
+              <a:buFont typeface="Arial" panose="020B0604020202020204" pitchFamily="34" charset="0"/>
+              <a:buNone/>
+            </a:pPr>
+            <a:r>
+              <a:rPr lang="ja-JP" altLang="en-US" dirty="0">
+                <a:effectLst>
+                  <a:glow rad="228600">
+                    <a:schemeClr val="accent4">
+                      <a:satMod val="175000"/>
+                      <a:alpha val="40000"/>
+                    </a:schemeClr>
+                  </a:glow>
+                </a:effectLst>
+                <a:latin typeface="HGP創英角ｺﾞｼｯｸUB" panose="020B0900000000000000" pitchFamily="50" charset="-128"/>
+                <a:ea typeface="HGP創英角ｺﾞｼｯｸUB" panose="020B0900000000000000" pitchFamily="50" charset="-128"/>
+              </a:rPr>
+              <a:t>デビルワールドの</a:t>
+            </a:r>
+            <a:r>
+              <a:rPr lang="ja-JP" altLang="en-US" sz="3600" b="1" dirty="0">
+                <a:solidFill>
+                  <a:srgbClr val="FF0000"/>
+                </a:solidFill>
+                <a:effectLst>
+                  <a:glow rad="228600">
+                    <a:schemeClr val="accent4">
+                      <a:satMod val="175000"/>
+                      <a:alpha val="40000"/>
+                    </a:schemeClr>
+                  </a:glow>
+                </a:effectLst>
+                <a:latin typeface="HGP創英角ｺﾞｼｯｸUB" panose="020B0900000000000000" pitchFamily="50" charset="-128"/>
+                <a:ea typeface="HGP創英角ｺﾞｼｯｸUB" panose="020B0900000000000000" pitchFamily="50" charset="-128"/>
+              </a:rPr>
+              <a:t>正統進化</a:t>
+            </a:r>
+            <a:endParaRPr lang="en-US" altLang="ja-JP" b="1" dirty="0">
+              <a:solidFill>
+                <a:srgbClr val="FF0000"/>
+              </a:solidFill>
+              <a:effectLst>
+                <a:glow rad="228600">
+                  <a:schemeClr val="accent4">
+                    <a:satMod val="175000"/>
+                    <a:alpha val="40000"/>
+                  </a:schemeClr>
+                </a:glow>
+              </a:effectLst>
+              <a:latin typeface="HGP創英角ｺﾞｼｯｸUB" panose="020B0900000000000000" pitchFamily="50" charset="-128"/>
+              <a:ea typeface="HGP創英角ｺﾞｼｯｸUB" panose="020B0900000000000000" pitchFamily="50" charset="-128"/>
+            </a:endParaRPr>
+          </a:p>
+          <a:p>
+            <a:pPr marL="0" indent="0" algn="r">
+              <a:buFont typeface="Arial" panose="020B0604020202020204" pitchFamily="34" charset="0"/>
+              <a:buNone/>
+            </a:pPr>
+            <a:r>
+              <a:rPr lang="ja-JP" altLang="en-US" dirty="0">
+                <a:effectLst>
+                  <a:glow rad="228600">
+                    <a:schemeClr val="accent4">
+                      <a:satMod val="175000"/>
+                      <a:alpha val="40000"/>
+                    </a:schemeClr>
+                  </a:glow>
+                </a:effectLst>
+                <a:latin typeface="HGP創英角ｺﾞｼｯｸUB" panose="020B0900000000000000" pitchFamily="50" charset="-128"/>
+                <a:ea typeface="HGP創英角ｺﾞｼｯｸUB" panose="020B0900000000000000" pitchFamily="50" charset="-128"/>
+              </a:rPr>
+              <a:t>大きすぎる改変は極力行わない</a:t>
+            </a:r>
+            <a:endParaRPr lang="en-US" altLang="ja-JP" dirty="0">
+              <a:effectLst>
+                <a:glow rad="228600">
+                  <a:schemeClr val="accent4">
+                    <a:satMod val="175000"/>
+                    <a:alpha val="40000"/>
+                  </a:schemeClr>
+                </a:glow>
+              </a:effectLst>
+              <a:latin typeface="HGP創英角ｺﾞｼｯｸUB" panose="020B0900000000000000" pitchFamily="50" charset="-128"/>
+              <a:ea typeface="HGP創英角ｺﾞｼｯｸUB" panose="020B0900000000000000" pitchFamily="50" charset="-128"/>
+            </a:endParaRPr>
+          </a:p>
+        </p:txBody>
+      </p:sp>
+      <p:sp>
+        <p:nvSpPr>
+          <p:cNvPr id="9" name="タイトル 1">
+            <a:extLst>
+              <a:ext uri="{FF2B5EF4-FFF2-40B4-BE49-F238E27FC236}">
+                <a16:creationId xmlns:a16="http://schemas.microsoft.com/office/drawing/2014/main" id="{E7F45377-EC70-444C-9E5C-54B3E455EDFE}"/>
               </a:ext>
             </a:extLst>
           </p:cNvPr>
@@ -3744,202 +4297,955 @@
             <p:ph type="title"/>
           </p:nvPr>
         </p:nvSpPr>
-        <p:spPr/>
-        <p:txBody>
-          <a:bodyPr/>
+        <p:spPr>
+          <a:xfrm>
+            <a:off x="4161541" y="2215297"/>
+            <a:ext cx="3696093" cy="1325563"/>
+          </a:xfrm>
+        </p:spPr>
+        <p:txBody>
+          <a:bodyPr>
+            <a:normAutofit/>
+          </a:bodyPr>
           <a:lstStyle/>
           <a:p>
-            <a:r>
-              <a:rPr kumimoji="1" lang="ja-JP" altLang="en-US" dirty="0">
+            <a:pPr algn="ctr"/>
+            <a:r>
+              <a:rPr kumimoji="1" lang="ja-JP" altLang="en-US" sz="5400" dirty="0">
+                <a:effectLst>
+                  <a:glow rad="254000">
+                    <a:schemeClr val="bg1"/>
+                  </a:glow>
+                </a:effectLst>
                 <a:latin typeface="HGP創英角ｺﾞｼｯｸUB" panose="020B0900000000000000" pitchFamily="50" charset="-128"/>
                 <a:ea typeface="HGP創英角ｺﾞｼｯｸUB" panose="020B0900000000000000" pitchFamily="50" charset="-128"/>
               </a:rPr>
-              <a:t>ターゲット・コンセプト</a:t>
-            </a:r>
-          </a:p>
-        </p:txBody>
-      </p:sp>
-      <p:sp>
-        <p:nvSpPr>
-          <p:cNvPr id="3" name="コンテンツ プレースホルダー 2">
-            <a:extLst>
-              <a:ext uri="{FF2B5EF4-FFF2-40B4-BE49-F238E27FC236}">
-                <a16:creationId xmlns:a16="http://schemas.microsoft.com/office/drawing/2014/main" id="{9562E871-E0CE-41B2-AC84-2B5CBBA01099}"/>
-              </a:ext>
-            </a:extLst>
-          </p:cNvPr>
-          <p:cNvSpPr>
-            <a:spLocks noGrp="1"/>
+              <a:t>ゲーム進行</a:t>
+            </a:r>
+          </a:p>
+        </p:txBody>
+      </p:sp>
+      <p:sp>
+        <p:nvSpPr>
+          <p:cNvPr id="10" name="コンテンツ プレースホルダー 4">
+            <a:extLst>
+              <a:ext uri="{FF2B5EF4-FFF2-40B4-BE49-F238E27FC236}">
+                <a16:creationId xmlns:a16="http://schemas.microsoft.com/office/drawing/2014/main" id="{135E125A-AB3F-4EB7-AF26-3F6330F3B536}"/>
+              </a:ext>
+            </a:extLst>
+          </p:cNvPr>
+          <p:cNvSpPr txBox="1">
+            <a:spLocks/>
           </p:cNvSpPr>
-          <p:nvPr>
-            <p:ph idx="1"/>
-          </p:nvPr>
-        </p:nvSpPr>
-        <p:spPr/>
-        <p:txBody>
-          <a:bodyPr/>
-          <a:lstStyle/>
+          <p:nvPr/>
+        </p:nvSpPr>
+        <p:spPr>
+          <a:xfrm>
+            <a:off x="522402" y="3347995"/>
+            <a:ext cx="5487186" cy="3277512"/>
+          </a:xfrm>
+          <a:prstGeom prst="rect">
+            <a:avLst/>
+          </a:prstGeom>
+        </p:spPr>
+        <p:txBody>
+          <a:bodyPr vert="horz" lIns="91440" tIns="45720" rIns="91440" bIns="45720" rtlCol="0">
+            <a:normAutofit/>
+          </a:bodyPr>
+          <a:lstStyle>
+            <a:lvl1pPr marL="228600" indent="-228600" algn="l" defTabSz="914400" rtl="0" eaLnBrk="1" latinLnBrk="0" hangingPunct="1">
+              <a:lnSpc>
+                <a:spcPct val="90000"/>
+              </a:lnSpc>
+              <a:spcBef>
+                <a:spcPts val="1000"/>
+              </a:spcBef>
+              <a:buFont typeface="Arial" panose="020B0604020202020204" pitchFamily="34" charset="0"/>
+              <a:buChar char="•"/>
+              <a:defRPr kumimoji="1" sz="2800" kern="1200">
+                <a:solidFill>
+                  <a:schemeClr val="tx1"/>
+                </a:solidFill>
+                <a:latin typeface="+mn-lt"/>
+                <a:ea typeface="+mn-ea"/>
+                <a:cs typeface="+mn-cs"/>
+              </a:defRPr>
+            </a:lvl1pPr>
+            <a:lvl2pPr marL="685800" indent="-228600" algn="l" defTabSz="914400" rtl="0" eaLnBrk="1" latinLnBrk="0" hangingPunct="1">
+              <a:lnSpc>
+                <a:spcPct val="90000"/>
+              </a:lnSpc>
+              <a:spcBef>
+                <a:spcPts val="500"/>
+              </a:spcBef>
+              <a:buFont typeface="Arial" panose="020B0604020202020204" pitchFamily="34" charset="0"/>
+              <a:buChar char="•"/>
+              <a:defRPr kumimoji="1" sz="2400" kern="1200">
+                <a:solidFill>
+                  <a:schemeClr val="tx1"/>
+                </a:solidFill>
+                <a:latin typeface="+mn-lt"/>
+                <a:ea typeface="+mn-ea"/>
+                <a:cs typeface="+mn-cs"/>
+              </a:defRPr>
+            </a:lvl2pPr>
+            <a:lvl3pPr marL="1143000" indent="-228600" algn="l" defTabSz="914400" rtl="0" eaLnBrk="1" latinLnBrk="0" hangingPunct="1">
+              <a:lnSpc>
+                <a:spcPct val="90000"/>
+              </a:lnSpc>
+              <a:spcBef>
+                <a:spcPts val="500"/>
+              </a:spcBef>
+              <a:buFont typeface="Arial" panose="020B0604020202020204" pitchFamily="34" charset="0"/>
+              <a:buChar char="•"/>
+              <a:defRPr kumimoji="1" sz="2000" kern="1200">
+                <a:solidFill>
+                  <a:schemeClr val="tx1"/>
+                </a:solidFill>
+                <a:latin typeface="+mn-lt"/>
+                <a:ea typeface="+mn-ea"/>
+                <a:cs typeface="+mn-cs"/>
+              </a:defRPr>
+            </a:lvl3pPr>
+            <a:lvl4pPr marL="1600200" indent="-228600" algn="l" defTabSz="914400" rtl="0" eaLnBrk="1" latinLnBrk="0" hangingPunct="1">
+              <a:lnSpc>
+                <a:spcPct val="90000"/>
+              </a:lnSpc>
+              <a:spcBef>
+                <a:spcPts val="500"/>
+              </a:spcBef>
+              <a:buFont typeface="Arial" panose="020B0604020202020204" pitchFamily="34" charset="0"/>
+              <a:buChar char="•"/>
+              <a:defRPr kumimoji="1" sz="1800" kern="1200">
+                <a:solidFill>
+                  <a:schemeClr val="tx1"/>
+                </a:solidFill>
+                <a:latin typeface="+mn-lt"/>
+                <a:ea typeface="+mn-ea"/>
+                <a:cs typeface="+mn-cs"/>
+              </a:defRPr>
+            </a:lvl4pPr>
+            <a:lvl5pPr marL="2057400" indent="-228600" algn="l" defTabSz="914400" rtl="0" eaLnBrk="1" latinLnBrk="0" hangingPunct="1">
+              <a:lnSpc>
+                <a:spcPct val="90000"/>
+              </a:lnSpc>
+              <a:spcBef>
+                <a:spcPts val="500"/>
+              </a:spcBef>
+              <a:buFont typeface="Arial" panose="020B0604020202020204" pitchFamily="34" charset="0"/>
+              <a:buChar char="•"/>
+              <a:defRPr kumimoji="1" sz="1800" kern="1200">
+                <a:solidFill>
+                  <a:schemeClr val="tx1"/>
+                </a:solidFill>
+                <a:latin typeface="+mn-lt"/>
+                <a:ea typeface="+mn-ea"/>
+                <a:cs typeface="+mn-cs"/>
+              </a:defRPr>
+            </a:lvl5pPr>
+            <a:lvl6pPr marL="2514600" indent="-228600" algn="l" defTabSz="914400" rtl="0" eaLnBrk="1" latinLnBrk="0" hangingPunct="1">
+              <a:lnSpc>
+                <a:spcPct val="90000"/>
+              </a:lnSpc>
+              <a:spcBef>
+                <a:spcPts val="500"/>
+              </a:spcBef>
+              <a:buFont typeface="Arial" panose="020B0604020202020204" pitchFamily="34" charset="0"/>
+              <a:buChar char="•"/>
+              <a:defRPr kumimoji="1" sz="1800" kern="1200">
+                <a:solidFill>
+                  <a:schemeClr val="tx1"/>
+                </a:solidFill>
+                <a:latin typeface="+mn-lt"/>
+                <a:ea typeface="+mn-ea"/>
+                <a:cs typeface="+mn-cs"/>
+              </a:defRPr>
+            </a:lvl6pPr>
+            <a:lvl7pPr marL="2971800" indent="-228600" algn="l" defTabSz="914400" rtl="0" eaLnBrk="1" latinLnBrk="0" hangingPunct="1">
+              <a:lnSpc>
+                <a:spcPct val="90000"/>
+              </a:lnSpc>
+              <a:spcBef>
+                <a:spcPts val="500"/>
+              </a:spcBef>
+              <a:buFont typeface="Arial" panose="020B0604020202020204" pitchFamily="34" charset="0"/>
+              <a:buChar char="•"/>
+              <a:defRPr kumimoji="1" sz="1800" kern="1200">
+                <a:solidFill>
+                  <a:schemeClr val="tx1"/>
+                </a:solidFill>
+                <a:latin typeface="+mn-lt"/>
+                <a:ea typeface="+mn-ea"/>
+                <a:cs typeface="+mn-cs"/>
+              </a:defRPr>
+            </a:lvl7pPr>
+            <a:lvl8pPr marL="3429000" indent="-228600" algn="l" defTabSz="914400" rtl="0" eaLnBrk="1" latinLnBrk="0" hangingPunct="1">
+              <a:lnSpc>
+                <a:spcPct val="90000"/>
+              </a:lnSpc>
+              <a:spcBef>
+                <a:spcPts val="500"/>
+              </a:spcBef>
+              <a:buFont typeface="Arial" panose="020B0604020202020204" pitchFamily="34" charset="0"/>
+              <a:buChar char="•"/>
+              <a:defRPr kumimoji="1" sz="1800" kern="1200">
+                <a:solidFill>
+                  <a:schemeClr val="tx1"/>
+                </a:solidFill>
+                <a:latin typeface="+mn-lt"/>
+                <a:ea typeface="+mn-ea"/>
+                <a:cs typeface="+mn-cs"/>
+              </a:defRPr>
+            </a:lvl8pPr>
+            <a:lvl9pPr marL="3886200" indent="-228600" algn="l" defTabSz="914400" rtl="0" eaLnBrk="1" latinLnBrk="0" hangingPunct="1">
+              <a:lnSpc>
+                <a:spcPct val="90000"/>
+              </a:lnSpc>
+              <a:spcBef>
+                <a:spcPts val="500"/>
+              </a:spcBef>
+              <a:buFont typeface="Arial" panose="020B0604020202020204" pitchFamily="34" charset="0"/>
+              <a:buChar char="•"/>
+              <a:defRPr kumimoji="1" sz="1800" kern="1200">
+                <a:solidFill>
+                  <a:schemeClr val="tx1"/>
+                </a:solidFill>
+                <a:latin typeface="+mn-lt"/>
+                <a:ea typeface="+mn-ea"/>
+                <a:cs typeface="+mn-cs"/>
+              </a:defRPr>
+            </a:lvl9pPr>
+          </a:lstStyle>
           <a:p>
             <a:pPr marL="0" indent="0">
+              <a:buFont typeface="Arial" panose="020B0604020202020204" pitchFamily="34" charset="0"/>
               <a:buNone/>
             </a:pPr>
             <a:r>
-              <a:rPr lang="ja-JP" altLang="en-US" dirty="0">
+              <a:rPr lang="ja-JP" altLang="en-US" sz="4000" dirty="0">
+                <a:effectLst>
+                  <a:glow rad="228600">
+                    <a:schemeClr val="accent4">
+                      <a:satMod val="175000"/>
+                      <a:alpha val="40000"/>
+                    </a:schemeClr>
+                  </a:glow>
+                </a:effectLst>
                 <a:latin typeface="HGP創英角ｺﾞｼｯｸUB" panose="020B0900000000000000" pitchFamily="50" charset="-128"/>
                 <a:ea typeface="HGP創英角ｺﾞｼｯｸUB" panose="020B0900000000000000" pitchFamily="50" charset="-128"/>
               </a:rPr>
-              <a:t>ターゲット</a:t>
-            </a:r>
-            <a:endParaRPr lang="en-US" altLang="ja-JP" dirty="0">
+              <a:t>・第一フェーズ</a:t>
+            </a:r>
+            <a:endParaRPr lang="en-US" altLang="ja-JP" sz="4000" dirty="0">
+              <a:effectLst>
+                <a:glow rad="228600">
+                  <a:schemeClr val="accent4">
+                    <a:satMod val="175000"/>
+                    <a:alpha val="40000"/>
+                  </a:schemeClr>
+                </a:glow>
+              </a:effectLst>
               <a:latin typeface="HGP創英角ｺﾞｼｯｸUB" panose="020B0900000000000000" pitchFamily="50" charset="-128"/>
               <a:ea typeface="HGP創英角ｺﾞｼｯｸUB" panose="020B0900000000000000" pitchFamily="50" charset="-128"/>
             </a:endParaRPr>
           </a:p>
           <a:p>
             <a:pPr marL="0" indent="0">
+              <a:buFont typeface="Arial" panose="020B0604020202020204" pitchFamily="34" charset="0"/>
               <a:buNone/>
             </a:pPr>
             <a:r>
-              <a:rPr kumimoji="1" lang="ja-JP" altLang="en-US" dirty="0">
+              <a:rPr lang="ja-JP" altLang="en-US" sz="3200" dirty="0">
+                <a:effectLst>
+                  <a:glow rad="228600">
+                    <a:schemeClr val="accent4">
+                      <a:satMod val="175000"/>
+                      <a:alpha val="40000"/>
+                    </a:schemeClr>
+                  </a:glow>
+                </a:effectLst>
                 <a:latin typeface="HGP創英角ｺﾞｼｯｸUB" panose="020B0900000000000000" pitchFamily="50" charset="-128"/>
                 <a:ea typeface="HGP創英角ｺﾞｼｯｸUB" panose="020B0900000000000000" pitchFamily="50" charset="-128"/>
               </a:rPr>
-              <a:t>・</a:t>
-            </a:r>
-            <a:r>
-              <a:rPr kumimoji="1" lang="en-US" altLang="ja-JP" dirty="0">
+              <a:t>マップ中に散らばっている</a:t>
+            </a:r>
+            <a:endParaRPr lang="en-US" altLang="ja-JP" sz="3200" dirty="0">
+              <a:effectLst>
+                <a:glow rad="228600">
+                  <a:schemeClr val="accent4">
+                    <a:satMod val="175000"/>
+                    <a:alpha val="40000"/>
+                  </a:schemeClr>
+                </a:glow>
+              </a:effectLst>
+              <a:latin typeface="HGP創英角ｺﾞｼｯｸUB" panose="020B0900000000000000" pitchFamily="50" charset="-128"/>
+              <a:ea typeface="HGP創英角ｺﾞｼｯｸUB" panose="020B0900000000000000" pitchFamily="50" charset="-128"/>
+            </a:endParaRPr>
+          </a:p>
+          <a:p>
+            <a:pPr marL="0" indent="0">
+              <a:buFont typeface="Arial" panose="020B0604020202020204" pitchFamily="34" charset="0"/>
+              <a:buNone/>
+            </a:pPr>
+            <a:r>
+              <a:rPr lang="ja-JP" altLang="en-US" sz="3200" dirty="0">
+                <a:effectLst>
+                  <a:glow rad="228600">
+                    <a:schemeClr val="accent4">
+                      <a:satMod val="175000"/>
+                      <a:alpha val="40000"/>
+                    </a:schemeClr>
+                  </a:glow>
+                </a:effectLst>
+                <a:latin typeface="HGP創英角ｺﾞｼｯｸUB" panose="020B0900000000000000" pitchFamily="50" charset="-128"/>
+                <a:ea typeface="HGP創英角ｺﾞｼｯｸUB" panose="020B0900000000000000" pitchFamily="50" charset="-128"/>
+              </a:rPr>
+              <a:t>「</a:t>
+            </a:r>
+            <a:r>
+              <a:rPr lang="ja-JP" altLang="en-US" sz="3200" dirty="0">
                 <a:solidFill>
                   <a:srgbClr val="FF0000"/>
                 </a:solidFill>
+                <a:effectLst>
+                  <a:glow rad="228600">
+                    <a:schemeClr val="accent4">
+                      <a:satMod val="175000"/>
+                      <a:alpha val="40000"/>
+                    </a:schemeClr>
+                  </a:glow>
+                </a:effectLst>
                 <a:latin typeface="HGP創英角ｺﾞｼｯｸUB" panose="020B0900000000000000" pitchFamily="50" charset="-128"/>
                 <a:ea typeface="HGP創英角ｺﾞｼｯｸUB" panose="020B0900000000000000" pitchFamily="50" charset="-128"/>
               </a:rPr>
-              <a:t>AKR</a:t>
-            </a:r>
-            <a:r>
-              <a:rPr kumimoji="1" lang="ja-JP" altLang="en-US" dirty="0">
+              <a:t>ボワボワ</a:t>
+            </a:r>
+            <a:r>
+              <a:rPr lang="ja-JP" altLang="en-US" sz="3200" dirty="0">
+                <a:effectLst>
+                  <a:glow rad="228600">
+                    <a:schemeClr val="accent4">
+                      <a:satMod val="175000"/>
+                      <a:alpha val="40000"/>
+                    </a:schemeClr>
+                  </a:glow>
+                </a:effectLst>
                 <a:latin typeface="HGP創英角ｺﾞｼｯｸUB" panose="020B0900000000000000" pitchFamily="50" charset="-128"/>
                 <a:ea typeface="HGP創英角ｺﾞｼｯｸUB" panose="020B0900000000000000" pitchFamily="50" charset="-128"/>
               </a:rPr>
-              <a:t>狙い撃ち</a:t>
-            </a:r>
-            <a:endParaRPr kumimoji="1" lang="en-US" altLang="ja-JP" dirty="0">
+              <a:t>」を収集</a:t>
+            </a:r>
+            <a:endParaRPr lang="en-US" altLang="ja-JP" sz="3200" dirty="0">
+              <a:effectLst>
+                <a:glow rad="228600">
+                  <a:schemeClr val="accent4">
+                    <a:satMod val="175000"/>
+                    <a:alpha val="40000"/>
+                  </a:schemeClr>
+                </a:glow>
+              </a:effectLst>
               <a:latin typeface="HGP創英角ｺﾞｼｯｸUB" panose="020B0900000000000000" pitchFamily="50" charset="-128"/>
               <a:ea typeface="HGP創英角ｺﾞｼｯｸUB" panose="020B0900000000000000" pitchFamily="50" charset="-128"/>
             </a:endParaRPr>
           </a:p>
           <a:p>
             <a:pPr marL="0" indent="0">
+              <a:buFont typeface="Arial" panose="020B0604020202020204" pitchFamily="34" charset="0"/>
               <a:buNone/>
             </a:pPr>
             <a:r>
-              <a:rPr lang="ja-JP" altLang="en-US" dirty="0">
+              <a:rPr lang="ja-JP" altLang="en-US" sz="3200" dirty="0">
+                <a:effectLst>
+                  <a:glow rad="228600">
+                    <a:schemeClr val="accent4">
+                      <a:satMod val="175000"/>
+                      <a:alpha val="40000"/>
+                    </a:schemeClr>
+                  </a:glow>
+                </a:effectLst>
                 <a:latin typeface="HGP創英角ｺﾞｼｯｸUB" panose="020B0900000000000000" pitchFamily="50" charset="-128"/>
                 <a:ea typeface="HGP創英角ｺﾞｼｯｸUB" panose="020B0900000000000000" pitchFamily="50" charset="-128"/>
               </a:rPr>
-              <a:t>・</a:t>
-            </a:r>
-            <a:r>
-              <a:rPr lang="en-US" altLang="ja-JP" dirty="0">
+              <a:t>すべて集めると</a:t>
+            </a:r>
+            <a:endParaRPr lang="en-US" altLang="ja-JP" sz="3200" dirty="0">
+              <a:effectLst>
+                <a:glow rad="228600">
+                  <a:schemeClr val="accent4">
+                    <a:satMod val="175000"/>
+                    <a:alpha val="40000"/>
+                  </a:schemeClr>
+                </a:glow>
+              </a:effectLst>
+              <a:latin typeface="HGP創英角ｺﾞｼｯｸUB" panose="020B0900000000000000" pitchFamily="50" charset="-128"/>
+              <a:ea typeface="HGP創英角ｺﾞｼｯｸUB" panose="020B0900000000000000" pitchFamily="50" charset="-128"/>
+            </a:endParaRPr>
+          </a:p>
+          <a:p>
+            <a:pPr marL="0" indent="0">
+              <a:buFont typeface="Arial" panose="020B0604020202020204" pitchFamily="34" charset="0"/>
+              <a:buNone/>
+            </a:pPr>
+            <a:r>
+              <a:rPr lang="ja-JP" altLang="en-US" sz="3200" dirty="0">
+                <a:effectLst>
+                  <a:glow rad="228600">
+                    <a:schemeClr val="accent4">
+                      <a:satMod val="175000"/>
+                      <a:alpha val="40000"/>
+                    </a:schemeClr>
+                  </a:glow>
+                </a:effectLst>
+                <a:latin typeface="HGP創英角ｺﾞｼｯｸUB" panose="020B0900000000000000" pitchFamily="50" charset="-128"/>
+                <a:ea typeface="HGP創英角ｺﾞｼｯｸUB" panose="020B0900000000000000" pitchFamily="50" charset="-128"/>
+              </a:rPr>
+              <a:t>第二フェーズに</a:t>
+            </a:r>
+            <a:r>
+              <a:rPr lang="ja-JP" altLang="en-US" sz="3200" dirty="0">
                 <a:solidFill>
                   <a:srgbClr val="FF0000"/>
                 </a:solidFill>
+                <a:effectLst>
+                  <a:glow rad="228600">
+                    <a:schemeClr val="accent4">
+                      <a:satMod val="175000"/>
+                      <a:alpha val="40000"/>
+                    </a:schemeClr>
+                  </a:glow>
+                </a:effectLst>
                 <a:latin typeface="HGP創英角ｺﾞｼｯｸUB" panose="020B0900000000000000" pitchFamily="50" charset="-128"/>
                 <a:ea typeface="HGP創英角ｺﾞｼｯｸUB" panose="020B0900000000000000" pitchFamily="50" charset="-128"/>
               </a:rPr>
-              <a:t>40-50</a:t>
-            </a:r>
-            <a:r>
-              <a:rPr lang="ja-JP" altLang="en-US" dirty="0">
+              <a:t>移行</a:t>
+            </a:r>
+            <a:r>
+              <a:rPr lang="ja-JP" altLang="en-US" sz="3200" dirty="0">
+                <a:effectLst>
+                  <a:glow rad="228600">
+                    <a:schemeClr val="accent4">
+                      <a:satMod val="175000"/>
+                      <a:alpha val="40000"/>
+                    </a:schemeClr>
+                  </a:glow>
+                </a:effectLst>
+                <a:latin typeface="HGP創英角ｺﾞｼｯｸUB" panose="020B0900000000000000" pitchFamily="50" charset="-128"/>
+                <a:ea typeface="HGP創英角ｺﾞｼｯｸUB" panose="020B0900000000000000" pitchFamily="50" charset="-128"/>
+              </a:rPr>
+              <a:t>する。</a:t>
+            </a:r>
+            <a:endParaRPr lang="en-US" altLang="ja-JP" sz="3200" dirty="0">
+              <a:effectLst>
+                <a:glow rad="228600">
+                  <a:schemeClr val="accent4">
+                    <a:satMod val="175000"/>
+                    <a:alpha val="40000"/>
+                  </a:schemeClr>
+                </a:glow>
+              </a:effectLst>
+              <a:latin typeface="HGP創英角ｺﾞｼｯｸUB" panose="020B0900000000000000" pitchFamily="50" charset="-128"/>
+              <a:ea typeface="HGP創英角ｺﾞｼｯｸUB" panose="020B0900000000000000" pitchFamily="50" charset="-128"/>
+            </a:endParaRPr>
+          </a:p>
+        </p:txBody>
+      </p:sp>
+      <p:sp>
+        <p:nvSpPr>
+          <p:cNvPr id="11" name="コンテンツ プレースホルダー 4">
+            <a:extLst>
+              <a:ext uri="{FF2B5EF4-FFF2-40B4-BE49-F238E27FC236}">
+                <a16:creationId xmlns:a16="http://schemas.microsoft.com/office/drawing/2014/main" id="{3D363B12-BAB6-4AAD-A77F-9DC40866E455}"/>
+              </a:ext>
+            </a:extLst>
+          </p:cNvPr>
+          <p:cNvSpPr txBox="1">
+            <a:spLocks/>
+          </p:cNvSpPr>
+          <p:nvPr/>
+        </p:nvSpPr>
+        <p:spPr>
+          <a:xfrm>
+            <a:off x="6182412" y="3347995"/>
+            <a:ext cx="5487186" cy="3277512"/>
+          </a:xfrm>
+          <a:prstGeom prst="rect">
+            <a:avLst/>
+          </a:prstGeom>
+        </p:spPr>
+        <p:txBody>
+          <a:bodyPr vert="horz" lIns="91440" tIns="45720" rIns="91440" bIns="45720" rtlCol="0">
+            <a:normAutofit/>
+          </a:bodyPr>
+          <a:lstStyle>
+            <a:lvl1pPr marL="228600" indent="-228600" algn="l" defTabSz="914400" rtl="0" eaLnBrk="1" latinLnBrk="0" hangingPunct="1">
+              <a:lnSpc>
+                <a:spcPct val="90000"/>
+              </a:lnSpc>
+              <a:spcBef>
+                <a:spcPts val="1000"/>
+              </a:spcBef>
+              <a:buFont typeface="Arial" panose="020B0604020202020204" pitchFamily="34" charset="0"/>
+              <a:buChar char="•"/>
+              <a:defRPr kumimoji="1" sz="2800" kern="1200">
+                <a:solidFill>
+                  <a:schemeClr val="tx1"/>
+                </a:solidFill>
+                <a:latin typeface="+mn-lt"/>
+                <a:ea typeface="+mn-ea"/>
+                <a:cs typeface="+mn-cs"/>
+              </a:defRPr>
+            </a:lvl1pPr>
+            <a:lvl2pPr marL="685800" indent="-228600" algn="l" defTabSz="914400" rtl="0" eaLnBrk="1" latinLnBrk="0" hangingPunct="1">
+              <a:lnSpc>
+                <a:spcPct val="90000"/>
+              </a:lnSpc>
+              <a:spcBef>
+                <a:spcPts val="500"/>
+              </a:spcBef>
+              <a:buFont typeface="Arial" panose="020B0604020202020204" pitchFamily="34" charset="0"/>
+              <a:buChar char="•"/>
+              <a:defRPr kumimoji="1" sz="2400" kern="1200">
+                <a:solidFill>
+                  <a:schemeClr val="tx1"/>
+                </a:solidFill>
+                <a:latin typeface="+mn-lt"/>
+                <a:ea typeface="+mn-ea"/>
+                <a:cs typeface="+mn-cs"/>
+              </a:defRPr>
+            </a:lvl2pPr>
+            <a:lvl3pPr marL="1143000" indent="-228600" algn="l" defTabSz="914400" rtl="0" eaLnBrk="1" latinLnBrk="0" hangingPunct="1">
+              <a:lnSpc>
+                <a:spcPct val="90000"/>
+              </a:lnSpc>
+              <a:spcBef>
+                <a:spcPts val="500"/>
+              </a:spcBef>
+              <a:buFont typeface="Arial" panose="020B0604020202020204" pitchFamily="34" charset="0"/>
+              <a:buChar char="•"/>
+              <a:defRPr kumimoji="1" sz="2000" kern="1200">
+                <a:solidFill>
+                  <a:schemeClr val="tx1"/>
+                </a:solidFill>
+                <a:latin typeface="+mn-lt"/>
+                <a:ea typeface="+mn-ea"/>
+                <a:cs typeface="+mn-cs"/>
+              </a:defRPr>
+            </a:lvl3pPr>
+            <a:lvl4pPr marL="1600200" indent="-228600" algn="l" defTabSz="914400" rtl="0" eaLnBrk="1" latinLnBrk="0" hangingPunct="1">
+              <a:lnSpc>
+                <a:spcPct val="90000"/>
+              </a:lnSpc>
+              <a:spcBef>
+                <a:spcPts val="500"/>
+              </a:spcBef>
+              <a:buFont typeface="Arial" panose="020B0604020202020204" pitchFamily="34" charset="0"/>
+              <a:buChar char="•"/>
+              <a:defRPr kumimoji="1" sz="1800" kern="1200">
+                <a:solidFill>
+                  <a:schemeClr val="tx1"/>
+                </a:solidFill>
+                <a:latin typeface="+mn-lt"/>
+                <a:ea typeface="+mn-ea"/>
+                <a:cs typeface="+mn-cs"/>
+              </a:defRPr>
+            </a:lvl4pPr>
+            <a:lvl5pPr marL="2057400" indent="-228600" algn="l" defTabSz="914400" rtl="0" eaLnBrk="1" latinLnBrk="0" hangingPunct="1">
+              <a:lnSpc>
+                <a:spcPct val="90000"/>
+              </a:lnSpc>
+              <a:spcBef>
+                <a:spcPts val="500"/>
+              </a:spcBef>
+              <a:buFont typeface="Arial" panose="020B0604020202020204" pitchFamily="34" charset="0"/>
+              <a:buChar char="•"/>
+              <a:defRPr kumimoji="1" sz="1800" kern="1200">
+                <a:solidFill>
+                  <a:schemeClr val="tx1"/>
+                </a:solidFill>
+                <a:latin typeface="+mn-lt"/>
+                <a:ea typeface="+mn-ea"/>
+                <a:cs typeface="+mn-cs"/>
+              </a:defRPr>
+            </a:lvl5pPr>
+            <a:lvl6pPr marL="2514600" indent="-228600" algn="l" defTabSz="914400" rtl="0" eaLnBrk="1" latinLnBrk="0" hangingPunct="1">
+              <a:lnSpc>
+                <a:spcPct val="90000"/>
+              </a:lnSpc>
+              <a:spcBef>
+                <a:spcPts val="500"/>
+              </a:spcBef>
+              <a:buFont typeface="Arial" panose="020B0604020202020204" pitchFamily="34" charset="0"/>
+              <a:buChar char="•"/>
+              <a:defRPr kumimoji="1" sz="1800" kern="1200">
+                <a:solidFill>
+                  <a:schemeClr val="tx1"/>
+                </a:solidFill>
+                <a:latin typeface="+mn-lt"/>
+                <a:ea typeface="+mn-ea"/>
+                <a:cs typeface="+mn-cs"/>
+              </a:defRPr>
+            </a:lvl6pPr>
+            <a:lvl7pPr marL="2971800" indent="-228600" algn="l" defTabSz="914400" rtl="0" eaLnBrk="1" latinLnBrk="0" hangingPunct="1">
+              <a:lnSpc>
+                <a:spcPct val="90000"/>
+              </a:lnSpc>
+              <a:spcBef>
+                <a:spcPts val="500"/>
+              </a:spcBef>
+              <a:buFont typeface="Arial" panose="020B0604020202020204" pitchFamily="34" charset="0"/>
+              <a:buChar char="•"/>
+              <a:defRPr kumimoji="1" sz="1800" kern="1200">
+                <a:solidFill>
+                  <a:schemeClr val="tx1"/>
+                </a:solidFill>
+                <a:latin typeface="+mn-lt"/>
+                <a:ea typeface="+mn-ea"/>
+                <a:cs typeface="+mn-cs"/>
+              </a:defRPr>
+            </a:lvl7pPr>
+            <a:lvl8pPr marL="3429000" indent="-228600" algn="l" defTabSz="914400" rtl="0" eaLnBrk="1" latinLnBrk="0" hangingPunct="1">
+              <a:lnSpc>
+                <a:spcPct val="90000"/>
+              </a:lnSpc>
+              <a:spcBef>
+                <a:spcPts val="500"/>
+              </a:spcBef>
+              <a:buFont typeface="Arial" panose="020B0604020202020204" pitchFamily="34" charset="0"/>
+              <a:buChar char="•"/>
+              <a:defRPr kumimoji="1" sz="1800" kern="1200">
+                <a:solidFill>
+                  <a:schemeClr val="tx1"/>
+                </a:solidFill>
+                <a:latin typeface="+mn-lt"/>
+                <a:ea typeface="+mn-ea"/>
+                <a:cs typeface="+mn-cs"/>
+              </a:defRPr>
+            </a:lvl8pPr>
+            <a:lvl9pPr marL="3886200" indent="-228600" algn="l" defTabSz="914400" rtl="0" eaLnBrk="1" latinLnBrk="0" hangingPunct="1">
+              <a:lnSpc>
+                <a:spcPct val="90000"/>
+              </a:lnSpc>
+              <a:spcBef>
+                <a:spcPts val="500"/>
+              </a:spcBef>
+              <a:buFont typeface="Arial" panose="020B0604020202020204" pitchFamily="34" charset="0"/>
+              <a:buChar char="•"/>
+              <a:defRPr kumimoji="1" sz="1800" kern="1200">
+                <a:solidFill>
+                  <a:schemeClr val="tx1"/>
+                </a:solidFill>
+                <a:latin typeface="+mn-lt"/>
+                <a:ea typeface="+mn-ea"/>
+                <a:cs typeface="+mn-cs"/>
+              </a:defRPr>
+            </a:lvl9pPr>
+          </a:lstStyle>
+          <a:p>
+            <a:pPr marL="0" indent="0">
+              <a:buFont typeface="Arial" panose="020B0604020202020204" pitchFamily="34" charset="0"/>
+              <a:buNone/>
+            </a:pPr>
+            <a:r>
+              <a:rPr lang="ja-JP" altLang="en-US" sz="4000" dirty="0">
+                <a:effectLst>
+                  <a:glow rad="228600">
+                    <a:schemeClr val="accent4">
+                      <a:satMod val="175000"/>
+                      <a:alpha val="40000"/>
+                    </a:schemeClr>
+                  </a:glow>
+                </a:effectLst>
+                <a:latin typeface="HGP創英角ｺﾞｼｯｸUB" panose="020B0900000000000000" pitchFamily="50" charset="-128"/>
+                <a:ea typeface="HGP創英角ｺﾞｼｯｸUB" panose="020B0900000000000000" pitchFamily="50" charset="-128"/>
+              </a:rPr>
+              <a:t>・第二フェーズ</a:t>
+            </a:r>
+            <a:endParaRPr lang="en-US" altLang="ja-JP" sz="4000" dirty="0">
+              <a:effectLst>
+                <a:glow rad="228600">
+                  <a:schemeClr val="accent4">
+                    <a:satMod val="175000"/>
+                    <a:alpha val="40000"/>
+                  </a:schemeClr>
+                </a:glow>
+              </a:effectLst>
+              <a:latin typeface="HGP創英角ｺﾞｼｯｸUB" panose="020B0900000000000000" pitchFamily="50" charset="-128"/>
+              <a:ea typeface="HGP創英角ｺﾞｼｯｸUB" panose="020B0900000000000000" pitchFamily="50" charset="-128"/>
+            </a:endParaRPr>
+          </a:p>
+          <a:p>
+            <a:pPr marL="0" indent="0">
+              <a:buFont typeface="Arial" panose="020B0604020202020204" pitchFamily="34" charset="0"/>
+              <a:buNone/>
+            </a:pPr>
+            <a:r>
+              <a:rPr lang="ja-JP" altLang="en-US" sz="3200" dirty="0">
+                <a:effectLst>
+                  <a:glow rad="228600">
+                    <a:schemeClr val="accent4">
+                      <a:satMod val="175000"/>
+                      <a:alpha val="40000"/>
+                    </a:schemeClr>
+                  </a:glow>
+                </a:effectLst>
+                <a:latin typeface="HGP創英角ｺﾞｼｯｸUB" panose="020B0900000000000000" pitchFamily="50" charset="-128"/>
+                <a:ea typeface="HGP創英角ｺﾞｼｯｸUB" panose="020B0900000000000000" pitchFamily="50" charset="-128"/>
+              </a:rPr>
+              <a:t>マップ端に出現する４つの</a:t>
+            </a:r>
+            <a:endParaRPr lang="en-US" altLang="ja-JP" sz="3200" dirty="0">
+              <a:effectLst>
+                <a:glow rad="228600">
+                  <a:schemeClr val="accent4">
+                    <a:satMod val="175000"/>
+                    <a:alpha val="40000"/>
+                  </a:schemeClr>
+                </a:glow>
+              </a:effectLst>
+              <a:latin typeface="HGP創英角ｺﾞｼｯｸUB" panose="020B0900000000000000" pitchFamily="50" charset="-128"/>
+              <a:ea typeface="HGP創英角ｺﾞｼｯｸUB" panose="020B0900000000000000" pitchFamily="50" charset="-128"/>
+            </a:endParaRPr>
+          </a:p>
+          <a:p>
+            <a:pPr marL="0" indent="0">
+              <a:buFont typeface="Arial" panose="020B0604020202020204" pitchFamily="34" charset="0"/>
+              <a:buNone/>
+            </a:pPr>
+            <a:r>
+              <a:rPr lang="ja-JP" altLang="en-US" sz="3200" dirty="0">
+                <a:effectLst>
+                  <a:glow rad="228600">
+                    <a:schemeClr val="accent4">
+                      <a:satMod val="175000"/>
+                      <a:alpha val="40000"/>
+                    </a:schemeClr>
+                  </a:glow>
+                </a:effectLst>
+                <a:latin typeface="HGP創英角ｺﾞｼｯｸUB" panose="020B0900000000000000" pitchFamily="50" charset="-128"/>
+                <a:ea typeface="HGP創英角ｺﾞｼｯｸUB" panose="020B0900000000000000" pitchFamily="50" charset="-128"/>
+              </a:rPr>
+              <a:t>「</a:t>
+            </a:r>
+            <a:r>
+              <a:rPr lang="ja-JP" altLang="en-US" sz="3200" dirty="0">
                 <a:solidFill>
                   <a:srgbClr val="FF0000"/>
                 </a:solidFill>
+                <a:effectLst>
+                  <a:glow rad="228600">
+                    <a:schemeClr val="accent4">
+                      <a:satMod val="175000"/>
+                      <a:alpha val="40000"/>
+                    </a:schemeClr>
+                  </a:glow>
+                </a:effectLst>
                 <a:latin typeface="HGP創英角ｺﾞｼｯｸUB" panose="020B0900000000000000" pitchFamily="50" charset="-128"/>
                 <a:ea typeface="HGP創英角ｺﾞｼｯｸUB" panose="020B0900000000000000" pitchFamily="50" charset="-128"/>
               </a:rPr>
-              <a:t>世代</a:t>
-            </a:r>
-            <a:r>
-              <a:rPr lang="ja-JP" altLang="en-US" dirty="0">
+              <a:t>バイブル</a:t>
+            </a:r>
+            <a:r>
+              <a:rPr lang="ja-JP" altLang="en-US" sz="3200" dirty="0">
+                <a:effectLst>
+                  <a:glow rad="228600">
+                    <a:schemeClr val="accent4">
+                      <a:satMod val="175000"/>
+                      <a:alpha val="40000"/>
+                    </a:schemeClr>
+                  </a:glow>
+                </a:effectLst>
                 <a:latin typeface="HGP創英角ｺﾞｼｯｸUB" panose="020B0900000000000000" pitchFamily="50" charset="-128"/>
                 <a:ea typeface="HGP創英角ｺﾞｼｯｸUB" panose="020B0900000000000000" pitchFamily="50" charset="-128"/>
               </a:rPr>
-              <a:t>に刺さるとうれしい</a:t>
-            </a:r>
-            <a:endParaRPr lang="en-US" altLang="ja-JP" dirty="0">
+              <a:t>」をマップ中央の</a:t>
+            </a:r>
+            <a:endParaRPr lang="en-US" altLang="ja-JP" sz="3200" dirty="0">
+              <a:effectLst>
+                <a:glow rad="228600">
+                  <a:schemeClr val="accent4">
+                    <a:satMod val="175000"/>
+                    <a:alpha val="40000"/>
+                  </a:schemeClr>
+                </a:glow>
+              </a:effectLst>
               <a:latin typeface="HGP創英角ｺﾞｼｯｸUB" panose="020B0900000000000000" pitchFamily="50" charset="-128"/>
               <a:ea typeface="HGP創英角ｺﾞｼｯｸUB" panose="020B0900000000000000" pitchFamily="50" charset="-128"/>
             </a:endParaRPr>
           </a:p>
           <a:p>
             <a:pPr marL="0" indent="0">
+              <a:buFont typeface="Arial" panose="020B0604020202020204" pitchFamily="34" charset="0"/>
               <a:buNone/>
             </a:pPr>
-            <a:endParaRPr kumimoji="1" lang="en-US" altLang="ja-JP" dirty="0">
+            <a:r>
+              <a:rPr lang="ja-JP" altLang="en-US" sz="3200" dirty="0">
+                <a:effectLst>
+                  <a:glow rad="228600">
+                    <a:schemeClr val="accent4">
+                      <a:satMod val="175000"/>
+                      <a:alpha val="40000"/>
+                    </a:schemeClr>
+                  </a:glow>
+                </a:effectLst>
+                <a:latin typeface="HGP創英角ｺﾞｼｯｸUB" panose="020B0900000000000000" pitchFamily="50" charset="-128"/>
+                <a:ea typeface="HGP創英角ｺﾞｼｯｸUB" panose="020B0900000000000000" pitchFamily="50" charset="-128"/>
+              </a:rPr>
+              <a:t>「</a:t>
+            </a:r>
+            <a:r>
+              <a:rPr lang="ja-JP" altLang="en-US" sz="3200" dirty="0">
+                <a:solidFill>
+                  <a:srgbClr val="FF0000"/>
+                </a:solidFill>
+                <a:effectLst>
+                  <a:glow rad="228600">
+                    <a:schemeClr val="accent4">
+                      <a:satMod val="175000"/>
+                      <a:alpha val="40000"/>
+                    </a:schemeClr>
+                  </a:glow>
+                </a:effectLst>
+                <a:latin typeface="HGP創英角ｺﾞｼｯｸUB" panose="020B0900000000000000" pitchFamily="50" charset="-128"/>
+                <a:ea typeface="HGP創英角ｺﾞｼｯｸUB" panose="020B0900000000000000" pitchFamily="50" charset="-128"/>
+              </a:rPr>
+              <a:t>デビルホール</a:t>
+            </a:r>
+            <a:r>
+              <a:rPr lang="ja-JP" altLang="en-US" sz="3200" dirty="0">
+                <a:effectLst>
+                  <a:glow rad="228600">
+                    <a:schemeClr val="accent4">
+                      <a:satMod val="175000"/>
+                      <a:alpha val="40000"/>
+                    </a:schemeClr>
+                  </a:glow>
+                </a:effectLst>
+                <a:latin typeface="HGP創英角ｺﾞｼｯｸUB" panose="020B0900000000000000" pitchFamily="50" charset="-128"/>
+                <a:ea typeface="HGP創英角ｺﾞｼｯｸUB" panose="020B0900000000000000" pitchFamily="50" charset="-128"/>
+              </a:rPr>
+              <a:t>」に運搬する</a:t>
+            </a:r>
+            <a:endParaRPr lang="en-US" altLang="ja-JP" sz="3200" dirty="0">
+              <a:effectLst>
+                <a:glow rad="228600">
+                  <a:schemeClr val="accent4">
+                    <a:satMod val="175000"/>
+                    <a:alpha val="40000"/>
+                  </a:schemeClr>
+                </a:glow>
+              </a:effectLst>
               <a:latin typeface="HGP創英角ｺﾞｼｯｸUB" panose="020B0900000000000000" pitchFamily="50" charset="-128"/>
               <a:ea typeface="HGP創英角ｺﾞｼｯｸUB" panose="020B0900000000000000" pitchFamily="50" charset="-128"/>
             </a:endParaRPr>
           </a:p>
           <a:p>
             <a:pPr marL="0" indent="0">
+              <a:buFont typeface="Arial" panose="020B0604020202020204" pitchFamily="34" charset="0"/>
               <a:buNone/>
             </a:pPr>
             <a:r>
-              <a:rPr lang="ja-JP" altLang="en-US" dirty="0">
+              <a:rPr lang="ja-JP" altLang="en-US" sz="3200" dirty="0">
+                <a:effectLst>
+                  <a:glow rad="228600">
+                    <a:schemeClr val="accent4">
+                      <a:satMod val="175000"/>
+                      <a:alpha val="40000"/>
+                    </a:schemeClr>
+                  </a:glow>
+                </a:effectLst>
                 <a:latin typeface="HGP創英角ｺﾞｼｯｸUB" panose="020B0900000000000000" pitchFamily="50" charset="-128"/>
                 <a:ea typeface="HGP創英角ｺﾞｼｯｸUB" panose="020B0900000000000000" pitchFamily="50" charset="-128"/>
               </a:rPr>
-              <a:t>コンセプト</a:t>
-            </a:r>
-            <a:endParaRPr lang="en-US" altLang="ja-JP" dirty="0">
+              <a:t>すべて運搬しきると</a:t>
+            </a:r>
+            <a:r>
+              <a:rPr lang="ja-JP" altLang="en-US" sz="3200" dirty="0">
+                <a:solidFill>
+                  <a:srgbClr val="FF0000"/>
+                </a:solidFill>
+                <a:effectLst>
+                  <a:glow rad="228600">
+                    <a:schemeClr val="accent4">
+                      <a:satMod val="175000"/>
+                      <a:alpha val="40000"/>
+                    </a:schemeClr>
+                  </a:glow>
+                </a:effectLst>
+                <a:latin typeface="HGP創英角ｺﾞｼｯｸUB" panose="020B0900000000000000" pitchFamily="50" charset="-128"/>
+                <a:ea typeface="HGP創英角ｺﾞｼｯｸUB" panose="020B0900000000000000" pitchFamily="50" charset="-128"/>
+              </a:rPr>
+              <a:t>ゲームクリア</a:t>
+            </a:r>
+            <a:endParaRPr lang="en-US" altLang="ja-JP" sz="3200" dirty="0">
+              <a:solidFill>
+                <a:srgbClr val="FF0000"/>
+              </a:solidFill>
+              <a:effectLst>
+                <a:glow rad="228600">
+                  <a:schemeClr val="accent4">
+                    <a:satMod val="175000"/>
+                    <a:alpha val="40000"/>
+                  </a:schemeClr>
+                </a:glow>
+              </a:effectLst>
               <a:latin typeface="HGP創英角ｺﾞｼｯｸUB" panose="020B0900000000000000" pitchFamily="50" charset="-128"/>
               <a:ea typeface="HGP創英角ｺﾞｼｯｸUB" panose="020B0900000000000000" pitchFamily="50" charset="-128"/>
             </a:endParaRPr>
           </a:p>
-          <a:p>
-            <a:pPr marL="0" indent="0">
-              <a:buNone/>
-            </a:pPr>
-            <a:r>
-              <a:rPr kumimoji="1" lang="ja-JP" altLang="en-US" dirty="0">
-                <a:latin typeface="HGP創英角ｺﾞｼｯｸUB" panose="020B0900000000000000" pitchFamily="50" charset="-128"/>
-                <a:ea typeface="HGP創英角ｺﾞｼｯｸUB" panose="020B0900000000000000" pitchFamily="50" charset="-128"/>
-              </a:rPr>
-              <a:t>・デビルワールドの</a:t>
-            </a:r>
-            <a:r>
-              <a:rPr kumimoji="1" lang="ja-JP" altLang="en-US" dirty="0">
-                <a:solidFill>
-                  <a:srgbClr val="FF0000"/>
-                </a:solidFill>
-                <a:latin typeface="HGP創英角ｺﾞｼｯｸUB" panose="020B0900000000000000" pitchFamily="50" charset="-128"/>
-                <a:ea typeface="HGP創英角ｺﾞｼｯｸUB" panose="020B0900000000000000" pitchFamily="50" charset="-128"/>
-              </a:rPr>
-              <a:t>正統進化</a:t>
-            </a:r>
-            <a:endParaRPr kumimoji="1" lang="en-US" altLang="ja-JP" dirty="0">
-              <a:solidFill>
-                <a:srgbClr val="FF0000"/>
-              </a:solidFill>
-              <a:latin typeface="HGP創英角ｺﾞｼｯｸUB" panose="020B0900000000000000" pitchFamily="50" charset="-128"/>
-              <a:ea typeface="HGP創英角ｺﾞｼｯｸUB" panose="020B0900000000000000" pitchFamily="50" charset="-128"/>
-            </a:endParaRPr>
-          </a:p>
-          <a:p>
-            <a:pPr marL="0" indent="0">
-              <a:buNone/>
-            </a:pPr>
-            <a:r>
-              <a:rPr kumimoji="1" lang="ja-JP" altLang="en-US" dirty="0">
-                <a:latin typeface="HGP創英角ｺﾞｼｯｸUB" panose="020B0900000000000000" pitchFamily="50" charset="-128"/>
-                <a:ea typeface="HGP創英角ｺﾞｼｯｸUB" panose="020B0900000000000000" pitchFamily="50" charset="-128"/>
-              </a:rPr>
-              <a:t>・大きすぎる改変は極力行わない</a:t>
-            </a:r>
-            <a:endParaRPr kumimoji="1" lang="en-US" altLang="ja-JP" dirty="0">
-              <a:latin typeface="HGP創英角ｺﾞｼｯｸUB" panose="020B0900000000000000" pitchFamily="50" charset="-128"/>
-              <a:ea typeface="HGP創英角ｺﾞｼｯｸUB" panose="020B0900000000000000" pitchFamily="50" charset="-128"/>
-            </a:endParaRPr>
+        </p:txBody>
+      </p:sp>
+      <p:sp>
+        <p:nvSpPr>
+          <p:cNvPr id="12" name="矢印: 右 11">
+            <a:extLst>
+              <a:ext uri="{FF2B5EF4-FFF2-40B4-BE49-F238E27FC236}">
+                <a16:creationId xmlns:a16="http://schemas.microsoft.com/office/drawing/2014/main" id="{6EADA488-CEF6-4CE6-8CB2-6F7AAE2F81CC}"/>
+              </a:ext>
+            </a:extLst>
+          </p:cNvPr>
+          <p:cNvSpPr/>
+          <p:nvPr/>
+        </p:nvSpPr>
+        <p:spPr>
+          <a:xfrm>
+            <a:off x="5220878" y="4314901"/>
+            <a:ext cx="961534" cy="768282"/>
+          </a:xfrm>
+          <a:prstGeom prst="rightArrow">
+            <a:avLst/>
+          </a:prstGeom>
+          <a:solidFill>
+            <a:schemeClr val="tx1">
+              <a:lumMod val="95000"/>
+              <a:lumOff val="5000"/>
+            </a:schemeClr>
+          </a:solidFill>
+          <a:ln>
+            <a:noFill/>
+          </a:ln>
+        </p:spPr>
+        <p:style>
+          <a:lnRef idx="2">
+            <a:schemeClr val="accent1">
+              <a:shade val="50000"/>
+            </a:schemeClr>
+          </a:lnRef>
+          <a:fillRef idx="1">
+            <a:schemeClr val="accent1"/>
+          </a:fillRef>
+          <a:effectRef idx="0">
+            <a:schemeClr val="accent1"/>
+          </a:effectRef>
+          <a:fontRef idx="minor">
+            <a:schemeClr val="lt1"/>
+          </a:fontRef>
+        </p:style>
+        <p:txBody>
+          <a:bodyPr rtlCol="0" anchor="ctr"/>
+          <a:lstStyle/>
+          <a:p>
+            <a:pPr algn="ctr"/>
+            <a:endParaRPr kumimoji="1" lang="ja-JP" altLang="en-US"/>
           </a:p>
         </p:txBody>
       </p:sp>
@@ -3953,6 +5259,9 @@
   <p:clrMapOvr>
     <a:masterClrMapping/>
   </p:clrMapOvr>
+  <p:transition spd="slow">
+    <p:push dir="u"/>
+  </p:transition>
 </p:sld>
 </file>
 
@@ -3978,7 +5287,7 @@
           <p:cNvPr id="2" name="タイトル 1">
             <a:extLst>
               <a:ext uri="{FF2B5EF4-FFF2-40B4-BE49-F238E27FC236}">
-                <a16:creationId xmlns:a16="http://schemas.microsoft.com/office/drawing/2014/main" id="{BC2B0A8B-F579-471A-AE43-1A74D42C848A}"/>
+                <a16:creationId xmlns:a16="http://schemas.microsoft.com/office/drawing/2014/main" id="{C1753693-7A69-4370-9BC3-5EE1AAF34847}"/>
               </a:ext>
             </a:extLst>
           </p:cNvPr>
@@ -3989,112 +5298,1181 @@
             <p:ph type="title"/>
           </p:nvPr>
         </p:nvSpPr>
-        <p:spPr/>
-        <p:txBody>
-          <a:bodyPr/>
+        <p:spPr>
+          <a:xfrm>
+            <a:off x="225457" y="198970"/>
+            <a:ext cx="4921577" cy="1325563"/>
+          </a:xfrm>
+        </p:spPr>
+        <p:txBody>
+          <a:bodyPr>
+            <a:noAutofit/>
+          </a:bodyPr>
           <a:lstStyle/>
           <a:p>
             <a:r>
-              <a:rPr kumimoji="1" lang="ja-JP" altLang="en-US" dirty="0">
+              <a:rPr kumimoji="1" lang="ja-JP" altLang="en-US" sz="6000" dirty="0">
+                <a:effectLst>
+                  <a:glow rad="254000">
+                    <a:schemeClr val="bg1"/>
+                  </a:glow>
+                </a:effectLst>
                 <a:latin typeface="HGP創英角ｺﾞｼｯｸUB" panose="020B0900000000000000" pitchFamily="50" charset="-128"/>
                 <a:ea typeface="HGP創英角ｺﾞｼｯｸUB" panose="020B0900000000000000" pitchFamily="50" charset="-128"/>
               </a:rPr>
-              <a:t>ゲーム進行</a:t>
-            </a:r>
-          </a:p>
-        </p:txBody>
-      </p:sp>
-      <p:sp>
-        <p:nvSpPr>
-          <p:cNvPr id="5" name="コンテンツ プレースホルダー 4">
-            <a:extLst>
-              <a:ext uri="{FF2B5EF4-FFF2-40B4-BE49-F238E27FC236}">
-                <a16:creationId xmlns:a16="http://schemas.microsoft.com/office/drawing/2014/main" id="{34B9BB91-2F2D-49F8-BF0B-9AAF07ED4846}"/>
-              </a:ext>
-            </a:extLst>
-          </p:cNvPr>
-          <p:cNvSpPr>
-            <a:spLocks noGrp="1"/>
-          </p:cNvSpPr>
-          <p:nvPr>
-            <p:ph idx="1"/>
-          </p:nvPr>
-        </p:nvSpPr>
-        <p:spPr/>
-        <p:txBody>
-          <a:bodyPr/>
-          <a:lstStyle/>
-          <a:p>
-            <a:pPr marL="0" indent="0">
-              <a:buNone/>
-            </a:pPr>
-            <a:r>
-              <a:rPr lang="ja-JP" altLang="en-US" dirty="0">
+              <a:t>新要素  </a:t>
+            </a:r>
+            <a:r>
+              <a:rPr lang="ja-JP" altLang="en-US" sz="8000" dirty="0">
+                <a:solidFill>
+                  <a:srgbClr val="FF0000"/>
+                </a:solidFill>
+                <a:effectLst>
+                  <a:glow rad="254000">
+                    <a:schemeClr val="accent4">
+                      <a:satMod val="175000"/>
+                    </a:schemeClr>
+                  </a:glow>
+                </a:effectLst>
                 <a:latin typeface="HGP創英角ｺﾞｼｯｸUB" panose="020B0900000000000000" pitchFamily="50" charset="-128"/>
                 <a:ea typeface="HGP創英角ｺﾞｼｯｸUB" panose="020B0900000000000000" pitchFamily="50" charset="-128"/>
               </a:rPr>
-              <a:t>・第一フェーズ</a:t>
-            </a:r>
-            <a:endParaRPr lang="en-US" altLang="ja-JP" dirty="0">
+              <a:t>傾き</a:t>
+            </a:r>
+            <a:endParaRPr kumimoji="1" lang="ja-JP" altLang="en-US" sz="6000" dirty="0">
+              <a:effectLst>
+                <a:glow rad="254000">
+                  <a:schemeClr val="accent4">
+                    <a:satMod val="175000"/>
+                  </a:schemeClr>
+                </a:glow>
+              </a:effectLst>
               <a:latin typeface="HGP創英角ｺﾞｼｯｸUB" panose="020B0900000000000000" pitchFamily="50" charset="-128"/>
               <a:ea typeface="HGP創英角ｺﾞｼｯｸUB" panose="020B0900000000000000" pitchFamily="50" charset="-128"/>
             </a:endParaRPr>
           </a:p>
-          <a:p>
-            <a:pPr marL="0" indent="0">
-              <a:buNone/>
-            </a:pPr>
-            <a:r>
-              <a:rPr lang="ja-JP" altLang="en-US" dirty="0">
-                <a:latin typeface="HGP創英角ｺﾞｼｯｸUB" panose="020B0900000000000000" pitchFamily="50" charset="-128"/>
-                <a:ea typeface="HGP創英角ｺﾞｼｯｸUB" panose="020B0900000000000000" pitchFamily="50" charset="-128"/>
-              </a:rPr>
-              <a:t>マップ中に散らばっている「ボワボワ」を収集。すべて集めると第二フェーズに移行する。</a:t>
-            </a:r>
-            <a:endParaRPr lang="en-US" altLang="ja-JP" dirty="0">
-              <a:latin typeface="HGP創英角ｺﾞｼｯｸUB" panose="020B0900000000000000" pitchFamily="50" charset="-128"/>
-              <a:ea typeface="HGP創英角ｺﾞｼｯｸUB" panose="020B0900000000000000" pitchFamily="50" charset="-128"/>
-            </a:endParaRPr>
-          </a:p>
-          <a:p>
-            <a:pPr marL="0" indent="0">
-              <a:buNone/>
-            </a:pPr>
-            <a:endParaRPr lang="en-US" altLang="ja-JP" dirty="0">
-              <a:latin typeface="HGP創英角ｺﾞｼｯｸUB" panose="020B0900000000000000" pitchFamily="50" charset="-128"/>
-              <a:ea typeface="HGP創英角ｺﾞｼｯｸUB" panose="020B0900000000000000" pitchFamily="50" charset="-128"/>
-            </a:endParaRPr>
-          </a:p>
-          <a:p>
-            <a:pPr marL="0" indent="0">
-              <a:buNone/>
-            </a:pPr>
-            <a:r>
-              <a:rPr lang="ja-JP" altLang="en-US" dirty="0">
-                <a:latin typeface="HGP創英角ｺﾞｼｯｸUB" panose="020B0900000000000000" pitchFamily="50" charset="-128"/>
-                <a:ea typeface="HGP創英角ｺﾞｼｯｸUB" panose="020B0900000000000000" pitchFamily="50" charset="-128"/>
-              </a:rPr>
-              <a:t>・第二フェーズ</a:t>
-            </a:r>
-            <a:endParaRPr lang="en-US" altLang="ja-JP" dirty="0">
-              <a:latin typeface="HGP創英角ｺﾞｼｯｸUB" panose="020B0900000000000000" pitchFamily="50" charset="-128"/>
-              <a:ea typeface="HGP創英角ｺﾞｼｯｸUB" panose="020B0900000000000000" pitchFamily="50" charset="-128"/>
-            </a:endParaRPr>
-          </a:p>
-          <a:p>
-            <a:pPr marL="0" indent="0">
-              <a:buNone/>
-            </a:pPr>
-            <a:r>
-              <a:rPr lang="ja-JP" altLang="en-US" dirty="0">
-                <a:latin typeface="HGP創英角ｺﾞｼｯｸUB" panose="020B0900000000000000" pitchFamily="50" charset="-128"/>
-                <a:ea typeface="HGP創英角ｺﾞｼｯｸUB" panose="020B0900000000000000" pitchFamily="50" charset="-128"/>
-              </a:rPr>
-              <a:t>マップ端に出現する４つの「バイブル」をマップ中央の「デビルホール」に運搬する。すべて運搬しきるとゲームクリア。</a:t>
-            </a:r>
-            <a:endParaRPr lang="en-US" altLang="ja-JP" dirty="0">
-              <a:latin typeface="HGP創英角ｺﾞｼｯｸUB" panose="020B0900000000000000" pitchFamily="50" charset="-128"/>
-              <a:ea typeface="HGP創英角ｺﾞｼｯｸUB" panose="020B0900000000000000" pitchFamily="50" charset="-128"/>
+        </p:txBody>
+      </p:sp>
+      <p:grpSp>
+        <p:nvGrpSpPr>
+          <p:cNvPr id="18" name="グループ化 17">
+            <a:extLst>
+              <a:ext uri="{FF2B5EF4-FFF2-40B4-BE49-F238E27FC236}">
+                <a16:creationId xmlns:a16="http://schemas.microsoft.com/office/drawing/2014/main" id="{E2D3C6F7-539A-4F5C-BEFE-55FEB0CA36A8}"/>
+              </a:ext>
+            </a:extLst>
+          </p:cNvPr>
+          <p:cNvGrpSpPr/>
+          <p:nvPr/>
+        </p:nvGrpSpPr>
+        <p:grpSpPr>
+          <a:xfrm>
+            <a:off x="98215" y="1626030"/>
+            <a:ext cx="5470966" cy="2914118"/>
+            <a:chOff x="2184661" y="2535931"/>
+            <a:chExt cx="7822677" cy="4074012"/>
+          </a:xfrm>
+        </p:grpSpPr>
+        <p:sp>
+          <p:nvSpPr>
+            <p:cNvPr id="19" name="台形 18">
+              <a:extLst>
+                <a:ext uri="{FF2B5EF4-FFF2-40B4-BE49-F238E27FC236}">
+                  <a16:creationId xmlns:a16="http://schemas.microsoft.com/office/drawing/2014/main" id="{B5340E40-410C-4045-B02F-B2D3D0DE8480}"/>
+                </a:ext>
+              </a:extLst>
+            </p:cNvPr>
+            <p:cNvSpPr/>
+            <p:nvPr/>
+          </p:nvSpPr>
+          <p:spPr>
+            <a:xfrm>
+              <a:off x="2184661" y="2566729"/>
+              <a:ext cx="7822677" cy="4043214"/>
+            </a:xfrm>
+            <a:prstGeom prst="trapezoid">
+              <a:avLst/>
+            </a:prstGeom>
+          </p:spPr>
+          <p:style>
+            <a:lnRef idx="2">
+              <a:schemeClr val="accent1">
+                <a:shade val="50000"/>
+              </a:schemeClr>
+            </a:lnRef>
+            <a:fillRef idx="1">
+              <a:schemeClr val="accent1"/>
+            </a:fillRef>
+            <a:effectRef idx="0">
+              <a:schemeClr val="accent1"/>
+            </a:effectRef>
+            <a:fontRef idx="minor">
+              <a:schemeClr val="lt1"/>
+            </a:fontRef>
+          </p:style>
+          <p:txBody>
+            <a:bodyPr rtlCol="0" anchor="ctr"/>
+            <a:lstStyle/>
+            <a:p>
+              <a:pPr algn="ctr"/>
+              <a:endParaRPr kumimoji="1" lang="ja-JP" altLang="en-US"/>
+            </a:p>
+          </p:txBody>
+        </p:sp>
+        <p:sp>
+          <p:nvSpPr>
+            <p:cNvPr id="20" name="正方形/長方形 19">
+              <a:extLst>
+                <a:ext uri="{FF2B5EF4-FFF2-40B4-BE49-F238E27FC236}">
+                  <a16:creationId xmlns:a16="http://schemas.microsoft.com/office/drawing/2014/main" id="{C225B505-E2FC-4645-8DF2-EF3D877ADDAF}"/>
+                </a:ext>
+              </a:extLst>
+            </p:cNvPr>
+            <p:cNvSpPr/>
+            <p:nvPr/>
+          </p:nvSpPr>
+          <p:spPr>
+            <a:xfrm>
+              <a:off x="2705493" y="4098142"/>
+              <a:ext cx="2121031" cy="490194"/>
+            </a:xfrm>
+            <a:prstGeom prst="rect">
+              <a:avLst/>
+            </a:prstGeom>
+            <a:solidFill>
+              <a:schemeClr val="tx1"/>
+            </a:solidFill>
+          </p:spPr>
+          <p:style>
+            <a:lnRef idx="2">
+              <a:schemeClr val="accent1">
+                <a:shade val="50000"/>
+              </a:schemeClr>
+            </a:lnRef>
+            <a:fillRef idx="1">
+              <a:schemeClr val="accent1"/>
+            </a:fillRef>
+            <a:effectRef idx="0">
+              <a:schemeClr val="accent1"/>
+            </a:effectRef>
+            <a:fontRef idx="minor">
+              <a:schemeClr val="lt1"/>
+            </a:fontRef>
+          </p:style>
+          <p:txBody>
+            <a:bodyPr rtlCol="0" anchor="ctr"/>
+            <a:lstStyle/>
+            <a:p>
+              <a:pPr algn="ctr"/>
+              <a:endParaRPr kumimoji="1" lang="ja-JP" altLang="en-US"/>
+            </a:p>
+          </p:txBody>
+        </p:sp>
+        <p:sp>
+          <p:nvSpPr>
+            <p:cNvPr id="21" name="正方形/長方形 20">
+              <a:extLst>
+                <a:ext uri="{FF2B5EF4-FFF2-40B4-BE49-F238E27FC236}">
+                  <a16:creationId xmlns:a16="http://schemas.microsoft.com/office/drawing/2014/main" id="{A74A2F58-1D44-43D7-B9BC-8A887D63C948}"/>
+                </a:ext>
+              </a:extLst>
+            </p:cNvPr>
+            <p:cNvSpPr/>
+            <p:nvPr/>
+          </p:nvSpPr>
+          <p:spPr>
+            <a:xfrm>
+              <a:off x="2971015" y="2962871"/>
+              <a:ext cx="2121031" cy="490194"/>
+            </a:xfrm>
+            <a:prstGeom prst="rect">
+              <a:avLst/>
+            </a:prstGeom>
+            <a:solidFill>
+              <a:srgbClr val="FFC000"/>
+            </a:solidFill>
+          </p:spPr>
+          <p:style>
+            <a:lnRef idx="2">
+              <a:schemeClr val="accent1">
+                <a:shade val="50000"/>
+              </a:schemeClr>
+            </a:lnRef>
+            <a:fillRef idx="1">
+              <a:schemeClr val="accent1"/>
+            </a:fillRef>
+            <a:effectRef idx="0">
+              <a:schemeClr val="accent1"/>
+            </a:effectRef>
+            <a:fontRef idx="minor">
+              <a:schemeClr val="lt1"/>
+            </a:fontRef>
+          </p:style>
+          <p:txBody>
+            <a:bodyPr rtlCol="0" anchor="ctr"/>
+            <a:lstStyle/>
+            <a:p>
+              <a:pPr algn="ctr"/>
+              <a:endParaRPr kumimoji="1" lang="ja-JP" altLang="en-US"/>
+            </a:p>
+          </p:txBody>
+        </p:sp>
+        <p:sp>
+          <p:nvSpPr>
+            <p:cNvPr id="22" name="正方形/長方形 21">
+              <a:extLst>
+                <a:ext uri="{FF2B5EF4-FFF2-40B4-BE49-F238E27FC236}">
+                  <a16:creationId xmlns:a16="http://schemas.microsoft.com/office/drawing/2014/main" id="{C21CF2FF-95D1-4F0F-8F26-ACD67246AEEE}"/>
+                </a:ext>
+              </a:extLst>
+            </p:cNvPr>
+            <p:cNvSpPr/>
+            <p:nvPr/>
+          </p:nvSpPr>
+          <p:spPr>
+            <a:xfrm>
+              <a:off x="2320565" y="5503714"/>
+              <a:ext cx="2121031" cy="490194"/>
+            </a:xfrm>
+            <a:prstGeom prst="rect">
+              <a:avLst/>
+            </a:prstGeom>
+            <a:solidFill>
+              <a:schemeClr val="tx1"/>
+            </a:solidFill>
+          </p:spPr>
+          <p:style>
+            <a:lnRef idx="2">
+              <a:schemeClr val="accent1">
+                <a:shade val="50000"/>
+              </a:schemeClr>
+            </a:lnRef>
+            <a:fillRef idx="1">
+              <a:schemeClr val="accent1"/>
+            </a:fillRef>
+            <a:effectRef idx="0">
+              <a:schemeClr val="accent1"/>
+            </a:effectRef>
+            <a:fontRef idx="minor">
+              <a:schemeClr val="lt1"/>
+            </a:fontRef>
+          </p:style>
+          <p:txBody>
+            <a:bodyPr rtlCol="0" anchor="ctr"/>
+            <a:lstStyle/>
+            <a:p>
+              <a:pPr algn="ctr"/>
+              <a:endParaRPr kumimoji="1" lang="ja-JP" altLang="en-US"/>
+            </a:p>
+          </p:txBody>
+        </p:sp>
+        <p:sp>
+          <p:nvSpPr>
+            <p:cNvPr id="23" name="正方形/長方形 22">
+              <a:extLst>
+                <a:ext uri="{FF2B5EF4-FFF2-40B4-BE49-F238E27FC236}">
+                  <a16:creationId xmlns:a16="http://schemas.microsoft.com/office/drawing/2014/main" id="{C60B72C1-C171-43BA-85F3-9A53F64FA01B}"/>
+                </a:ext>
+              </a:extLst>
+            </p:cNvPr>
+            <p:cNvSpPr/>
+            <p:nvPr/>
+          </p:nvSpPr>
+          <p:spPr>
+            <a:xfrm>
+              <a:off x="7750406" y="5503714"/>
+              <a:ext cx="2121031" cy="490194"/>
+            </a:xfrm>
+            <a:prstGeom prst="rect">
+              <a:avLst/>
+            </a:prstGeom>
+            <a:solidFill>
+              <a:srgbClr val="FFC000"/>
+            </a:solidFill>
+          </p:spPr>
+          <p:style>
+            <a:lnRef idx="2">
+              <a:schemeClr val="accent1">
+                <a:shade val="50000"/>
+              </a:schemeClr>
+            </a:lnRef>
+            <a:fillRef idx="1">
+              <a:schemeClr val="accent1"/>
+            </a:fillRef>
+            <a:effectRef idx="0">
+              <a:schemeClr val="accent1"/>
+            </a:effectRef>
+            <a:fontRef idx="minor">
+              <a:schemeClr val="lt1"/>
+            </a:fontRef>
+          </p:style>
+          <p:txBody>
+            <a:bodyPr rtlCol="0" anchor="ctr"/>
+            <a:lstStyle/>
+            <a:p>
+              <a:pPr algn="ctr"/>
+              <a:endParaRPr kumimoji="1" lang="ja-JP" altLang="en-US"/>
+            </a:p>
+          </p:txBody>
+        </p:sp>
+        <p:sp>
+          <p:nvSpPr>
+            <p:cNvPr id="24" name="正方形/長方形 23">
+              <a:extLst>
+                <a:ext uri="{FF2B5EF4-FFF2-40B4-BE49-F238E27FC236}">
+                  <a16:creationId xmlns:a16="http://schemas.microsoft.com/office/drawing/2014/main" id="{7D83FF70-1B30-45FE-A101-D175A027699A}"/>
+                </a:ext>
+              </a:extLst>
+            </p:cNvPr>
+            <p:cNvSpPr/>
+            <p:nvPr/>
+          </p:nvSpPr>
+          <p:spPr>
+            <a:xfrm>
+              <a:off x="7365478" y="4098142"/>
+              <a:ext cx="2121031" cy="490194"/>
+            </a:xfrm>
+            <a:prstGeom prst="rect">
+              <a:avLst/>
+            </a:prstGeom>
+            <a:solidFill>
+              <a:schemeClr val="tx1"/>
+            </a:solidFill>
+          </p:spPr>
+          <p:style>
+            <a:lnRef idx="2">
+              <a:schemeClr val="accent1">
+                <a:shade val="50000"/>
+              </a:schemeClr>
+            </a:lnRef>
+            <a:fillRef idx="1">
+              <a:schemeClr val="accent1"/>
+            </a:fillRef>
+            <a:effectRef idx="0">
+              <a:schemeClr val="accent1"/>
+            </a:effectRef>
+            <a:fontRef idx="minor">
+              <a:schemeClr val="lt1"/>
+            </a:fontRef>
+          </p:style>
+          <p:txBody>
+            <a:bodyPr rtlCol="0" anchor="ctr"/>
+            <a:lstStyle/>
+            <a:p>
+              <a:pPr algn="ctr"/>
+              <a:endParaRPr kumimoji="1" lang="ja-JP" altLang="en-US"/>
+            </a:p>
+          </p:txBody>
+        </p:sp>
+        <p:sp>
+          <p:nvSpPr>
+            <p:cNvPr id="25" name="正方形/長方形 24">
+              <a:extLst>
+                <a:ext uri="{FF2B5EF4-FFF2-40B4-BE49-F238E27FC236}">
+                  <a16:creationId xmlns:a16="http://schemas.microsoft.com/office/drawing/2014/main" id="{DE652356-B2F3-4868-A8F1-3DCEB0073639}"/>
+                </a:ext>
+              </a:extLst>
+            </p:cNvPr>
+            <p:cNvSpPr/>
+            <p:nvPr/>
+          </p:nvSpPr>
+          <p:spPr>
+            <a:xfrm>
+              <a:off x="7099954" y="2962871"/>
+              <a:ext cx="2121031" cy="490194"/>
+            </a:xfrm>
+            <a:prstGeom prst="rect">
+              <a:avLst/>
+            </a:prstGeom>
+            <a:solidFill>
+              <a:schemeClr val="tx1"/>
+            </a:solidFill>
+          </p:spPr>
+          <p:style>
+            <a:lnRef idx="2">
+              <a:schemeClr val="accent1">
+                <a:shade val="50000"/>
+              </a:schemeClr>
+            </a:lnRef>
+            <a:fillRef idx="1">
+              <a:schemeClr val="accent1"/>
+            </a:fillRef>
+            <a:effectRef idx="0">
+              <a:schemeClr val="accent1"/>
+            </a:effectRef>
+            <a:fontRef idx="minor">
+              <a:schemeClr val="lt1"/>
+            </a:fontRef>
+          </p:style>
+          <p:txBody>
+            <a:bodyPr rtlCol="0" anchor="ctr"/>
+            <a:lstStyle/>
+            <a:p>
+              <a:pPr algn="ctr"/>
+              <a:endParaRPr kumimoji="1" lang="ja-JP" altLang="en-US"/>
+            </a:p>
+          </p:txBody>
+        </p:sp>
+        <p:sp>
+          <p:nvSpPr>
+            <p:cNvPr id="26" name="正方形/長方形 25">
+              <a:extLst>
+                <a:ext uri="{FF2B5EF4-FFF2-40B4-BE49-F238E27FC236}">
+                  <a16:creationId xmlns:a16="http://schemas.microsoft.com/office/drawing/2014/main" id="{DF3D317C-1B8C-403B-A75A-77366980BF2D}"/>
+                </a:ext>
+              </a:extLst>
+            </p:cNvPr>
+            <p:cNvSpPr/>
+            <p:nvPr/>
+          </p:nvSpPr>
+          <p:spPr>
+            <a:xfrm>
+              <a:off x="5878400" y="2535931"/>
+              <a:ext cx="498052" cy="1664119"/>
+            </a:xfrm>
+            <a:prstGeom prst="rect">
+              <a:avLst/>
+            </a:prstGeom>
+            <a:solidFill>
+              <a:schemeClr val="tx1"/>
+            </a:solidFill>
+          </p:spPr>
+          <p:style>
+            <a:lnRef idx="2">
+              <a:schemeClr val="accent1">
+                <a:shade val="50000"/>
+              </a:schemeClr>
+            </a:lnRef>
+            <a:fillRef idx="1">
+              <a:schemeClr val="accent1"/>
+            </a:fillRef>
+            <a:effectRef idx="0">
+              <a:schemeClr val="accent1"/>
+            </a:effectRef>
+            <a:fontRef idx="minor">
+              <a:schemeClr val="lt1"/>
+            </a:fontRef>
+          </p:style>
+          <p:txBody>
+            <a:bodyPr rtlCol="0" anchor="ctr"/>
+            <a:lstStyle/>
+            <a:p>
+              <a:pPr algn="ctr"/>
+              <a:endParaRPr kumimoji="1" lang="ja-JP" altLang="en-US"/>
+            </a:p>
+          </p:txBody>
+        </p:sp>
+        <p:sp>
+          <p:nvSpPr>
+            <p:cNvPr id="27" name="正方形/長方形 26">
+              <a:extLst>
+                <a:ext uri="{FF2B5EF4-FFF2-40B4-BE49-F238E27FC236}">
+                  <a16:creationId xmlns:a16="http://schemas.microsoft.com/office/drawing/2014/main" id="{5E1DBDA7-536D-4C4C-8AF9-10EB95DBA5AB}"/>
+                </a:ext>
+              </a:extLst>
+            </p:cNvPr>
+            <p:cNvSpPr/>
+            <p:nvPr/>
+          </p:nvSpPr>
+          <p:spPr>
+            <a:xfrm>
+              <a:off x="5878400" y="4945824"/>
+              <a:ext cx="498052" cy="1664119"/>
+            </a:xfrm>
+            <a:prstGeom prst="rect">
+              <a:avLst/>
+            </a:prstGeom>
+            <a:solidFill>
+              <a:schemeClr val="tx1"/>
+            </a:solidFill>
+          </p:spPr>
+          <p:style>
+            <a:lnRef idx="2">
+              <a:schemeClr val="accent1">
+                <a:shade val="50000"/>
+              </a:schemeClr>
+            </a:lnRef>
+            <a:fillRef idx="1">
+              <a:schemeClr val="accent1"/>
+            </a:fillRef>
+            <a:effectRef idx="0">
+              <a:schemeClr val="accent1"/>
+            </a:effectRef>
+            <a:fontRef idx="minor">
+              <a:schemeClr val="lt1"/>
+            </a:fontRef>
+          </p:style>
+          <p:txBody>
+            <a:bodyPr rtlCol="0" anchor="ctr"/>
+            <a:lstStyle/>
+            <a:p>
+              <a:pPr algn="ctr"/>
+              <a:endParaRPr kumimoji="1" lang="ja-JP" altLang="en-US" dirty="0"/>
+            </a:p>
+          </p:txBody>
+        </p:sp>
+        <p:sp>
+          <p:nvSpPr>
+            <p:cNvPr id="28" name="部分円 27">
+              <a:extLst>
+                <a:ext uri="{FF2B5EF4-FFF2-40B4-BE49-F238E27FC236}">
+                  <a16:creationId xmlns:a16="http://schemas.microsoft.com/office/drawing/2014/main" id="{C7A9D677-B458-4444-A5D1-2405E645F994}"/>
+                </a:ext>
+              </a:extLst>
+            </p:cNvPr>
+            <p:cNvSpPr/>
+            <p:nvPr/>
+          </p:nvSpPr>
+          <p:spPr>
+            <a:xfrm rot="3899902">
+              <a:off x="2660213" y="4651486"/>
+              <a:ext cx="811106" cy="760036"/>
+            </a:xfrm>
+            <a:prstGeom prst="pie">
+              <a:avLst>
+                <a:gd name="adj1" fmla="val 19150261"/>
+                <a:gd name="adj2" fmla="val 16200000"/>
+              </a:avLst>
+            </a:prstGeom>
+          </p:spPr>
+          <p:style>
+            <a:lnRef idx="2">
+              <a:schemeClr val="accent6">
+                <a:shade val="50000"/>
+              </a:schemeClr>
+            </a:lnRef>
+            <a:fillRef idx="1">
+              <a:schemeClr val="accent6"/>
+            </a:fillRef>
+            <a:effectRef idx="0">
+              <a:schemeClr val="accent6"/>
+            </a:effectRef>
+            <a:fontRef idx="minor">
+              <a:schemeClr val="lt1"/>
+            </a:fontRef>
+          </p:style>
+          <p:txBody>
+            <a:bodyPr rtlCol="0" anchor="ctr"/>
+            <a:lstStyle/>
+            <a:p>
+              <a:pPr algn="ctr"/>
+              <a:endParaRPr kumimoji="1" lang="ja-JP" altLang="en-US">
+                <a:solidFill>
+                  <a:schemeClr val="tx1"/>
+                </a:solidFill>
+              </a:endParaRPr>
+            </a:p>
+          </p:txBody>
+        </p:sp>
+      </p:grpSp>
+      <p:grpSp>
+        <p:nvGrpSpPr>
+          <p:cNvPr id="29" name="グループ化 28">
+            <a:extLst>
+              <a:ext uri="{FF2B5EF4-FFF2-40B4-BE49-F238E27FC236}">
+                <a16:creationId xmlns:a16="http://schemas.microsoft.com/office/drawing/2014/main" id="{47F73018-F6BC-4678-B96E-E60C1D7263EB}"/>
+              </a:ext>
+            </a:extLst>
+          </p:cNvPr>
+          <p:cNvGrpSpPr/>
+          <p:nvPr/>
+        </p:nvGrpSpPr>
+        <p:grpSpPr>
+          <a:xfrm rot="837455">
+            <a:off x="5992336" y="2613949"/>
+            <a:ext cx="6330325" cy="3495481"/>
+            <a:chOff x="2184661" y="2535931"/>
+            <a:chExt cx="7822677" cy="4074012"/>
+          </a:xfrm>
+        </p:grpSpPr>
+        <p:sp>
+          <p:nvSpPr>
+            <p:cNvPr id="30" name="台形 29">
+              <a:extLst>
+                <a:ext uri="{FF2B5EF4-FFF2-40B4-BE49-F238E27FC236}">
+                  <a16:creationId xmlns:a16="http://schemas.microsoft.com/office/drawing/2014/main" id="{3CA94AEB-4499-4763-A9C5-F9D7D5EA3B19}"/>
+                </a:ext>
+              </a:extLst>
+            </p:cNvPr>
+            <p:cNvSpPr/>
+            <p:nvPr/>
+          </p:nvSpPr>
+          <p:spPr>
+            <a:xfrm>
+              <a:off x="2184661" y="2566729"/>
+              <a:ext cx="7822677" cy="4043214"/>
+            </a:xfrm>
+            <a:prstGeom prst="trapezoid">
+              <a:avLst/>
+            </a:prstGeom>
+          </p:spPr>
+          <p:style>
+            <a:lnRef idx="2">
+              <a:schemeClr val="accent1">
+                <a:shade val="50000"/>
+              </a:schemeClr>
+            </a:lnRef>
+            <a:fillRef idx="1">
+              <a:schemeClr val="accent1"/>
+            </a:fillRef>
+            <a:effectRef idx="0">
+              <a:schemeClr val="accent1"/>
+            </a:effectRef>
+            <a:fontRef idx="minor">
+              <a:schemeClr val="lt1"/>
+            </a:fontRef>
+          </p:style>
+          <p:txBody>
+            <a:bodyPr rtlCol="0" anchor="ctr"/>
+            <a:lstStyle/>
+            <a:p>
+              <a:pPr algn="ctr"/>
+              <a:endParaRPr kumimoji="1" lang="ja-JP" altLang="en-US"/>
+            </a:p>
+          </p:txBody>
+        </p:sp>
+        <p:sp>
+          <p:nvSpPr>
+            <p:cNvPr id="31" name="正方形/長方形 30">
+              <a:extLst>
+                <a:ext uri="{FF2B5EF4-FFF2-40B4-BE49-F238E27FC236}">
+                  <a16:creationId xmlns:a16="http://schemas.microsoft.com/office/drawing/2014/main" id="{829A2875-0D53-4372-8202-9D76153FF4EC}"/>
+                </a:ext>
+              </a:extLst>
+            </p:cNvPr>
+            <p:cNvSpPr/>
+            <p:nvPr/>
+          </p:nvSpPr>
+          <p:spPr>
+            <a:xfrm>
+              <a:off x="2705493" y="4098142"/>
+              <a:ext cx="2121031" cy="490194"/>
+            </a:xfrm>
+            <a:prstGeom prst="rect">
+              <a:avLst/>
+            </a:prstGeom>
+            <a:solidFill>
+              <a:schemeClr val="tx1"/>
+            </a:solidFill>
+          </p:spPr>
+          <p:style>
+            <a:lnRef idx="2">
+              <a:schemeClr val="accent1">
+                <a:shade val="50000"/>
+              </a:schemeClr>
+            </a:lnRef>
+            <a:fillRef idx="1">
+              <a:schemeClr val="accent1"/>
+            </a:fillRef>
+            <a:effectRef idx="0">
+              <a:schemeClr val="accent1"/>
+            </a:effectRef>
+            <a:fontRef idx="minor">
+              <a:schemeClr val="lt1"/>
+            </a:fontRef>
+          </p:style>
+          <p:txBody>
+            <a:bodyPr rtlCol="0" anchor="ctr"/>
+            <a:lstStyle/>
+            <a:p>
+              <a:pPr algn="ctr"/>
+              <a:endParaRPr kumimoji="1" lang="ja-JP" altLang="en-US"/>
+            </a:p>
+          </p:txBody>
+        </p:sp>
+        <p:sp>
+          <p:nvSpPr>
+            <p:cNvPr id="32" name="正方形/長方形 31">
+              <a:extLst>
+                <a:ext uri="{FF2B5EF4-FFF2-40B4-BE49-F238E27FC236}">
+                  <a16:creationId xmlns:a16="http://schemas.microsoft.com/office/drawing/2014/main" id="{9D55CE05-0CD0-4A4E-A880-EAD2BEAF883A}"/>
+                </a:ext>
+              </a:extLst>
+            </p:cNvPr>
+            <p:cNvSpPr/>
+            <p:nvPr/>
+          </p:nvSpPr>
+          <p:spPr>
+            <a:xfrm>
+              <a:off x="2971015" y="2962871"/>
+              <a:ext cx="2121031" cy="490194"/>
+            </a:xfrm>
+            <a:prstGeom prst="rect">
+              <a:avLst/>
+            </a:prstGeom>
+            <a:solidFill>
+              <a:srgbClr val="FFC000"/>
+            </a:solidFill>
+          </p:spPr>
+          <p:style>
+            <a:lnRef idx="2">
+              <a:schemeClr val="accent1">
+                <a:shade val="50000"/>
+              </a:schemeClr>
+            </a:lnRef>
+            <a:fillRef idx="1">
+              <a:schemeClr val="accent1"/>
+            </a:fillRef>
+            <a:effectRef idx="0">
+              <a:schemeClr val="accent1"/>
+            </a:effectRef>
+            <a:fontRef idx="minor">
+              <a:schemeClr val="lt1"/>
+            </a:fontRef>
+          </p:style>
+          <p:txBody>
+            <a:bodyPr rtlCol="0" anchor="ctr"/>
+            <a:lstStyle/>
+            <a:p>
+              <a:pPr algn="ctr"/>
+              <a:endParaRPr kumimoji="1" lang="ja-JP" altLang="en-US"/>
+            </a:p>
+          </p:txBody>
+        </p:sp>
+        <p:sp>
+          <p:nvSpPr>
+            <p:cNvPr id="33" name="正方形/長方形 32">
+              <a:extLst>
+                <a:ext uri="{FF2B5EF4-FFF2-40B4-BE49-F238E27FC236}">
+                  <a16:creationId xmlns:a16="http://schemas.microsoft.com/office/drawing/2014/main" id="{F26B4F50-0ABA-4632-BE17-215239D855D4}"/>
+                </a:ext>
+              </a:extLst>
+            </p:cNvPr>
+            <p:cNvSpPr/>
+            <p:nvPr/>
+          </p:nvSpPr>
+          <p:spPr>
+            <a:xfrm>
+              <a:off x="2320565" y="5503714"/>
+              <a:ext cx="2121031" cy="490194"/>
+            </a:xfrm>
+            <a:prstGeom prst="rect">
+              <a:avLst/>
+            </a:prstGeom>
+            <a:solidFill>
+              <a:schemeClr val="tx1"/>
+            </a:solidFill>
+          </p:spPr>
+          <p:style>
+            <a:lnRef idx="2">
+              <a:schemeClr val="accent1">
+                <a:shade val="50000"/>
+              </a:schemeClr>
+            </a:lnRef>
+            <a:fillRef idx="1">
+              <a:schemeClr val="accent1"/>
+            </a:fillRef>
+            <a:effectRef idx="0">
+              <a:schemeClr val="accent1"/>
+            </a:effectRef>
+            <a:fontRef idx="minor">
+              <a:schemeClr val="lt1"/>
+            </a:fontRef>
+          </p:style>
+          <p:txBody>
+            <a:bodyPr rtlCol="0" anchor="ctr"/>
+            <a:lstStyle/>
+            <a:p>
+              <a:pPr algn="ctr"/>
+              <a:endParaRPr kumimoji="1" lang="ja-JP" altLang="en-US"/>
+            </a:p>
+          </p:txBody>
+        </p:sp>
+        <p:sp>
+          <p:nvSpPr>
+            <p:cNvPr id="34" name="正方形/長方形 33">
+              <a:extLst>
+                <a:ext uri="{FF2B5EF4-FFF2-40B4-BE49-F238E27FC236}">
+                  <a16:creationId xmlns:a16="http://schemas.microsoft.com/office/drawing/2014/main" id="{3B97FC90-096F-48D0-84B0-1CAC2A401BE2}"/>
+                </a:ext>
+              </a:extLst>
+            </p:cNvPr>
+            <p:cNvSpPr/>
+            <p:nvPr/>
+          </p:nvSpPr>
+          <p:spPr>
+            <a:xfrm>
+              <a:off x="7750406" y="5503714"/>
+              <a:ext cx="2121031" cy="490194"/>
+            </a:xfrm>
+            <a:prstGeom prst="rect">
+              <a:avLst/>
+            </a:prstGeom>
+            <a:solidFill>
+              <a:srgbClr val="FFC000"/>
+            </a:solidFill>
+          </p:spPr>
+          <p:style>
+            <a:lnRef idx="2">
+              <a:schemeClr val="accent1">
+                <a:shade val="50000"/>
+              </a:schemeClr>
+            </a:lnRef>
+            <a:fillRef idx="1">
+              <a:schemeClr val="accent1"/>
+            </a:fillRef>
+            <a:effectRef idx="0">
+              <a:schemeClr val="accent1"/>
+            </a:effectRef>
+            <a:fontRef idx="minor">
+              <a:schemeClr val="lt1"/>
+            </a:fontRef>
+          </p:style>
+          <p:txBody>
+            <a:bodyPr rtlCol="0" anchor="ctr"/>
+            <a:lstStyle/>
+            <a:p>
+              <a:pPr algn="ctr"/>
+              <a:endParaRPr kumimoji="1" lang="ja-JP" altLang="en-US"/>
+            </a:p>
+          </p:txBody>
+        </p:sp>
+        <p:sp>
+          <p:nvSpPr>
+            <p:cNvPr id="35" name="正方形/長方形 34">
+              <a:extLst>
+                <a:ext uri="{FF2B5EF4-FFF2-40B4-BE49-F238E27FC236}">
+                  <a16:creationId xmlns:a16="http://schemas.microsoft.com/office/drawing/2014/main" id="{88F66C56-B399-493B-9170-CD707DD2964D}"/>
+                </a:ext>
+              </a:extLst>
+            </p:cNvPr>
+            <p:cNvSpPr/>
+            <p:nvPr/>
+          </p:nvSpPr>
+          <p:spPr>
+            <a:xfrm>
+              <a:off x="7365478" y="4098142"/>
+              <a:ext cx="2121031" cy="490194"/>
+            </a:xfrm>
+            <a:prstGeom prst="rect">
+              <a:avLst/>
+            </a:prstGeom>
+            <a:solidFill>
+              <a:schemeClr val="tx1"/>
+            </a:solidFill>
+          </p:spPr>
+          <p:style>
+            <a:lnRef idx="2">
+              <a:schemeClr val="accent1">
+                <a:shade val="50000"/>
+              </a:schemeClr>
+            </a:lnRef>
+            <a:fillRef idx="1">
+              <a:schemeClr val="accent1"/>
+            </a:fillRef>
+            <a:effectRef idx="0">
+              <a:schemeClr val="accent1"/>
+            </a:effectRef>
+            <a:fontRef idx="minor">
+              <a:schemeClr val="lt1"/>
+            </a:fontRef>
+          </p:style>
+          <p:txBody>
+            <a:bodyPr rtlCol="0" anchor="ctr"/>
+            <a:lstStyle/>
+            <a:p>
+              <a:pPr algn="ctr"/>
+              <a:endParaRPr kumimoji="1" lang="ja-JP" altLang="en-US"/>
+            </a:p>
+          </p:txBody>
+        </p:sp>
+        <p:sp>
+          <p:nvSpPr>
+            <p:cNvPr id="36" name="正方形/長方形 35">
+              <a:extLst>
+                <a:ext uri="{FF2B5EF4-FFF2-40B4-BE49-F238E27FC236}">
+                  <a16:creationId xmlns:a16="http://schemas.microsoft.com/office/drawing/2014/main" id="{03ED3101-CAE5-4722-B825-7667A054EA2B}"/>
+                </a:ext>
+              </a:extLst>
+            </p:cNvPr>
+            <p:cNvSpPr/>
+            <p:nvPr/>
+          </p:nvSpPr>
+          <p:spPr>
+            <a:xfrm>
+              <a:off x="7099954" y="2962871"/>
+              <a:ext cx="2121031" cy="490194"/>
+            </a:xfrm>
+            <a:prstGeom prst="rect">
+              <a:avLst/>
+            </a:prstGeom>
+            <a:solidFill>
+              <a:schemeClr val="tx1"/>
+            </a:solidFill>
+          </p:spPr>
+          <p:style>
+            <a:lnRef idx="2">
+              <a:schemeClr val="accent1">
+                <a:shade val="50000"/>
+              </a:schemeClr>
+            </a:lnRef>
+            <a:fillRef idx="1">
+              <a:schemeClr val="accent1"/>
+            </a:fillRef>
+            <a:effectRef idx="0">
+              <a:schemeClr val="accent1"/>
+            </a:effectRef>
+            <a:fontRef idx="minor">
+              <a:schemeClr val="lt1"/>
+            </a:fontRef>
+          </p:style>
+          <p:txBody>
+            <a:bodyPr rtlCol="0" anchor="ctr"/>
+            <a:lstStyle/>
+            <a:p>
+              <a:pPr algn="ctr"/>
+              <a:endParaRPr kumimoji="1" lang="ja-JP" altLang="en-US"/>
+            </a:p>
+          </p:txBody>
+        </p:sp>
+        <p:sp>
+          <p:nvSpPr>
+            <p:cNvPr id="37" name="正方形/長方形 36">
+              <a:extLst>
+                <a:ext uri="{FF2B5EF4-FFF2-40B4-BE49-F238E27FC236}">
+                  <a16:creationId xmlns:a16="http://schemas.microsoft.com/office/drawing/2014/main" id="{D53F34BF-C1FE-4F26-862E-6F8C5A3D8D36}"/>
+                </a:ext>
+              </a:extLst>
+            </p:cNvPr>
+            <p:cNvSpPr/>
+            <p:nvPr/>
+          </p:nvSpPr>
+          <p:spPr>
+            <a:xfrm>
+              <a:off x="5878400" y="2535931"/>
+              <a:ext cx="498052" cy="1664119"/>
+            </a:xfrm>
+            <a:prstGeom prst="rect">
+              <a:avLst/>
+            </a:prstGeom>
+            <a:solidFill>
+              <a:schemeClr val="tx1"/>
+            </a:solidFill>
+          </p:spPr>
+          <p:style>
+            <a:lnRef idx="2">
+              <a:schemeClr val="accent1">
+                <a:shade val="50000"/>
+              </a:schemeClr>
+            </a:lnRef>
+            <a:fillRef idx="1">
+              <a:schemeClr val="accent1"/>
+            </a:fillRef>
+            <a:effectRef idx="0">
+              <a:schemeClr val="accent1"/>
+            </a:effectRef>
+            <a:fontRef idx="minor">
+              <a:schemeClr val="lt1"/>
+            </a:fontRef>
+          </p:style>
+          <p:txBody>
+            <a:bodyPr rtlCol="0" anchor="ctr"/>
+            <a:lstStyle/>
+            <a:p>
+              <a:pPr algn="ctr"/>
+              <a:endParaRPr kumimoji="1" lang="ja-JP" altLang="en-US"/>
+            </a:p>
+          </p:txBody>
+        </p:sp>
+        <p:sp>
+          <p:nvSpPr>
+            <p:cNvPr id="38" name="正方形/長方形 37">
+              <a:extLst>
+                <a:ext uri="{FF2B5EF4-FFF2-40B4-BE49-F238E27FC236}">
+                  <a16:creationId xmlns:a16="http://schemas.microsoft.com/office/drawing/2014/main" id="{2D4FD937-746B-4455-ACCE-AF3C3844F35A}"/>
+                </a:ext>
+              </a:extLst>
+            </p:cNvPr>
+            <p:cNvSpPr/>
+            <p:nvPr/>
+          </p:nvSpPr>
+          <p:spPr>
+            <a:xfrm>
+              <a:off x="5878400" y="4945824"/>
+              <a:ext cx="498052" cy="1664119"/>
+            </a:xfrm>
+            <a:prstGeom prst="rect">
+              <a:avLst/>
+            </a:prstGeom>
+            <a:solidFill>
+              <a:schemeClr val="tx1"/>
+            </a:solidFill>
+          </p:spPr>
+          <p:style>
+            <a:lnRef idx="2">
+              <a:schemeClr val="accent1">
+                <a:shade val="50000"/>
+              </a:schemeClr>
+            </a:lnRef>
+            <a:fillRef idx="1">
+              <a:schemeClr val="accent1"/>
+            </a:fillRef>
+            <a:effectRef idx="0">
+              <a:schemeClr val="accent1"/>
+            </a:effectRef>
+            <a:fontRef idx="minor">
+              <a:schemeClr val="lt1"/>
+            </a:fontRef>
+          </p:style>
+          <p:txBody>
+            <a:bodyPr rtlCol="0" anchor="ctr"/>
+            <a:lstStyle/>
+            <a:p>
+              <a:pPr algn="ctr"/>
+              <a:endParaRPr kumimoji="1" lang="ja-JP" altLang="en-US" dirty="0"/>
+            </a:p>
+          </p:txBody>
+        </p:sp>
+        <p:sp>
+          <p:nvSpPr>
+            <p:cNvPr id="39" name="部分円 38">
+              <a:extLst>
+                <a:ext uri="{FF2B5EF4-FFF2-40B4-BE49-F238E27FC236}">
+                  <a16:creationId xmlns:a16="http://schemas.microsoft.com/office/drawing/2014/main" id="{638C8D73-4DF0-4D15-B0E3-671738930226}"/>
+                </a:ext>
+              </a:extLst>
+            </p:cNvPr>
+            <p:cNvSpPr/>
+            <p:nvPr/>
+          </p:nvSpPr>
+          <p:spPr>
+            <a:xfrm rot="3899902">
+              <a:off x="2660213" y="4651486"/>
+              <a:ext cx="811106" cy="760036"/>
+            </a:xfrm>
+            <a:prstGeom prst="pie">
+              <a:avLst>
+                <a:gd name="adj1" fmla="val 19150261"/>
+                <a:gd name="adj2" fmla="val 16200000"/>
+              </a:avLst>
+            </a:prstGeom>
+          </p:spPr>
+          <p:style>
+            <a:lnRef idx="2">
+              <a:schemeClr val="accent6">
+                <a:shade val="50000"/>
+              </a:schemeClr>
+            </a:lnRef>
+            <a:fillRef idx="1">
+              <a:schemeClr val="accent6"/>
+            </a:fillRef>
+            <a:effectRef idx="0">
+              <a:schemeClr val="accent6"/>
+            </a:effectRef>
+            <a:fontRef idx="minor">
+              <a:schemeClr val="lt1"/>
+            </a:fontRef>
+          </p:style>
+          <p:txBody>
+            <a:bodyPr rtlCol="0" anchor="ctr"/>
+            <a:lstStyle/>
+            <a:p>
+              <a:pPr algn="ctr"/>
+              <a:endParaRPr kumimoji="1" lang="ja-JP" altLang="en-US">
+                <a:solidFill>
+                  <a:schemeClr val="tx1"/>
+                </a:solidFill>
+              </a:endParaRPr>
+            </a:p>
+          </p:txBody>
+        </p:sp>
+      </p:grpSp>
+      <p:sp>
+        <p:nvSpPr>
+          <p:cNvPr id="41" name="矢印: 上向き折線 40">
+            <a:extLst>
+              <a:ext uri="{FF2B5EF4-FFF2-40B4-BE49-F238E27FC236}">
+                <a16:creationId xmlns:a16="http://schemas.microsoft.com/office/drawing/2014/main" id="{DEE14E36-1D9B-4831-B4F1-8A9E6EDBC04F}"/>
+              </a:ext>
+            </a:extLst>
+          </p:cNvPr>
+          <p:cNvSpPr/>
+          <p:nvPr/>
+        </p:nvSpPr>
+        <p:spPr>
+          <a:xfrm rot="5400000">
+            <a:off x="4313436" y="4486024"/>
+            <a:ext cx="902712" cy="1396358"/>
+          </a:xfrm>
+          <a:prstGeom prst="bentUpArrow">
+            <a:avLst/>
+          </a:prstGeom>
+        </p:spPr>
+        <p:style>
+          <a:lnRef idx="2">
+            <a:schemeClr val="accent2">
+              <a:shade val="50000"/>
+            </a:schemeClr>
+          </a:lnRef>
+          <a:fillRef idx="1">
+            <a:schemeClr val="accent2"/>
+          </a:fillRef>
+          <a:effectRef idx="0">
+            <a:schemeClr val="accent2"/>
+          </a:effectRef>
+          <a:fontRef idx="minor">
+            <a:schemeClr val="lt1"/>
+          </a:fontRef>
+        </p:style>
+        <p:txBody>
+          <a:bodyPr rtlCol="0" anchor="ctr"/>
+          <a:lstStyle/>
+          <a:p>
+            <a:pPr algn="ctr"/>
+            <a:endParaRPr kumimoji="1" lang="ja-JP" altLang="en-US"/>
+          </a:p>
+        </p:txBody>
+      </p:sp>
+      <p:sp>
+        <p:nvSpPr>
+          <p:cNvPr id="43" name="矢印: 環状 42">
+            <a:extLst>
+              <a:ext uri="{FF2B5EF4-FFF2-40B4-BE49-F238E27FC236}">
+                <a16:creationId xmlns:a16="http://schemas.microsoft.com/office/drawing/2014/main" id="{478801A7-94B0-41FC-A4BD-8C2D488986EA}"/>
+              </a:ext>
+            </a:extLst>
+          </p:cNvPr>
+          <p:cNvSpPr/>
+          <p:nvPr/>
+        </p:nvSpPr>
+        <p:spPr>
+          <a:xfrm rot="19551840">
+            <a:off x="6587069" y="1537793"/>
+            <a:ext cx="1611199" cy="1574800"/>
+          </a:xfrm>
+          <a:prstGeom prst="circularArrow">
+            <a:avLst>
+              <a:gd name="adj1" fmla="val 12500"/>
+              <a:gd name="adj2" fmla="val 1142319"/>
+              <a:gd name="adj3" fmla="val 20457681"/>
+              <a:gd name="adj4" fmla="val 13367543"/>
+              <a:gd name="adj5" fmla="val 12500"/>
+            </a:avLst>
+          </a:prstGeom>
+        </p:spPr>
+        <p:style>
+          <a:lnRef idx="1">
+            <a:schemeClr val="accent2"/>
+          </a:lnRef>
+          <a:fillRef idx="2">
+            <a:schemeClr val="accent2"/>
+          </a:fillRef>
+          <a:effectRef idx="1">
+            <a:schemeClr val="accent2"/>
+          </a:effectRef>
+          <a:fontRef idx="minor">
+            <a:schemeClr val="dk1"/>
+          </a:fontRef>
+        </p:style>
+        <p:txBody>
+          <a:bodyPr rtlCol="0" anchor="ctr"/>
+          <a:lstStyle/>
+          <a:p>
+            <a:pPr algn="ctr"/>
+            <a:endParaRPr kumimoji="1" lang="ja-JP" altLang="en-US">
+              <a:solidFill>
+                <a:schemeClr val="tx1"/>
+              </a:solidFill>
             </a:endParaRPr>
           </a:p>
         </p:txBody>
@@ -4102,13 +6480,16 @@
     </p:spTree>
     <p:extLst>
       <p:ext uri="{BB962C8B-B14F-4D97-AF65-F5344CB8AC3E}">
-        <p14:creationId xmlns:p14="http://schemas.microsoft.com/office/powerpoint/2010/main" val="45539842"/>
+        <p14:creationId xmlns:p14="http://schemas.microsoft.com/office/powerpoint/2010/main" val="550668178"/>
       </p:ext>
     </p:extLst>
   </p:cSld>
   <p:clrMapOvr>
     <a:masterClrMapping/>
   </p:clrMapOvr>
+  <p:transition spd="slow">
+    <p:push dir="u"/>
+  </p:transition>
 </p:sld>
 </file>
 
@@ -4131,10 +6512,10 @@
       </p:grpSpPr>
       <p:sp>
         <p:nvSpPr>
-          <p:cNvPr id="2" name="タイトル 1">
-            <a:extLst>
-              <a:ext uri="{FF2B5EF4-FFF2-40B4-BE49-F238E27FC236}">
-                <a16:creationId xmlns:a16="http://schemas.microsoft.com/office/drawing/2014/main" id="{C1753693-7A69-4370-9BC3-5EE1AAF34847}"/>
+          <p:cNvPr id="21" name="タイトル 1">
+            <a:extLst>
+              <a:ext uri="{FF2B5EF4-FFF2-40B4-BE49-F238E27FC236}">
+                <a16:creationId xmlns:a16="http://schemas.microsoft.com/office/drawing/2014/main" id="{18FA6BCD-E401-4F7A-AC8D-6B84E3675107}"/>
               </a:ext>
             </a:extLst>
           </p:cNvPr>
@@ -4145,222 +6526,776 @@
             <p:ph type="title"/>
           </p:nvPr>
         </p:nvSpPr>
-        <p:spPr/>
-        <p:txBody>
-          <a:bodyPr/>
+        <p:spPr>
+          <a:xfrm>
+            <a:off x="225457" y="198970"/>
+            <a:ext cx="4921577" cy="1325563"/>
+          </a:xfrm>
+        </p:spPr>
+        <p:txBody>
+          <a:bodyPr>
+            <a:noAutofit/>
+          </a:bodyPr>
           <a:lstStyle/>
           <a:p>
             <a:r>
-              <a:rPr kumimoji="1" lang="ja-JP" altLang="en-US" dirty="0">
+              <a:rPr kumimoji="1" lang="ja-JP" altLang="en-US" sz="6000" dirty="0">
+                <a:effectLst>
+                  <a:glow rad="254000">
+                    <a:schemeClr val="bg1"/>
+                  </a:glow>
+                </a:effectLst>
                 <a:latin typeface="HGP創英角ｺﾞｼｯｸUB" panose="020B0900000000000000" pitchFamily="50" charset="-128"/>
                 <a:ea typeface="HGP創英角ｺﾞｼｯｸUB" panose="020B0900000000000000" pitchFamily="50" charset="-128"/>
               </a:rPr>
-              <a:t>新要素</a:t>
-            </a:r>
-          </a:p>
-        </p:txBody>
-      </p:sp>
-      <p:sp>
-        <p:nvSpPr>
-          <p:cNvPr id="9" name="コンテンツ プレースホルダー 8">
-            <a:extLst>
-              <a:ext uri="{FF2B5EF4-FFF2-40B4-BE49-F238E27FC236}">
-                <a16:creationId xmlns:a16="http://schemas.microsoft.com/office/drawing/2014/main" id="{9B92E57E-48E2-4D93-81EB-6F4887DA220F}"/>
-              </a:ext>
-            </a:extLst>
-          </p:cNvPr>
-          <p:cNvSpPr>
-            <a:spLocks noGrp="1"/>
-          </p:cNvSpPr>
-          <p:nvPr>
-            <p:ph idx="1"/>
-          </p:nvPr>
-        </p:nvSpPr>
-        <p:spPr/>
-        <p:txBody>
-          <a:bodyPr/>
-          <a:lstStyle/>
-          <a:p>
-            <a:r>
-              <a:rPr lang="ja-JP" altLang="en-US" dirty="0">
-                <a:latin typeface="HGP創英角ｺﾞｼｯｸUB" panose="020B0900000000000000" pitchFamily="50" charset="-128"/>
-                <a:ea typeface="HGP創英角ｺﾞｼｯｸUB" panose="020B0900000000000000" pitchFamily="50" charset="-128"/>
-              </a:rPr>
-              <a:t>マップの</a:t>
-            </a:r>
-            <a:r>
-              <a:rPr lang="ja-JP" altLang="en-US" dirty="0">
-                <a:solidFill>
-                  <a:srgbClr val="FF0000"/>
-                </a:solidFill>
+              <a:t>新要素  </a:t>
+            </a:r>
+            <a:r>
+              <a:rPr lang="ja-JP" altLang="en-US" sz="8000" dirty="0">
+                <a:effectLst>
+                  <a:glow rad="254000">
+                    <a:schemeClr val="bg1"/>
+                  </a:glow>
+                </a:effectLst>
                 <a:latin typeface="HGP創英角ｺﾞｼｯｸUB" panose="020B0900000000000000" pitchFamily="50" charset="-128"/>
                 <a:ea typeface="HGP創英角ｺﾞｼｯｸUB" panose="020B0900000000000000" pitchFamily="50" charset="-128"/>
               </a:rPr>
               <a:t>傾き</a:t>
             </a:r>
-            <a:endParaRPr lang="en-US" altLang="ja-JP" dirty="0">
-              <a:solidFill>
-                <a:srgbClr val="FF0000"/>
-              </a:solidFill>
+            <a:endParaRPr kumimoji="1" lang="ja-JP" altLang="en-US" sz="6000" dirty="0">
+              <a:effectLst>
+                <a:glow rad="254000">
+                  <a:schemeClr val="bg1"/>
+                </a:glow>
+              </a:effectLst>
               <a:latin typeface="HGP創英角ｺﾞｼｯｸUB" panose="020B0900000000000000" pitchFamily="50" charset="-128"/>
               <a:ea typeface="HGP創英角ｺﾞｼｯｸUB" panose="020B0900000000000000" pitchFamily="50" charset="-128"/>
             </a:endParaRPr>
           </a:p>
-          <a:p>
-            <a:r>
-              <a:rPr lang="ja-JP" altLang="en-US" dirty="0">
+        </p:txBody>
+      </p:sp>
+      <p:grpSp>
+        <p:nvGrpSpPr>
+          <p:cNvPr id="7" name="グループ化 6">
+            <a:extLst>
+              <a:ext uri="{FF2B5EF4-FFF2-40B4-BE49-F238E27FC236}">
+                <a16:creationId xmlns:a16="http://schemas.microsoft.com/office/drawing/2014/main" id="{AEF053D5-AB6B-469A-98CD-16A0DE8FE833}"/>
+              </a:ext>
+            </a:extLst>
+          </p:cNvPr>
+          <p:cNvGrpSpPr/>
+          <p:nvPr/>
+        </p:nvGrpSpPr>
+        <p:grpSpPr>
+          <a:xfrm>
+            <a:off x="3759200" y="1259840"/>
+            <a:ext cx="8578956" cy="4693395"/>
+            <a:chOff x="4354686" y="1816649"/>
+            <a:chExt cx="7871710" cy="4055306"/>
+          </a:xfrm>
+        </p:grpSpPr>
+        <p:sp>
+          <p:nvSpPr>
+            <p:cNvPr id="10" name="台形 9">
+              <a:extLst>
+                <a:ext uri="{FF2B5EF4-FFF2-40B4-BE49-F238E27FC236}">
+                  <a16:creationId xmlns:a16="http://schemas.microsoft.com/office/drawing/2014/main" id="{0747C94D-B132-4955-A747-34A1E4E4DD07}"/>
+                </a:ext>
+              </a:extLst>
+            </p:cNvPr>
+            <p:cNvSpPr/>
+            <p:nvPr/>
+          </p:nvSpPr>
+          <p:spPr>
+            <a:xfrm rot="738249">
+              <a:off x="4403719" y="1828741"/>
+              <a:ext cx="7822677" cy="4043214"/>
+            </a:xfrm>
+            <a:prstGeom prst="trapezoid">
+              <a:avLst/>
+            </a:prstGeom>
+          </p:spPr>
+          <p:style>
+            <a:lnRef idx="2">
+              <a:schemeClr val="accent1">
+                <a:shade val="50000"/>
+              </a:schemeClr>
+            </a:lnRef>
+            <a:fillRef idx="1">
+              <a:schemeClr val="accent1"/>
+            </a:fillRef>
+            <a:effectRef idx="0">
+              <a:schemeClr val="accent1"/>
+            </a:effectRef>
+            <a:fontRef idx="minor">
+              <a:schemeClr val="lt1"/>
+            </a:fontRef>
+          </p:style>
+          <p:txBody>
+            <a:bodyPr rtlCol="0" anchor="ctr"/>
+            <a:lstStyle/>
+            <a:p>
+              <a:pPr algn="ctr"/>
+              <a:endParaRPr kumimoji="1" lang="ja-JP" altLang="en-US"/>
+            </a:p>
+          </p:txBody>
+        </p:sp>
+        <p:sp>
+          <p:nvSpPr>
+            <p:cNvPr id="11" name="正方形/長方形 10">
+              <a:extLst>
+                <a:ext uri="{FF2B5EF4-FFF2-40B4-BE49-F238E27FC236}">
+                  <a16:creationId xmlns:a16="http://schemas.microsoft.com/office/drawing/2014/main" id="{235689A9-083E-4F7C-842A-D0704801D45F}"/>
+                </a:ext>
+              </a:extLst>
+            </p:cNvPr>
+            <p:cNvSpPr/>
+            <p:nvPr/>
+          </p:nvSpPr>
+          <p:spPr>
+            <a:xfrm rot="738249">
+              <a:off x="5030301" y="2869260"/>
+              <a:ext cx="2121031" cy="490194"/>
+            </a:xfrm>
+            <a:prstGeom prst="rect">
+              <a:avLst/>
+            </a:prstGeom>
+            <a:solidFill>
+              <a:schemeClr val="tx1"/>
+            </a:solidFill>
+          </p:spPr>
+          <p:style>
+            <a:lnRef idx="2">
+              <a:schemeClr val="accent1">
+                <a:shade val="50000"/>
+              </a:schemeClr>
+            </a:lnRef>
+            <a:fillRef idx="1">
+              <a:schemeClr val="accent1"/>
+            </a:fillRef>
+            <a:effectRef idx="0">
+              <a:schemeClr val="accent1"/>
+            </a:effectRef>
+            <a:fontRef idx="minor">
+              <a:schemeClr val="lt1"/>
+            </a:fontRef>
+          </p:style>
+          <p:txBody>
+            <a:bodyPr rtlCol="0" anchor="ctr"/>
+            <a:lstStyle/>
+            <a:p>
+              <a:pPr algn="ctr"/>
+              <a:endParaRPr kumimoji="1" lang="ja-JP" altLang="en-US"/>
+            </a:p>
+          </p:txBody>
+        </p:sp>
+        <p:sp>
+          <p:nvSpPr>
+            <p:cNvPr id="12" name="正方形/長方形 11">
+              <a:extLst>
+                <a:ext uri="{FF2B5EF4-FFF2-40B4-BE49-F238E27FC236}">
+                  <a16:creationId xmlns:a16="http://schemas.microsoft.com/office/drawing/2014/main" id="{B42DF05A-4117-495B-9C75-B946517EB7E3}"/>
+                </a:ext>
+              </a:extLst>
+            </p:cNvPr>
+            <p:cNvSpPr/>
+            <p:nvPr/>
+          </p:nvSpPr>
+          <p:spPr>
+            <a:xfrm rot="738249">
+              <a:off x="5531652" y="1816649"/>
+              <a:ext cx="2121031" cy="490194"/>
+            </a:xfrm>
+            <a:prstGeom prst="rect">
+              <a:avLst/>
+            </a:prstGeom>
+            <a:solidFill>
+              <a:srgbClr val="FFC000"/>
+            </a:solidFill>
+          </p:spPr>
+          <p:style>
+            <a:lnRef idx="2">
+              <a:schemeClr val="accent1">
+                <a:shade val="50000"/>
+              </a:schemeClr>
+            </a:lnRef>
+            <a:fillRef idx="1">
+              <a:schemeClr val="accent1"/>
+            </a:fillRef>
+            <a:effectRef idx="0">
+              <a:schemeClr val="accent1"/>
+            </a:effectRef>
+            <a:fontRef idx="minor">
+              <a:schemeClr val="lt1"/>
+            </a:fontRef>
+          </p:style>
+          <p:txBody>
+            <a:bodyPr rtlCol="0" anchor="ctr"/>
+            <a:lstStyle/>
+            <a:p>
+              <a:pPr algn="ctr"/>
+              <a:endParaRPr kumimoji="1" lang="ja-JP" altLang="en-US"/>
+            </a:p>
+          </p:txBody>
+        </p:sp>
+        <p:sp>
+          <p:nvSpPr>
+            <p:cNvPr id="13" name="正方形/長方形 12">
+              <a:extLst>
+                <a:ext uri="{FF2B5EF4-FFF2-40B4-BE49-F238E27FC236}">
+                  <a16:creationId xmlns:a16="http://schemas.microsoft.com/office/drawing/2014/main" id="{A692EDA8-1D5D-4941-AFD9-2BA1DCAE4904}"/>
+                </a:ext>
+              </a:extLst>
+            </p:cNvPr>
+            <p:cNvSpPr/>
+            <p:nvPr/>
+          </p:nvSpPr>
+          <p:spPr>
+            <a:xfrm rot="738249">
+              <a:off x="4354686" y="4160518"/>
+              <a:ext cx="2121031" cy="490194"/>
+            </a:xfrm>
+            <a:prstGeom prst="rect">
+              <a:avLst/>
+            </a:prstGeom>
+            <a:solidFill>
+              <a:schemeClr val="tx1"/>
+            </a:solidFill>
+          </p:spPr>
+          <p:style>
+            <a:lnRef idx="2">
+              <a:schemeClr val="accent1">
+                <a:shade val="50000"/>
+              </a:schemeClr>
+            </a:lnRef>
+            <a:fillRef idx="1">
+              <a:schemeClr val="accent1"/>
+            </a:fillRef>
+            <a:effectRef idx="0">
+              <a:schemeClr val="accent1"/>
+            </a:effectRef>
+            <a:fontRef idx="minor">
+              <a:schemeClr val="lt1"/>
+            </a:fontRef>
+          </p:style>
+          <p:txBody>
+            <a:bodyPr rtlCol="0" anchor="ctr"/>
+            <a:lstStyle/>
+            <a:p>
+              <a:pPr algn="ctr"/>
+              <a:endParaRPr kumimoji="1" lang="ja-JP" altLang="en-US"/>
+            </a:p>
+          </p:txBody>
+        </p:sp>
+        <p:sp>
+          <p:nvSpPr>
+            <p:cNvPr id="14" name="正方形/長方形 13">
+              <a:extLst>
+                <a:ext uri="{FF2B5EF4-FFF2-40B4-BE49-F238E27FC236}">
+                  <a16:creationId xmlns:a16="http://schemas.microsoft.com/office/drawing/2014/main" id="{AA39875A-8542-4AEE-8A4B-720DFD443C4F}"/>
+                </a:ext>
+              </a:extLst>
+            </p:cNvPr>
+            <p:cNvSpPr/>
+            <p:nvPr/>
+          </p:nvSpPr>
+          <p:spPr>
+            <a:xfrm rot="738249">
+              <a:off x="9659805" y="5317623"/>
+              <a:ext cx="2121031" cy="490194"/>
+            </a:xfrm>
+            <a:prstGeom prst="rect">
+              <a:avLst/>
+            </a:prstGeom>
+            <a:solidFill>
+              <a:srgbClr val="FFC000"/>
+            </a:solidFill>
+          </p:spPr>
+          <p:style>
+            <a:lnRef idx="2">
+              <a:schemeClr val="accent1">
+                <a:shade val="50000"/>
+              </a:schemeClr>
+            </a:lnRef>
+            <a:fillRef idx="1">
+              <a:schemeClr val="accent1"/>
+            </a:fillRef>
+            <a:effectRef idx="0">
+              <a:schemeClr val="accent1"/>
+            </a:effectRef>
+            <a:fontRef idx="minor">
+              <a:schemeClr val="lt1"/>
+            </a:fontRef>
+          </p:style>
+          <p:txBody>
+            <a:bodyPr rtlCol="0" anchor="ctr"/>
+            <a:lstStyle/>
+            <a:p>
+              <a:pPr algn="ctr"/>
+              <a:endParaRPr kumimoji="1" lang="ja-JP" altLang="en-US"/>
+            </a:p>
+          </p:txBody>
+        </p:sp>
+        <p:sp>
+          <p:nvSpPr>
+            <p:cNvPr id="15" name="正方形/長方形 14">
+              <a:extLst>
+                <a:ext uri="{FF2B5EF4-FFF2-40B4-BE49-F238E27FC236}">
+                  <a16:creationId xmlns:a16="http://schemas.microsoft.com/office/drawing/2014/main" id="{3EC2DA1F-8281-4B2E-81CC-1750581707A9}"/>
+                </a:ext>
+              </a:extLst>
+            </p:cNvPr>
+            <p:cNvSpPr/>
+            <p:nvPr/>
+          </p:nvSpPr>
+          <p:spPr>
+            <a:xfrm rot="738249">
+              <a:off x="9583247" y="3862309"/>
+              <a:ext cx="2121031" cy="490194"/>
+            </a:xfrm>
+            <a:prstGeom prst="rect">
+              <a:avLst/>
+            </a:prstGeom>
+            <a:solidFill>
+              <a:schemeClr val="tx1"/>
+            </a:solidFill>
+          </p:spPr>
+          <p:style>
+            <a:lnRef idx="2">
+              <a:schemeClr val="accent1">
+                <a:shade val="50000"/>
+              </a:schemeClr>
+            </a:lnRef>
+            <a:fillRef idx="1">
+              <a:schemeClr val="accent1"/>
+            </a:fillRef>
+            <a:effectRef idx="0">
+              <a:schemeClr val="accent1"/>
+            </a:effectRef>
+            <a:fontRef idx="minor">
+              <a:schemeClr val="lt1"/>
+            </a:fontRef>
+          </p:style>
+          <p:txBody>
+            <a:bodyPr rtlCol="0" anchor="ctr"/>
+            <a:lstStyle/>
+            <a:p>
+              <a:pPr algn="ctr"/>
+              <a:endParaRPr kumimoji="1" lang="ja-JP" altLang="en-US"/>
+            </a:p>
+          </p:txBody>
+        </p:sp>
+        <p:sp>
+          <p:nvSpPr>
+            <p:cNvPr id="16" name="正方形/長方形 15">
+              <a:extLst>
+                <a:ext uri="{FF2B5EF4-FFF2-40B4-BE49-F238E27FC236}">
+                  <a16:creationId xmlns:a16="http://schemas.microsoft.com/office/drawing/2014/main" id="{C1D0BACF-C1D0-4A71-B9B4-4934BAC781EF}"/>
+                </a:ext>
+              </a:extLst>
+            </p:cNvPr>
+            <p:cNvSpPr/>
+            <p:nvPr/>
+          </p:nvSpPr>
+          <p:spPr>
+            <a:xfrm rot="738249">
+              <a:off x="9565750" y="2696531"/>
+              <a:ext cx="2121031" cy="490194"/>
+            </a:xfrm>
+            <a:prstGeom prst="rect">
+              <a:avLst/>
+            </a:prstGeom>
+            <a:solidFill>
+              <a:schemeClr val="tx1"/>
+            </a:solidFill>
+          </p:spPr>
+          <p:style>
+            <a:lnRef idx="2">
+              <a:schemeClr val="accent1">
+                <a:shade val="50000"/>
+              </a:schemeClr>
+            </a:lnRef>
+            <a:fillRef idx="1">
+              <a:schemeClr val="accent1"/>
+            </a:fillRef>
+            <a:effectRef idx="0">
+              <a:schemeClr val="accent1"/>
+            </a:effectRef>
+            <a:fontRef idx="minor">
+              <a:schemeClr val="lt1"/>
+            </a:fontRef>
+          </p:style>
+          <p:txBody>
+            <a:bodyPr rtlCol="0" anchor="ctr"/>
+            <a:lstStyle/>
+            <a:p>
+              <a:pPr algn="ctr"/>
+              <a:endParaRPr kumimoji="1" lang="ja-JP" altLang="en-US"/>
+            </a:p>
+          </p:txBody>
+        </p:sp>
+        <p:sp>
+          <p:nvSpPr>
+            <p:cNvPr id="17" name="正方形/長方形 16">
+              <a:extLst>
+                <a:ext uri="{FF2B5EF4-FFF2-40B4-BE49-F238E27FC236}">
+                  <a16:creationId xmlns:a16="http://schemas.microsoft.com/office/drawing/2014/main" id="{314BA838-BFE7-48A5-81A4-BBD3283170F0}"/>
+                </a:ext>
+              </a:extLst>
+            </p:cNvPr>
+            <p:cNvSpPr/>
+            <p:nvPr/>
+          </p:nvSpPr>
+          <p:spPr>
+            <a:xfrm rot="738249">
+              <a:off x="8356794" y="1832671"/>
+              <a:ext cx="498052" cy="1664119"/>
+            </a:xfrm>
+            <a:prstGeom prst="rect">
+              <a:avLst/>
+            </a:prstGeom>
+            <a:solidFill>
+              <a:schemeClr val="tx1"/>
+            </a:solidFill>
+          </p:spPr>
+          <p:style>
+            <a:lnRef idx="2">
+              <a:schemeClr val="accent1">
+                <a:shade val="50000"/>
+              </a:schemeClr>
+            </a:lnRef>
+            <a:fillRef idx="1">
+              <a:schemeClr val="accent1"/>
+            </a:fillRef>
+            <a:effectRef idx="0">
+              <a:schemeClr val="accent1"/>
+            </a:effectRef>
+            <a:fontRef idx="minor">
+              <a:schemeClr val="lt1"/>
+            </a:fontRef>
+          </p:style>
+          <p:txBody>
+            <a:bodyPr rtlCol="0" anchor="ctr"/>
+            <a:lstStyle/>
+            <a:p>
+              <a:pPr algn="ctr"/>
+              <a:endParaRPr kumimoji="1" lang="ja-JP" altLang="en-US"/>
+            </a:p>
+          </p:txBody>
+        </p:sp>
+        <p:sp>
+          <p:nvSpPr>
+            <p:cNvPr id="18" name="正方形/長方形 17">
+              <a:extLst>
+                <a:ext uri="{FF2B5EF4-FFF2-40B4-BE49-F238E27FC236}">
+                  <a16:creationId xmlns:a16="http://schemas.microsoft.com/office/drawing/2014/main" id="{AF353EF0-B0BA-4B9E-969C-2DD1E9049F42}"/>
+                </a:ext>
+              </a:extLst>
+            </p:cNvPr>
+            <p:cNvSpPr/>
+            <p:nvPr/>
+          </p:nvSpPr>
+          <p:spPr>
+            <a:xfrm rot="738249">
+              <a:off x="7843243" y="4187210"/>
+              <a:ext cx="498052" cy="1664119"/>
+            </a:xfrm>
+            <a:prstGeom prst="rect">
+              <a:avLst/>
+            </a:prstGeom>
+            <a:solidFill>
+              <a:schemeClr val="tx1"/>
+            </a:solidFill>
+          </p:spPr>
+          <p:style>
+            <a:lnRef idx="2">
+              <a:schemeClr val="accent1">
+                <a:shade val="50000"/>
+              </a:schemeClr>
+            </a:lnRef>
+            <a:fillRef idx="1">
+              <a:schemeClr val="accent1"/>
+            </a:fillRef>
+            <a:effectRef idx="0">
+              <a:schemeClr val="accent1"/>
+            </a:effectRef>
+            <a:fontRef idx="minor">
+              <a:schemeClr val="lt1"/>
+            </a:fontRef>
+          </p:style>
+          <p:txBody>
+            <a:bodyPr rtlCol="0" anchor="ctr"/>
+            <a:lstStyle/>
+            <a:p>
+              <a:pPr algn="ctr"/>
+              <a:endParaRPr kumimoji="1" lang="ja-JP" altLang="en-US" dirty="0"/>
+            </a:p>
+          </p:txBody>
+        </p:sp>
+        <p:sp>
+          <p:nvSpPr>
+            <p:cNvPr id="20" name="部分円 19">
+              <a:extLst>
+                <a:ext uri="{FF2B5EF4-FFF2-40B4-BE49-F238E27FC236}">
+                  <a16:creationId xmlns:a16="http://schemas.microsoft.com/office/drawing/2014/main" id="{D93060A2-050D-4AC3-9A69-80BC25021F2F}"/>
+                </a:ext>
+              </a:extLst>
+            </p:cNvPr>
+            <p:cNvSpPr/>
+            <p:nvPr/>
+          </p:nvSpPr>
+          <p:spPr>
+            <a:xfrm rot="4638151">
+              <a:off x="6197692" y="3563336"/>
+              <a:ext cx="811106" cy="760036"/>
+            </a:xfrm>
+            <a:prstGeom prst="pie">
+              <a:avLst>
+                <a:gd name="adj1" fmla="val 19150261"/>
+                <a:gd name="adj2" fmla="val 16200000"/>
+              </a:avLst>
+            </a:prstGeom>
+          </p:spPr>
+          <p:style>
+            <a:lnRef idx="2">
+              <a:schemeClr val="accent6">
+                <a:shade val="50000"/>
+              </a:schemeClr>
+            </a:lnRef>
+            <a:fillRef idx="1">
+              <a:schemeClr val="accent6"/>
+            </a:fillRef>
+            <a:effectRef idx="0">
+              <a:schemeClr val="accent6"/>
+            </a:effectRef>
+            <a:fontRef idx="minor">
+              <a:schemeClr val="lt1"/>
+            </a:fontRef>
+          </p:style>
+          <p:txBody>
+            <a:bodyPr rtlCol="0" anchor="ctr"/>
+            <a:lstStyle/>
+            <a:p>
+              <a:pPr algn="ctr"/>
+              <a:endParaRPr kumimoji="1" lang="ja-JP" altLang="en-US" dirty="0">
+                <a:solidFill>
+                  <a:schemeClr val="tx1"/>
+                </a:solidFill>
+              </a:endParaRPr>
+            </a:p>
+          </p:txBody>
+        </p:sp>
+        <p:sp>
+          <p:nvSpPr>
+            <p:cNvPr id="22" name="矢印: 右 21">
+              <a:extLst>
+                <a:ext uri="{FF2B5EF4-FFF2-40B4-BE49-F238E27FC236}">
+                  <a16:creationId xmlns:a16="http://schemas.microsoft.com/office/drawing/2014/main" id="{C75C2502-1B82-4207-919A-B6B4D43C1AC9}"/>
+                </a:ext>
+              </a:extLst>
+            </p:cNvPr>
+            <p:cNvSpPr/>
+            <p:nvPr/>
+          </p:nvSpPr>
+          <p:spPr>
+            <a:xfrm rot="877828">
+              <a:off x="4926968" y="3382032"/>
+              <a:ext cx="1264024" cy="561751"/>
+            </a:xfrm>
+            <a:prstGeom prst="rightArrow">
+              <a:avLst/>
+            </a:prstGeom>
+            <a:solidFill>
+              <a:schemeClr val="bg1"/>
+            </a:solidFill>
+          </p:spPr>
+          <p:style>
+            <a:lnRef idx="2">
+              <a:schemeClr val="accent3">
+                <a:shade val="50000"/>
+              </a:schemeClr>
+            </a:lnRef>
+            <a:fillRef idx="1">
+              <a:schemeClr val="accent3"/>
+            </a:fillRef>
+            <a:effectRef idx="0">
+              <a:schemeClr val="accent3"/>
+            </a:effectRef>
+            <a:fontRef idx="minor">
+              <a:schemeClr val="lt1"/>
+            </a:fontRef>
+          </p:style>
+          <p:txBody>
+            <a:bodyPr rtlCol="0" anchor="ctr"/>
+            <a:lstStyle/>
+            <a:p>
+              <a:pPr algn="ctr"/>
+              <a:r>
+                <a:rPr kumimoji="1" lang="ja-JP" altLang="en-US" dirty="0">
+                  <a:solidFill>
+                    <a:schemeClr val="tx1"/>
+                  </a:solidFill>
+                  <a:latin typeface="HGS創英角ｺﾞｼｯｸUB" panose="020B0900000000000000" pitchFamily="50" charset="-128"/>
+                  <a:ea typeface="HGS創英角ｺﾞｼｯｸUB" panose="020B0900000000000000" pitchFamily="50" charset="-128"/>
+                </a:rPr>
+                <a:t>速い</a:t>
+              </a:r>
+              <a:endParaRPr kumimoji="1" lang="en-US" altLang="ja-JP" dirty="0">
+                <a:solidFill>
+                  <a:schemeClr val="tx1"/>
+                </a:solidFill>
+                <a:latin typeface="HGS創英角ｺﾞｼｯｸUB" panose="020B0900000000000000" pitchFamily="50" charset="-128"/>
+                <a:ea typeface="HGS創英角ｺﾞｼｯｸUB" panose="020B0900000000000000" pitchFamily="50" charset="-128"/>
+              </a:endParaRPr>
+            </a:p>
+          </p:txBody>
+        </p:sp>
+        <p:sp>
+          <p:nvSpPr>
+            <p:cNvPr id="23" name="矢印: 左 22">
+              <a:extLst>
+                <a:ext uri="{FF2B5EF4-FFF2-40B4-BE49-F238E27FC236}">
+                  <a16:creationId xmlns:a16="http://schemas.microsoft.com/office/drawing/2014/main" id="{CC4DBF5C-F963-4E0A-80AD-8F66DF72A1F1}"/>
+                </a:ext>
+              </a:extLst>
+            </p:cNvPr>
+            <p:cNvSpPr/>
+            <p:nvPr/>
+          </p:nvSpPr>
+          <p:spPr>
+            <a:xfrm rot="670707">
+              <a:off x="7056972" y="3820223"/>
+              <a:ext cx="847492" cy="549077"/>
+            </a:xfrm>
+            <a:prstGeom prst="leftArrow">
+              <a:avLst/>
+            </a:prstGeom>
+          </p:spPr>
+          <p:style>
+            <a:lnRef idx="2">
+              <a:schemeClr val="accent3">
+                <a:shade val="50000"/>
+              </a:schemeClr>
+            </a:lnRef>
+            <a:fillRef idx="1">
+              <a:schemeClr val="accent3"/>
+            </a:fillRef>
+            <a:effectRef idx="0">
+              <a:schemeClr val="accent3"/>
+            </a:effectRef>
+            <a:fontRef idx="minor">
+              <a:schemeClr val="lt1"/>
+            </a:fontRef>
+          </p:style>
+          <p:txBody>
+            <a:bodyPr rtlCol="0" anchor="ctr"/>
+            <a:lstStyle/>
+            <a:p>
+              <a:pPr algn="ctr"/>
+              <a:r>
+                <a:rPr lang="ja-JP" altLang="en-US" dirty="0">
+                  <a:latin typeface="HGS創英角ｺﾞｼｯｸUB" panose="020B0900000000000000" pitchFamily="50" charset="-128"/>
+                  <a:ea typeface="HGS創英角ｺﾞｼｯｸUB" panose="020B0900000000000000" pitchFamily="50" charset="-128"/>
+                </a:rPr>
+                <a:t>遅い</a:t>
+              </a:r>
+              <a:endParaRPr kumimoji="1" lang="ja-JP" altLang="en-US" dirty="0">
+                <a:latin typeface="HGS創英角ｺﾞｼｯｸUB" panose="020B0900000000000000" pitchFamily="50" charset="-128"/>
+                <a:ea typeface="HGS創英角ｺﾞｼｯｸUB" panose="020B0900000000000000" pitchFamily="50" charset="-128"/>
+              </a:endParaRPr>
+            </a:p>
+          </p:txBody>
+        </p:sp>
+      </p:grpSp>
+      <p:sp>
+        <p:nvSpPr>
+          <p:cNvPr id="6" name="テキスト ボックス 5">
+            <a:extLst>
+              <a:ext uri="{FF2B5EF4-FFF2-40B4-BE49-F238E27FC236}">
+                <a16:creationId xmlns:a16="http://schemas.microsoft.com/office/drawing/2014/main" id="{057C84C2-788F-48C8-9A96-846A6D10C560}"/>
+              </a:ext>
+            </a:extLst>
+          </p:cNvPr>
+          <p:cNvSpPr txBox="1"/>
+          <p:nvPr/>
+        </p:nvSpPr>
+        <p:spPr>
+          <a:xfrm>
+            <a:off x="225457" y="1596281"/>
+            <a:ext cx="3619902" cy="646331"/>
+          </a:xfrm>
+          <a:prstGeom prst="rect">
+            <a:avLst/>
+          </a:prstGeom>
+          <a:noFill/>
+        </p:spPr>
+        <p:txBody>
+          <a:bodyPr wrap="none" rtlCol="0">
+            <a:spAutoFit/>
+          </a:bodyPr>
+          <a:lstStyle/>
+          <a:p>
+            <a:r>
+              <a:rPr kumimoji="1" lang="ja-JP" altLang="en-US" sz="3600" dirty="0">
+                <a:effectLst>
+                  <a:glow rad="190500">
+                    <a:schemeClr val="accent4">
+                      <a:satMod val="175000"/>
+                    </a:schemeClr>
+                  </a:glow>
+                </a:effectLst>
                 <a:latin typeface="HGP創英角ｺﾞｼｯｸUB" panose="020B0900000000000000" pitchFamily="50" charset="-128"/>
                 <a:ea typeface="HGP創英角ｺﾞｼｯｸUB" panose="020B0900000000000000" pitchFamily="50" charset="-128"/>
               </a:rPr>
-              <a:t>傾きによって</a:t>
-            </a:r>
-            <a:r>
-              <a:rPr lang="ja-JP" altLang="en-US" dirty="0">
+              <a:t>・</a:t>
+            </a:r>
+            <a:r>
+              <a:rPr kumimoji="1" lang="ja-JP" altLang="en-US" sz="3600" dirty="0">
                 <a:solidFill>
                   <a:srgbClr val="FF0000"/>
                 </a:solidFill>
+                <a:effectLst>
+                  <a:glow rad="190500">
+                    <a:schemeClr val="accent4">
+                      <a:satMod val="175000"/>
+                    </a:schemeClr>
+                  </a:glow>
+                </a:effectLst>
                 <a:latin typeface="HGP創英角ｺﾞｼｯｸUB" panose="020B0900000000000000" pitchFamily="50" charset="-128"/>
                 <a:ea typeface="HGP創英角ｺﾞｼｯｸUB" panose="020B0900000000000000" pitchFamily="50" charset="-128"/>
               </a:rPr>
-              <a:t>移動速度が変動</a:t>
-            </a:r>
-            <a:r>
-              <a:rPr lang="en-US" altLang="ja-JP" dirty="0">
+              <a:t>移動速度</a:t>
+            </a:r>
+            <a:r>
+              <a:rPr kumimoji="1" lang="ja-JP" altLang="en-US" sz="3600" dirty="0">
+                <a:effectLst>
+                  <a:glow rad="190500">
+                    <a:schemeClr val="accent4">
+                      <a:satMod val="175000"/>
+                    </a:schemeClr>
+                  </a:glow>
+                </a:effectLst>
                 <a:latin typeface="HGP創英角ｺﾞｼｯｸUB" panose="020B0900000000000000" pitchFamily="50" charset="-128"/>
                 <a:ea typeface="HGP創英角ｺﾞｼｯｸUB" panose="020B0900000000000000" pitchFamily="50" charset="-128"/>
               </a:rPr>
-              <a:t>(</a:t>
-            </a:r>
-            <a:r>
-              <a:rPr lang="ja-JP" altLang="en-US" dirty="0">
-                <a:latin typeface="HGP創英角ｺﾞｼｯｸUB" panose="020B0900000000000000" pitchFamily="50" charset="-128"/>
-                <a:ea typeface="HGP創英角ｺﾞｼｯｸUB" panose="020B0900000000000000" pitchFamily="50" charset="-128"/>
-              </a:rPr>
-              <a:t>上りは遅い、下りは速い</a:t>
-            </a:r>
-            <a:r>
-              <a:rPr lang="en-US" altLang="ja-JP" dirty="0">
-                <a:latin typeface="HGP創英角ｺﾞｼｯｸUB" panose="020B0900000000000000" pitchFamily="50" charset="-128"/>
-                <a:ea typeface="HGP創英角ｺﾞｼｯｸUB" panose="020B0900000000000000" pitchFamily="50" charset="-128"/>
-              </a:rPr>
-              <a:t>)</a:t>
-            </a:r>
-          </a:p>
-          <a:p>
-            <a:r>
-              <a:rPr lang="ja-JP" altLang="en-US" dirty="0">
-                <a:latin typeface="HGP創英角ｺﾞｼｯｸUB" panose="020B0900000000000000" pitchFamily="50" charset="-128"/>
-                <a:ea typeface="HGP創英角ｺﾞｼｯｸUB" panose="020B0900000000000000" pitchFamily="50" charset="-128"/>
-              </a:rPr>
-              <a:t>傾くことによる</a:t>
-            </a:r>
-            <a:r>
-              <a:rPr lang="ja-JP" altLang="en-US" dirty="0">
-                <a:solidFill>
-                  <a:srgbClr val="FF0000"/>
-                </a:solidFill>
-                <a:latin typeface="HGP創英角ｺﾞｼｯｸUB" panose="020B0900000000000000" pitchFamily="50" charset="-128"/>
-                <a:ea typeface="HGP創英角ｺﾞｼｯｸUB" panose="020B0900000000000000" pitchFamily="50" charset="-128"/>
-              </a:rPr>
-              <a:t>マップ構造の変化</a:t>
-            </a:r>
-            <a:r>
-              <a:rPr lang="en-US" altLang="ja-JP" dirty="0">
-                <a:latin typeface="HGP創英角ｺﾞｼｯｸUB" panose="020B0900000000000000" pitchFamily="50" charset="-128"/>
-                <a:ea typeface="HGP創英角ｺﾞｼｯｸUB" panose="020B0900000000000000" pitchFamily="50" charset="-128"/>
-              </a:rPr>
-              <a:t>(</a:t>
-            </a:r>
-            <a:r>
-              <a:rPr lang="ja-JP" altLang="en-US" dirty="0">
-                <a:latin typeface="HGP創英角ｺﾞｼｯｸUB" panose="020B0900000000000000" pitchFamily="50" charset="-128"/>
-                <a:ea typeface="HGP創英角ｺﾞｼｯｸUB" panose="020B0900000000000000" pitchFamily="50" charset="-128"/>
-              </a:rPr>
-              <a:t>壁がせりあがる等</a:t>
-            </a:r>
-            <a:r>
-              <a:rPr lang="en-US" altLang="ja-JP" dirty="0">
-                <a:latin typeface="HGP創英角ｺﾞｼｯｸUB" panose="020B0900000000000000" pitchFamily="50" charset="-128"/>
-                <a:ea typeface="HGP創英角ｺﾞｼｯｸUB" panose="020B0900000000000000" pitchFamily="50" charset="-128"/>
-              </a:rPr>
-              <a:t>)</a:t>
-            </a:r>
-          </a:p>
-          <a:p>
-            <a:r>
-              <a:rPr lang="ja-JP" altLang="en-US" dirty="0">
-                <a:latin typeface="HGP創英角ｺﾞｼｯｸUB" panose="020B0900000000000000" pitchFamily="50" charset="-128"/>
-                <a:ea typeface="HGP創英角ｺﾞｼｯｸUB" panose="020B0900000000000000" pitchFamily="50" charset="-128"/>
-              </a:rPr>
-              <a:t>傾きで起動する</a:t>
-            </a:r>
-            <a:r>
-              <a:rPr lang="ja-JP" altLang="en-US" dirty="0">
-                <a:solidFill>
-                  <a:srgbClr val="FF0000"/>
-                </a:solidFill>
-                <a:latin typeface="HGP創英角ｺﾞｼｯｸUB" panose="020B0900000000000000" pitchFamily="50" charset="-128"/>
-                <a:ea typeface="HGP創英角ｺﾞｼｯｸUB" panose="020B0900000000000000" pitchFamily="50" charset="-128"/>
-              </a:rPr>
-              <a:t>ギミック</a:t>
-            </a:r>
-            <a:r>
-              <a:rPr lang="en-US" altLang="ja-JP" dirty="0">
-                <a:latin typeface="HGP創英角ｺﾞｼｯｸUB" panose="020B0900000000000000" pitchFamily="50" charset="-128"/>
-                <a:ea typeface="HGP創英角ｺﾞｼｯｸUB" panose="020B0900000000000000" pitchFamily="50" charset="-128"/>
-              </a:rPr>
-              <a:t>(</a:t>
-            </a:r>
-            <a:r>
-              <a:rPr lang="ja-JP" altLang="en-US" dirty="0">
-                <a:latin typeface="HGP創英角ｺﾞｼｯｸUB" panose="020B0900000000000000" pitchFamily="50" charset="-128"/>
-                <a:ea typeface="HGP創英角ｺﾞｼｯｸUB" panose="020B0900000000000000" pitchFamily="50" charset="-128"/>
-              </a:rPr>
-              <a:t>水流、転がる岩等</a:t>
-            </a:r>
-            <a:r>
-              <a:rPr lang="en-US" altLang="ja-JP" dirty="0">
-                <a:latin typeface="HGP創英角ｺﾞｼｯｸUB" panose="020B0900000000000000" pitchFamily="50" charset="-128"/>
-                <a:ea typeface="HGP創英角ｺﾞｼｯｸUB" panose="020B0900000000000000" pitchFamily="50" charset="-128"/>
-              </a:rPr>
-              <a:t>)</a:t>
-            </a:r>
-          </a:p>
-          <a:p>
-            <a:r>
-              <a:rPr lang="ja-JP" altLang="en-US" dirty="0">
-                <a:latin typeface="HGP創英角ｺﾞｼｯｸUB" panose="020B0900000000000000" pitchFamily="50" charset="-128"/>
-                <a:ea typeface="HGP創英角ｺﾞｼｯｸUB" panose="020B0900000000000000" pitchFamily="50" charset="-128"/>
-              </a:rPr>
-              <a:t>プレイヤーの位置によって傾きが生まれる</a:t>
-            </a:r>
-            <a:r>
-              <a:rPr lang="ja-JP" altLang="en-US" dirty="0">
-                <a:solidFill>
-                  <a:srgbClr val="FF0000"/>
-                </a:solidFill>
-                <a:latin typeface="HGP創英角ｺﾞｼｯｸUB" panose="020B0900000000000000" pitchFamily="50" charset="-128"/>
-                <a:ea typeface="HGP創英角ｺﾞｼｯｸUB" panose="020B0900000000000000" pitchFamily="50" charset="-128"/>
-              </a:rPr>
-              <a:t>シーソーギミック</a:t>
-            </a:r>
-            <a:endParaRPr lang="ja-JP" altLang="en-US" dirty="0">
-              <a:latin typeface="HGP創英角ｺﾞｼｯｸUB" panose="020B0900000000000000" pitchFamily="50" charset="-128"/>
-              <a:ea typeface="HGP創英角ｺﾞｼｯｸUB" panose="020B0900000000000000" pitchFamily="50" charset="-128"/>
-            </a:endParaRPr>
+              <a:t>が変化</a:t>
+            </a:r>
           </a:p>
         </p:txBody>
       </p:sp>
     </p:spTree>
     <p:extLst>
       <p:ext uri="{BB962C8B-B14F-4D97-AF65-F5344CB8AC3E}">
-        <p14:creationId xmlns:p14="http://schemas.microsoft.com/office/powerpoint/2010/main" val="550668178"/>
+        <p14:creationId xmlns:p14="http://schemas.microsoft.com/office/powerpoint/2010/main" val="3482869722"/>
       </p:ext>
     </p:extLst>
   </p:cSld>
   <p:clrMapOvr>
     <a:masterClrMapping/>
   </p:clrMapOvr>
+  <p:transition spd="slow">
+    <p:push dir="u"/>
+  </p:transition>
 </p:sld>
 </file>
 
@@ -4383,10 +7318,10 @@
       </p:grpSpPr>
       <p:sp>
         <p:nvSpPr>
-          <p:cNvPr id="2" name="タイトル 1">
-            <a:extLst>
-              <a:ext uri="{FF2B5EF4-FFF2-40B4-BE49-F238E27FC236}">
-                <a16:creationId xmlns:a16="http://schemas.microsoft.com/office/drawing/2014/main" id="{595DAA84-99AA-4FCC-BC35-80FF89EF6439}"/>
+          <p:cNvPr id="21" name="タイトル 1">
+            <a:extLst>
+              <a:ext uri="{FF2B5EF4-FFF2-40B4-BE49-F238E27FC236}">
+                <a16:creationId xmlns:a16="http://schemas.microsoft.com/office/drawing/2014/main" id="{18FA6BCD-E401-4F7A-AC8D-6B84E3675107}"/>
               </a:ext>
             </a:extLst>
           </p:cNvPr>
@@ -4397,306 +7332,2205 @@
             <p:ph type="title"/>
           </p:nvPr>
         </p:nvSpPr>
-        <p:spPr/>
-        <p:txBody>
-          <a:bodyPr/>
+        <p:spPr>
+          <a:xfrm>
+            <a:off x="225457" y="198970"/>
+            <a:ext cx="4921577" cy="1325563"/>
+          </a:xfrm>
+        </p:spPr>
+        <p:txBody>
+          <a:bodyPr>
+            <a:noAutofit/>
+          </a:bodyPr>
           <a:lstStyle/>
           <a:p>
             <a:r>
-              <a:rPr lang="ja-JP" altLang="en-US" dirty="0">
+              <a:rPr kumimoji="1" lang="ja-JP" altLang="en-US" sz="6000" dirty="0">
+                <a:effectLst>
+                  <a:glow rad="254000">
+                    <a:schemeClr val="bg1"/>
+                  </a:glow>
+                </a:effectLst>
                 <a:latin typeface="HGP創英角ｺﾞｼｯｸUB" panose="020B0900000000000000" pitchFamily="50" charset="-128"/>
                 <a:ea typeface="HGP創英角ｺﾞｼｯｸUB" panose="020B0900000000000000" pitchFamily="50" charset="-128"/>
               </a:rPr>
-              <a:t>リメイク元から変更された点</a:t>
-            </a:r>
-            <a:endParaRPr kumimoji="1" lang="ja-JP" altLang="en-US" dirty="0">
-              <a:latin typeface="HGP創英角ｺﾞｼｯｸUB" panose="020B0900000000000000" pitchFamily="50" charset="-128"/>
-              <a:ea typeface="HGP創英角ｺﾞｼｯｸUB" panose="020B0900000000000000" pitchFamily="50" charset="-128"/>
-            </a:endParaRPr>
-          </a:p>
-        </p:txBody>
-      </p:sp>
-      <p:sp>
-        <p:nvSpPr>
-          <p:cNvPr id="3" name="コンテンツ プレースホルダー 2">
-            <a:extLst>
-              <a:ext uri="{FF2B5EF4-FFF2-40B4-BE49-F238E27FC236}">
-                <a16:creationId xmlns:a16="http://schemas.microsoft.com/office/drawing/2014/main" id="{EA43B4CA-8D04-47E1-94AA-A77B0643D822}"/>
-              </a:ext>
-            </a:extLst>
-          </p:cNvPr>
-          <p:cNvSpPr>
-            <a:spLocks noGrp="1"/>
-          </p:cNvSpPr>
-          <p:nvPr>
-            <p:ph idx="1"/>
-          </p:nvPr>
-        </p:nvSpPr>
-        <p:spPr/>
-        <p:txBody>
-          <a:bodyPr/>
-          <a:lstStyle/>
-          <a:p>
-            <a:r>
-              <a:rPr kumimoji="1" lang="ja-JP" altLang="en-US" dirty="0">
-                <a:latin typeface="HGP創英角ｺﾞｼｯｸUB" panose="020B0900000000000000" pitchFamily="50" charset="-128"/>
-                <a:ea typeface="HGP創英角ｺﾞｼｯｸUB" panose="020B0900000000000000" pitchFamily="50" charset="-128"/>
-              </a:rPr>
-              <a:t>新要素「</a:t>
-            </a:r>
-            <a:r>
-              <a:rPr kumimoji="1" lang="ja-JP" altLang="en-US" dirty="0">
-                <a:solidFill>
-                  <a:srgbClr val="FF0000"/>
-                </a:solidFill>
+              <a:t>新要素  </a:t>
+            </a:r>
+            <a:r>
+              <a:rPr lang="ja-JP" altLang="en-US" sz="8000" dirty="0">
+                <a:effectLst>
+                  <a:glow rad="254000">
+                    <a:schemeClr val="bg1"/>
+                  </a:glow>
+                </a:effectLst>
                 <a:latin typeface="HGP創英角ｺﾞｼｯｸUB" panose="020B0900000000000000" pitchFamily="50" charset="-128"/>
                 <a:ea typeface="HGP創英角ｺﾞｼｯｸUB" panose="020B0900000000000000" pitchFamily="50" charset="-128"/>
               </a:rPr>
               <a:t>傾き</a:t>
             </a:r>
-            <a:r>
-              <a:rPr kumimoji="1" lang="ja-JP" altLang="en-US" dirty="0">
+            <a:endParaRPr kumimoji="1" lang="ja-JP" altLang="en-US" sz="6000" dirty="0">
+              <a:effectLst>
+                <a:glow rad="254000">
+                  <a:schemeClr val="bg1"/>
+                </a:glow>
+              </a:effectLst>
+              <a:latin typeface="HGP創英角ｺﾞｼｯｸUB" panose="020B0900000000000000" pitchFamily="50" charset="-128"/>
+              <a:ea typeface="HGP創英角ｺﾞｼｯｸUB" panose="020B0900000000000000" pitchFamily="50" charset="-128"/>
+            </a:endParaRPr>
+          </a:p>
+        </p:txBody>
+      </p:sp>
+      <p:sp>
+        <p:nvSpPr>
+          <p:cNvPr id="6" name="テキスト ボックス 5">
+            <a:extLst>
+              <a:ext uri="{FF2B5EF4-FFF2-40B4-BE49-F238E27FC236}">
+                <a16:creationId xmlns:a16="http://schemas.microsoft.com/office/drawing/2014/main" id="{057C84C2-788F-48C8-9A96-846A6D10C560}"/>
+              </a:ext>
+            </a:extLst>
+          </p:cNvPr>
+          <p:cNvSpPr txBox="1"/>
+          <p:nvPr/>
+        </p:nvSpPr>
+        <p:spPr>
+          <a:xfrm>
+            <a:off x="225457" y="1596281"/>
+            <a:ext cx="3619902" cy="646331"/>
+          </a:xfrm>
+          <a:prstGeom prst="rect">
+            <a:avLst/>
+          </a:prstGeom>
+          <a:noFill/>
+        </p:spPr>
+        <p:txBody>
+          <a:bodyPr wrap="none" rtlCol="0">
+            <a:spAutoFit/>
+          </a:bodyPr>
+          <a:lstStyle/>
+          <a:p>
+            <a:r>
+              <a:rPr kumimoji="1" lang="ja-JP" altLang="en-US" sz="3600" dirty="0">
+                <a:effectLst>
+                  <a:glow rad="190500">
+                    <a:schemeClr val="bg1"/>
+                  </a:glow>
+                </a:effectLst>
                 <a:latin typeface="HGP創英角ｺﾞｼｯｸUB" panose="020B0900000000000000" pitchFamily="50" charset="-128"/>
                 <a:ea typeface="HGP創英角ｺﾞｼｯｸUB" panose="020B0900000000000000" pitchFamily="50" charset="-128"/>
               </a:rPr>
-              <a:t>」の</a:t>
-            </a:r>
-            <a:r>
-              <a:rPr lang="ja-JP" altLang="en-US" dirty="0">
+              <a:t>・移動速度が変化</a:t>
+            </a:r>
+          </a:p>
+        </p:txBody>
+      </p:sp>
+      <p:sp>
+        <p:nvSpPr>
+          <p:cNvPr id="19" name="テキスト ボックス 18">
+            <a:extLst>
+              <a:ext uri="{FF2B5EF4-FFF2-40B4-BE49-F238E27FC236}">
+                <a16:creationId xmlns:a16="http://schemas.microsoft.com/office/drawing/2014/main" id="{9B7D31F0-1960-4DFB-AE5B-10B215DED17A}"/>
+              </a:ext>
+            </a:extLst>
+          </p:cNvPr>
+          <p:cNvSpPr txBox="1"/>
+          <p:nvPr/>
+        </p:nvSpPr>
+        <p:spPr>
+          <a:xfrm>
+            <a:off x="225457" y="2341564"/>
+            <a:ext cx="2932213" cy="646331"/>
+          </a:xfrm>
+          <a:prstGeom prst="rect">
+            <a:avLst/>
+          </a:prstGeom>
+          <a:noFill/>
+        </p:spPr>
+        <p:txBody>
+          <a:bodyPr wrap="none" rtlCol="0">
+            <a:spAutoFit/>
+          </a:bodyPr>
+          <a:lstStyle/>
+          <a:p>
+            <a:r>
+              <a:rPr kumimoji="1" lang="ja-JP" altLang="en-US" sz="3600" dirty="0">
+                <a:effectLst>
+                  <a:glow rad="190500">
+                    <a:schemeClr val="accent4">
+                      <a:satMod val="175000"/>
+                    </a:schemeClr>
+                  </a:glow>
+                </a:effectLst>
                 <a:latin typeface="HGP創英角ｺﾞｼｯｸUB" panose="020B0900000000000000" pitchFamily="50" charset="-128"/>
                 <a:ea typeface="HGP創英角ｺﾞｼｯｸUB" panose="020B0900000000000000" pitchFamily="50" charset="-128"/>
               </a:rPr>
-              <a:t>追加</a:t>
-            </a:r>
-            <a:endParaRPr lang="en-US" altLang="ja-JP" dirty="0">
-              <a:latin typeface="HGP創英角ｺﾞｼｯｸUB" panose="020B0900000000000000" pitchFamily="50" charset="-128"/>
-              <a:ea typeface="HGP創英角ｺﾞｼｯｸUB" panose="020B0900000000000000" pitchFamily="50" charset="-128"/>
-            </a:endParaRPr>
-          </a:p>
-          <a:p>
-            <a:r>
-              <a:rPr kumimoji="1" lang="ja-JP" altLang="en-US" dirty="0">
+              <a:t>・</a:t>
+            </a:r>
+            <a:r>
+              <a:rPr lang="ja-JP" altLang="en-US" sz="3600" dirty="0">
+                <a:solidFill>
+                  <a:srgbClr val="FF0000"/>
+                </a:solidFill>
+                <a:effectLst>
+                  <a:glow rad="190500">
+                    <a:schemeClr val="accent4">
+                      <a:satMod val="175000"/>
+                    </a:schemeClr>
+                  </a:glow>
+                </a:effectLst>
                 <a:latin typeface="HGP創英角ｺﾞｼｯｸUB" panose="020B0900000000000000" pitchFamily="50" charset="-128"/>
                 <a:ea typeface="HGP創英角ｺﾞｼｯｸUB" panose="020B0900000000000000" pitchFamily="50" charset="-128"/>
               </a:rPr>
-              <a:t>ステージをクリアして次に進む方式ではなく</a:t>
-            </a:r>
-            <a:r>
-              <a:rPr kumimoji="1" lang="ja-JP" altLang="en-US" dirty="0">
-                <a:solidFill>
-                  <a:srgbClr val="FF0000"/>
-                </a:solidFill>
+              <a:t>マップ</a:t>
+            </a:r>
+            <a:r>
+              <a:rPr kumimoji="1" lang="ja-JP" altLang="en-US" sz="3600" dirty="0">
+                <a:effectLst>
+                  <a:glow rad="190500">
+                    <a:schemeClr val="accent4">
+                      <a:satMod val="175000"/>
+                    </a:schemeClr>
+                  </a:glow>
+                </a:effectLst>
                 <a:latin typeface="HGP創英角ｺﾞｼｯｸUB" panose="020B0900000000000000" pitchFamily="50" charset="-128"/>
                 <a:ea typeface="HGP創英角ｺﾞｼｯｸUB" panose="020B0900000000000000" pitchFamily="50" charset="-128"/>
               </a:rPr>
-              <a:t>マップ選択</a:t>
-            </a:r>
-            <a:r>
-              <a:rPr kumimoji="1" lang="ja-JP" altLang="en-US" dirty="0">
-                <a:latin typeface="HGP創英角ｺﾞｼｯｸUB" panose="020B0900000000000000" pitchFamily="50" charset="-128"/>
-                <a:ea typeface="HGP創英角ｺﾞｼｯｸUB" panose="020B0900000000000000" pitchFamily="50" charset="-128"/>
-              </a:rPr>
-              <a:t>方式</a:t>
-            </a:r>
-            <a:endParaRPr kumimoji="1" lang="en-US" altLang="ja-JP" dirty="0">
-              <a:latin typeface="HGP創英角ｺﾞｼｯｸUB" panose="020B0900000000000000" pitchFamily="50" charset="-128"/>
-              <a:ea typeface="HGP創英角ｺﾞｼｯｸUB" panose="020B0900000000000000" pitchFamily="50" charset="-128"/>
-            </a:endParaRPr>
-          </a:p>
-          <a:p>
-            <a:r>
-              <a:rPr lang="ja-JP" altLang="en-US" dirty="0">
-                <a:latin typeface="HGP創英角ｺﾞｼｯｸUB" panose="020B0900000000000000" pitchFamily="50" charset="-128"/>
-                <a:ea typeface="HGP創英角ｺﾞｼｯｸUB" panose="020B0900000000000000" pitchFamily="50" charset="-128"/>
-              </a:rPr>
-              <a:t>選択方式への変更に伴い</a:t>
-            </a:r>
-            <a:r>
-              <a:rPr lang="ja-JP" altLang="en-US" dirty="0">
+              <a:t>が変化</a:t>
+            </a:r>
+          </a:p>
+        </p:txBody>
+      </p:sp>
+      <p:grpSp>
+        <p:nvGrpSpPr>
+          <p:cNvPr id="2" name="グループ化 1">
+            <a:extLst>
+              <a:ext uri="{FF2B5EF4-FFF2-40B4-BE49-F238E27FC236}">
+                <a16:creationId xmlns:a16="http://schemas.microsoft.com/office/drawing/2014/main" id="{A12E3D24-EFAA-4308-9DF9-76D3E41FDC0B}"/>
+              </a:ext>
+            </a:extLst>
+          </p:cNvPr>
+          <p:cNvGrpSpPr/>
+          <p:nvPr/>
+        </p:nvGrpSpPr>
+        <p:grpSpPr>
+          <a:xfrm>
+            <a:off x="6761765" y="353606"/>
+            <a:ext cx="5382536" cy="2854859"/>
+            <a:chOff x="4354686" y="1688861"/>
+            <a:chExt cx="7871710" cy="4183094"/>
+          </a:xfrm>
+        </p:grpSpPr>
+        <p:sp>
+          <p:nvSpPr>
+            <p:cNvPr id="10" name="台形 9">
+              <a:extLst>
+                <a:ext uri="{FF2B5EF4-FFF2-40B4-BE49-F238E27FC236}">
+                  <a16:creationId xmlns:a16="http://schemas.microsoft.com/office/drawing/2014/main" id="{0747C94D-B132-4955-A747-34A1E4E4DD07}"/>
+                </a:ext>
+              </a:extLst>
+            </p:cNvPr>
+            <p:cNvSpPr/>
+            <p:nvPr/>
+          </p:nvSpPr>
+          <p:spPr>
+            <a:xfrm rot="738249">
+              <a:off x="4403719" y="1828741"/>
+              <a:ext cx="7822677" cy="4043214"/>
+            </a:xfrm>
+            <a:prstGeom prst="trapezoid">
+              <a:avLst/>
+            </a:prstGeom>
+          </p:spPr>
+          <p:style>
+            <a:lnRef idx="2">
+              <a:schemeClr val="accent1">
+                <a:shade val="50000"/>
+              </a:schemeClr>
+            </a:lnRef>
+            <a:fillRef idx="1">
+              <a:schemeClr val="accent1"/>
+            </a:fillRef>
+            <a:effectRef idx="0">
+              <a:schemeClr val="accent1"/>
+            </a:effectRef>
+            <a:fontRef idx="minor">
+              <a:schemeClr val="lt1"/>
+            </a:fontRef>
+          </p:style>
+          <p:txBody>
+            <a:bodyPr rtlCol="0" anchor="ctr"/>
+            <a:lstStyle/>
+            <a:p>
+              <a:pPr algn="ctr"/>
+              <a:endParaRPr kumimoji="1" lang="ja-JP" altLang="en-US"/>
+            </a:p>
+          </p:txBody>
+        </p:sp>
+        <p:sp>
+          <p:nvSpPr>
+            <p:cNvPr id="11" name="正方形/長方形 10">
+              <a:extLst>
+                <a:ext uri="{FF2B5EF4-FFF2-40B4-BE49-F238E27FC236}">
+                  <a16:creationId xmlns:a16="http://schemas.microsoft.com/office/drawing/2014/main" id="{235689A9-083E-4F7C-842A-D0704801D45F}"/>
+                </a:ext>
+              </a:extLst>
+            </p:cNvPr>
+            <p:cNvSpPr/>
+            <p:nvPr/>
+          </p:nvSpPr>
+          <p:spPr>
+            <a:xfrm rot="738249">
+              <a:off x="5030301" y="2869260"/>
+              <a:ext cx="2121031" cy="490194"/>
+            </a:xfrm>
+            <a:prstGeom prst="rect">
+              <a:avLst/>
+            </a:prstGeom>
+            <a:solidFill>
+              <a:schemeClr val="tx1"/>
+            </a:solidFill>
+          </p:spPr>
+          <p:style>
+            <a:lnRef idx="2">
+              <a:schemeClr val="accent1">
+                <a:shade val="50000"/>
+              </a:schemeClr>
+            </a:lnRef>
+            <a:fillRef idx="1">
+              <a:schemeClr val="accent1"/>
+            </a:fillRef>
+            <a:effectRef idx="0">
+              <a:schemeClr val="accent1"/>
+            </a:effectRef>
+            <a:fontRef idx="minor">
+              <a:schemeClr val="lt1"/>
+            </a:fontRef>
+          </p:style>
+          <p:txBody>
+            <a:bodyPr rtlCol="0" anchor="ctr"/>
+            <a:lstStyle/>
+            <a:p>
+              <a:pPr algn="ctr"/>
+              <a:endParaRPr kumimoji="1" lang="ja-JP" altLang="en-US"/>
+            </a:p>
+          </p:txBody>
+        </p:sp>
+        <p:sp>
+          <p:nvSpPr>
+            <p:cNvPr id="12" name="正方形/長方形 11">
+              <a:extLst>
+                <a:ext uri="{FF2B5EF4-FFF2-40B4-BE49-F238E27FC236}">
+                  <a16:creationId xmlns:a16="http://schemas.microsoft.com/office/drawing/2014/main" id="{B42DF05A-4117-495B-9C75-B946517EB7E3}"/>
+                </a:ext>
+              </a:extLst>
+            </p:cNvPr>
+            <p:cNvSpPr/>
+            <p:nvPr/>
+          </p:nvSpPr>
+          <p:spPr>
+            <a:xfrm rot="738249">
+              <a:off x="6374407" y="2043467"/>
+              <a:ext cx="2121031" cy="490194"/>
+            </a:xfrm>
+            <a:prstGeom prst="rect">
+              <a:avLst/>
+            </a:prstGeom>
+            <a:solidFill>
+              <a:srgbClr val="FFC000"/>
+            </a:solidFill>
+          </p:spPr>
+          <p:style>
+            <a:lnRef idx="2">
+              <a:schemeClr val="accent1">
+                <a:shade val="50000"/>
+              </a:schemeClr>
+            </a:lnRef>
+            <a:fillRef idx="1">
+              <a:schemeClr val="accent1"/>
+            </a:fillRef>
+            <a:effectRef idx="0">
+              <a:schemeClr val="accent1"/>
+            </a:effectRef>
+            <a:fontRef idx="minor">
+              <a:schemeClr val="lt1"/>
+            </a:fontRef>
+          </p:style>
+          <p:txBody>
+            <a:bodyPr rtlCol="0" anchor="ctr"/>
+            <a:lstStyle/>
+            <a:p>
+              <a:pPr algn="ctr"/>
+              <a:endParaRPr kumimoji="1" lang="ja-JP" altLang="en-US"/>
+            </a:p>
+          </p:txBody>
+        </p:sp>
+        <p:sp>
+          <p:nvSpPr>
+            <p:cNvPr id="13" name="正方形/長方形 12">
+              <a:extLst>
+                <a:ext uri="{FF2B5EF4-FFF2-40B4-BE49-F238E27FC236}">
+                  <a16:creationId xmlns:a16="http://schemas.microsoft.com/office/drawing/2014/main" id="{A692EDA8-1D5D-4941-AFD9-2BA1DCAE4904}"/>
+                </a:ext>
+              </a:extLst>
+            </p:cNvPr>
+            <p:cNvSpPr/>
+            <p:nvPr/>
+          </p:nvSpPr>
+          <p:spPr>
+            <a:xfrm rot="738249">
+              <a:off x="4354686" y="4160518"/>
+              <a:ext cx="2121031" cy="490194"/>
+            </a:xfrm>
+            <a:prstGeom prst="rect">
+              <a:avLst/>
+            </a:prstGeom>
+            <a:solidFill>
+              <a:schemeClr val="tx1"/>
+            </a:solidFill>
+          </p:spPr>
+          <p:style>
+            <a:lnRef idx="2">
+              <a:schemeClr val="accent1">
+                <a:shade val="50000"/>
+              </a:schemeClr>
+            </a:lnRef>
+            <a:fillRef idx="1">
+              <a:schemeClr val="accent1"/>
+            </a:fillRef>
+            <a:effectRef idx="0">
+              <a:schemeClr val="accent1"/>
+            </a:effectRef>
+            <a:fontRef idx="minor">
+              <a:schemeClr val="lt1"/>
+            </a:fontRef>
+          </p:style>
+          <p:txBody>
+            <a:bodyPr rtlCol="0" anchor="ctr"/>
+            <a:lstStyle/>
+            <a:p>
+              <a:pPr algn="ctr"/>
+              <a:endParaRPr kumimoji="1" lang="ja-JP" altLang="en-US"/>
+            </a:p>
+          </p:txBody>
+        </p:sp>
+        <p:sp>
+          <p:nvSpPr>
+            <p:cNvPr id="14" name="正方形/長方形 13">
+              <a:extLst>
+                <a:ext uri="{FF2B5EF4-FFF2-40B4-BE49-F238E27FC236}">
+                  <a16:creationId xmlns:a16="http://schemas.microsoft.com/office/drawing/2014/main" id="{AA39875A-8542-4AEE-8A4B-720DFD443C4F}"/>
+                </a:ext>
+              </a:extLst>
+            </p:cNvPr>
+            <p:cNvSpPr/>
+            <p:nvPr/>
+          </p:nvSpPr>
+          <p:spPr>
+            <a:xfrm rot="738249">
+              <a:off x="9659805" y="5317623"/>
+              <a:ext cx="2121031" cy="490194"/>
+            </a:xfrm>
+            <a:prstGeom prst="rect">
+              <a:avLst/>
+            </a:prstGeom>
+            <a:solidFill>
+              <a:srgbClr val="FFC000"/>
+            </a:solidFill>
+          </p:spPr>
+          <p:style>
+            <a:lnRef idx="2">
+              <a:schemeClr val="accent1">
+                <a:shade val="50000"/>
+              </a:schemeClr>
+            </a:lnRef>
+            <a:fillRef idx="1">
+              <a:schemeClr val="accent1"/>
+            </a:fillRef>
+            <a:effectRef idx="0">
+              <a:schemeClr val="accent1"/>
+            </a:effectRef>
+            <a:fontRef idx="minor">
+              <a:schemeClr val="lt1"/>
+            </a:fontRef>
+          </p:style>
+          <p:txBody>
+            <a:bodyPr rtlCol="0" anchor="ctr"/>
+            <a:lstStyle/>
+            <a:p>
+              <a:pPr algn="ctr"/>
+              <a:endParaRPr kumimoji="1" lang="ja-JP" altLang="en-US"/>
+            </a:p>
+          </p:txBody>
+        </p:sp>
+        <p:sp>
+          <p:nvSpPr>
+            <p:cNvPr id="15" name="正方形/長方形 14">
+              <a:extLst>
+                <a:ext uri="{FF2B5EF4-FFF2-40B4-BE49-F238E27FC236}">
+                  <a16:creationId xmlns:a16="http://schemas.microsoft.com/office/drawing/2014/main" id="{3EC2DA1F-8281-4B2E-81CC-1750581707A9}"/>
+                </a:ext>
+              </a:extLst>
+            </p:cNvPr>
+            <p:cNvSpPr/>
+            <p:nvPr/>
+          </p:nvSpPr>
+          <p:spPr>
+            <a:xfrm rot="738249">
+              <a:off x="9583247" y="3862309"/>
+              <a:ext cx="2121031" cy="490194"/>
+            </a:xfrm>
+            <a:prstGeom prst="rect">
+              <a:avLst/>
+            </a:prstGeom>
+            <a:solidFill>
+              <a:schemeClr val="tx1"/>
+            </a:solidFill>
+          </p:spPr>
+          <p:style>
+            <a:lnRef idx="2">
+              <a:schemeClr val="accent1">
+                <a:shade val="50000"/>
+              </a:schemeClr>
+            </a:lnRef>
+            <a:fillRef idx="1">
+              <a:schemeClr val="accent1"/>
+            </a:fillRef>
+            <a:effectRef idx="0">
+              <a:schemeClr val="accent1"/>
+            </a:effectRef>
+            <a:fontRef idx="minor">
+              <a:schemeClr val="lt1"/>
+            </a:fontRef>
+          </p:style>
+          <p:txBody>
+            <a:bodyPr rtlCol="0" anchor="ctr"/>
+            <a:lstStyle/>
+            <a:p>
+              <a:pPr algn="ctr"/>
+              <a:endParaRPr kumimoji="1" lang="ja-JP" altLang="en-US"/>
+            </a:p>
+          </p:txBody>
+        </p:sp>
+        <p:sp>
+          <p:nvSpPr>
+            <p:cNvPr id="16" name="正方形/長方形 15">
+              <a:extLst>
+                <a:ext uri="{FF2B5EF4-FFF2-40B4-BE49-F238E27FC236}">
+                  <a16:creationId xmlns:a16="http://schemas.microsoft.com/office/drawing/2014/main" id="{C1D0BACF-C1D0-4A71-B9B4-4934BAC781EF}"/>
+                </a:ext>
+              </a:extLst>
+            </p:cNvPr>
+            <p:cNvSpPr/>
+            <p:nvPr/>
+          </p:nvSpPr>
+          <p:spPr>
+            <a:xfrm rot="738249">
+              <a:off x="9565750" y="2696531"/>
+              <a:ext cx="2121031" cy="490194"/>
+            </a:xfrm>
+            <a:prstGeom prst="rect">
+              <a:avLst/>
+            </a:prstGeom>
+            <a:solidFill>
+              <a:schemeClr val="tx1"/>
+            </a:solidFill>
+          </p:spPr>
+          <p:style>
+            <a:lnRef idx="2">
+              <a:schemeClr val="accent1">
+                <a:shade val="50000"/>
+              </a:schemeClr>
+            </a:lnRef>
+            <a:fillRef idx="1">
+              <a:schemeClr val="accent1"/>
+            </a:fillRef>
+            <a:effectRef idx="0">
+              <a:schemeClr val="accent1"/>
+            </a:effectRef>
+            <a:fontRef idx="minor">
+              <a:schemeClr val="lt1"/>
+            </a:fontRef>
+          </p:style>
+          <p:txBody>
+            <a:bodyPr rtlCol="0" anchor="ctr"/>
+            <a:lstStyle/>
+            <a:p>
+              <a:pPr algn="ctr"/>
+              <a:endParaRPr kumimoji="1" lang="ja-JP" altLang="en-US"/>
+            </a:p>
+          </p:txBody>
+        </p:sp>
+        <p:sp>
+          <p:nvSpPr>
+            <p:cNvPr id="17" name="正方形/長方形 16">
+              <a:extLst>
+                <a:ext uri="{FF2B5EF4-FFF2-40B4-BE49-F238E27FC236}">
+                  <a16:creationId xmlns:a16="http://schemas.microsoft.com/office/drawing/2014/main" id="{314BA838-BFE7-48A5-81A4-BBD3283170F0}"/>
+                </a:ext>
+              </a:extLst>
+            </p:cNvPr>
+            <p:cNvSpPr/>
+            <p:nvPr/>
+          </p:nvSpPr>
+          <p:spPr>
+            <a:xfrm rot="738249">
+              <a:off x="8356794" y="1832671"/>
+              <a:ext cx="498052" cy="1664119"/>
+            </a:xfrm>
+            <a:prstGeom prst="rect">
+              <a:avLst/>
+            </a:prstGeom>
+            <a:solidFill>
+              <a:schemeClr val="tx1"/>
+            </a:solidFill>
+          </p:spPr>
+          <p:style>
+            <a:lnRef idx="2">
+              <a:schemeClr val="accent1">
+                <a:shade val="50000"/>
+              </a:schemeClr>
+            </a:lnRef>
+            <a:fillRef idx="1">
+              <a:schemeClr val="accent1"/>
+            </a:fillRef>
+            <a:effectRef idx="0">
+              <a:schemeClr val="accent1"/>
+            </a:effectRef>
+            <a:fontRef idx="minor">
+              <a:schemeClr val="lt1"/>
+            </a:fontRef>
+          </p:style>
+          <p:txBody>
+            <a:bodyPr rtlCol="0" anchor="ctr"/>
+            <a:lstStyle/>
+            <a:p>
+              <a:pPr algn="ctr"/>
+              <a:endParaRPr kumimoji="1" lang="ja-JP" altLang="en-US"/>
+            </a:p>
+          </p:txBody>
+        </p:sp>
+        <p:sp>
+          <p:nvSpPr>
+            <p:cNvPr id="18" name="正方形/長方形 17">
+              <a:extLst>
+                <a:ext uri="{FF2B5EF4-FFF2-40B4-BE49-F238E27FC236}">
+                  <a16:creationId xmlns:a16="http://schemas.microsoft.com/office/drawing/2014/main" id="{AF353EF0-B0BA-4B9E-969C-2DD1E9049F42}"/>
+                </a:ext>
+              </a:extLst>
+            </p:cNvPr>
+            <p:cNvSpPr/>
+            <p:nvPr/>
+          </p:nvSpPr>
+          <p:spPr>
+            <a:xfrm rot="738249">
+              <a:off x="7843243" y="4187210"/>
+              <a:ext cx="498052" cy="1664119"/>
+            </a:xfrm>
+            <a:prstGeom prst="rect">
+              <a:avLst/>
+            </a:prstGeom>
+            <a:solidFill>
+              <a:schemeClr val="tx1"/>
+            </a:solidFill>
+          </p:spPr>
+          <p:style>
+            <a:lnRef idx="2">
+              <a:schemeClr val="accent1">
+                <a:shade val="50000"/>
+              </a:schemeClr>
+            </a:lnRef>
+            <a:fillRef idx="1">
+              <a:schemeClr val="accent1"/>
+            </a:fillRef>
+            <a:effectRef idx="0">
+              <a:schemeClr val="accent1"/>
+            </a:effectRef>
+            <a:fontRef idx="minor">
+              <a:schemeClr val="lt1"/>
+            </a:fontRef>
+          </p:style>
+          <p:txBody>
+            <a:bodyPr rtlCol="0" anchor="ctr"/>
+            <a:lstStyle/>
+            <a:p>
+              <a:pPr algn="ctr"/>
+              <a:endParaRPr kumimoji="1" lang="ja-JP" altLang="en-US" dirty="0"/>
+            </a:p>
+          </p:txBody>
+        </p:sp>
+        <p:sp>
+          <p:nvSpPr>
+            <p:cNvPr id="20" name="部分円 19">
+              <a:extLst>
+                <a:ext uri="{FF2B5EF4-FFF2-40B4-BE49-F238E27FC236}">
+                  <a16:creationId xmlns:a16="http://schemas.microsoft.com/office/drawing/2014/main" id="{D93060A2-050D-4AC3-9A69-80BC25021F2F}"/>
+                </a:ext>
+              </a:extLst>
+            </p:cNvPr>
+            <p:cNvSpPr/>
+            <p:nvPr/>
+          </p:nvSpPr>
+          <p:spPr>
+            <a:xfrm rot="4638151">
+              <a:off x="6197692" y="3563336"/>
+              <a:ext cx="811106" cy="760036"/>
+            </a:xfrm>
+            <a:prstGeom prst="pie">
+              <a:avLst>
+                <a:gd name="adj1" fmla="val 19150261"/>
+                <a:gd name="adj2" fmla="val 16200000"/>
+              </a:avLst>
+            </a:prstGeom>
+          </p:spPr>
+          <p:style>
+            <a:lnRef idx="2">
+              <a:schemeClr val="accent6">
+                <a:shade val="50000"/>
+              </a:schemeClr>
+            </a:lnRef>
+            <a:fillRef idx="1">
+              <a:schemeClr val="accent6"/>
+            </a:fillRef>
+            <a:effectRef idx="0">
+              <a:schemeClr val="accent6"/>
+            </a:effectRef>
+            <a:fontRef idx="minor">
+              <a:schemeClr val="lt1"/>
+            </a:fontRef>
+          </p:style>
+          <p:txBody>
+            <a:bodyPr rtlCol="0" anchor="ctr"/>
+            <a:lstStyle/>
+            <a:p>
+              <a:pPr algn="ctr"/>
+              <a:endParaRPr kumimoji="1" lang="ja-JP" altLang="en-US" dirty="0">
                 <a:solidFill>
-                  <a:srgbClr val="FF0000"/>
+                  <a:schemeClr val="tx1"/>
                 </a:solidFill>
-                <a:latin typeface="HGP創英角ｺﾞｼｯｸUB" panose="020B0900000000000000" pitchFamily="50" charset="-128"/>
-                <a:ea typeface="HGP創英角ｺﾞｼｯｸUB" panose="020B0900000000000000" pitchFamily="50" charset="-128"/>
-              </a:rPr>
-              <a:t>ボーナス面の削除</a:t>
-            </a:r>
-            <a:endParaRPr lang="en-US" altLang="ja-JP" dirty="0">
-              <a:solidFill>
-                <a:srgbClr val="FF0000"/>
-              </a:solidFill>
-              <a:latin typeface="HGP創英角ｺﾞｼｯｸUB" panose="020B0900000000000000" pitchFamily="50" charset="-128"/>
-              <a:ea typeface="HGP創英角ｺﾞｼｯｸUB" panose="020B0900000000000000" pitchFamily="50" charset="-128"/>
-            </a:endParaRPr>
-          </a:p>
-          <a:p>
-            <a:r>
-              <a:rPr kumimoji="1" lang="ja-JP" altLang="en-US" dirty="0">
-                <a:latin typeface="HGP創英角ｺﾞｼｯｸUB" panose="020B0900000000000000" pitchFamily="50" charset="-128"/>
-                <a:ea typeface="HGP創英角ｺﾞｼｯｸUB" panose="020B0900000000000000" pitchFamily="50" charset="-128"/>
-              </a:rPr>
-              <a:t>ボーナス面の削除に伴い</a:t>
-            </a:r>
-            <a:r>
-              <a:rPr kumimoji="1" lang="ja-JP" altLang="en-US" dirty="0">
-                <a:solidFill>
-                  <a:srgbClr val="FF0000"/>
-                </a:solidFill>
-                <a:latin typeface="HGP創英角ｺﾞｼｯｸUB" panose="020B0900000000000000" pitchFamily="50" charset="-128"/>
-                <a:ea typeface="HGP創英角ｺﾞｼｯｸUB" panose="020B0900000000000000" pitchFamily="50" charset="-128"/>
-              </a:rPr>
-              <a:t>残機の回復を削除</a:t>
-            </a:r>
-            <a:endParaRPr kumimoji="1" lang="en-US" altLang="ja-JP" dirty="0">
-              <a:solidFill>
-                <a:srgbClr val="FF0000"/>
-              </a:solidFill>
-              <a:latin typeface="HGP創英角ｺﾞｼｯｸUB" panose="020B0900000000000000" pitchFamily="50" charset="-128"/>
-              <a:ea typeface="HGP創英角ｺﾞｼｯｸUB" panose="020B0900000000000000" pitchFamily="50" charset="-128"/>
-            </a:endParaRPr>
-          </a:p>
-          <a:p>
-            <a:r>
-              <a:rPr kumimoji="1" lang="ja-JP" altLang="en-US" dirty="0">
-                <a:latin typeface="HGP創英角ｺﾞｼｯｸUB" panose="020B0900000000000000" pitchFamily="50" charset="-128"/>
-                <a:ea typeface="HGP創英角ｺﾞｼｯｸUB" panose="020B0900000000000000" pitchFamily="50" charset="-128"/>
-              </a:rPr>
-              <a:t>難易度は</a:t>
-            </a:r>
-            <a:r>
-              <a:rPr kumimoji="1" lang="en-US" altLang="ja-JP" dirty="0">
-                <a:latin typeface="HGP創英角ｺﾞｼｯｸUB" panose="020B0900000000000000" pitchFamily="50" charset="-128"/>
-                <a:ea typeface="HGP創英角ｺﾞｼｯｸUB" panose="020B0900000000000000" pitchFamily="50" charset="-128"/>
-              </a:rPr>
-              <a:t>AI</a:t>
-            </a:r>
-            <a:r>
-              <a:rPr kumimoji="1" lang="ja-JP" altLang="en-US" dirty="0">
-                <a:latin typeface="HGP創英角ｺﾞｼｯｸUB" panose="020B0900000000000000" pitchFamily="50" charset="-128"/>
-                <a:ea typeface="HGP創英角ｺﾞｼｯｸUB" panose="020B0900000000000000" pitchFamily="50" charset="-128"/>
-              </a:rPr>
-              <a:t>で</a:t>
-            </a:r>
-            <a:r>
-              <a:rPr kumimoji="1" lang="ja-JP" altLang="en-US" dirty="0">
-                <a:solidFill>
-                  <a:srgbClr val="FF0000"/>
-                </a:solidFill>
-                <a:latin typeface="HGP創英角ｺﾞｼｯｸUB" panose="020B0900000000000000" pitchFamily="50" charset="-128"/>
-                <a:ea typeface="HGP創英角ｺﾞｼｯｸUB" panose="020B0900000000000000" pitchFamily="50" charset="-128"/>
-              </a:rPr>
-              <a:t>リアルタイム変化</a:t>
-            </a:r>
-            <a:endParaRPr kumimoji="1" lang="en-US" altLang="ja-JP" dirty="0">
-              <a:solidFill>
-                <a:srgbClr val="FF0000"/>
-              </a:solidFill>
-              <a:latin typeface="HGP創英角ｺﾞｼｯｸUB" panose="020B0900000000000000" pitchFamily="50" charset="-128"/>
-              <a:ea typeface="HGP創英角ｺﾞｼｯｸUB" panose="020B0900000000000000" pitchFamily="50" charset="-128"/>
-            </a:endParaRPr>
-          </a:p>
-          <a:p>
-            <a:r>
-              <a:rPr kumimoji="1" lang="en-US" altLang="ja-JP" dirty="0">
-                <a:latin typeface="HGP創英角ｺﾞｼｯｸUB" panose="020B0900000000000000" pitchFamily="50" charset="-128"/>
-                <a:ea typeface="HGP創英角ｺﾞｼｯｸUB" panose="020B0900000000000000" pitchFamily="50" charset="-128"/>
-              </a:rPr>
-              <a:t>AI</a:t>
-            </a:r>
-            <a:r>
-              <a:rPr kumimoji="1" lang="ja-JP" altLang="en-US" dirty="0">
-                <a:latin typeface="HGP創英角ｺﾞｼｯｸUB" panose="020B0900000000000000" pitchFamily="50" charset="-128"/>
-                <a:ea typeface="HGP創英角ｺﾞｼｯｸUB" panose="020B0900000000000000" pitchFamily="50" charset="-128"/>
-              </a:rPr>
-              <a:t>機能は</a:t>
-            </a:r>
-            <a:r>
-              <a:rPr kumimoji="1" lang="ja-JP" altLang="en-US" dirty="0">
-                <a:solidFill>
-                  <a:srgbClr val="FF0000"/>
-                </a:solidFill>
-                <a:latin typeface="HGP創英角ｺﾞｼｯｸUB" panose="020B0900000000000000" pitchFamily="50" charset="-128"/>
-                <a:ea typeface="HGP創英角ｺﾞｼｯｸUB" panose="020B0900000000000000" pitchFamily="50" charset="-128"/>
-              </a:rPr>
-              <a:t>オンオフ</a:t>
-            </a:r>
-            <a:r>
-              <a:rPr kumimoji="1" lang="ja-JP" altLang="en-US" dirty="0">
-                <a:latin typeface="HGP創英角ｺﾞｼｯｸUB" panose="020B0900000000000000" pitchFamily="50" charset="-128"/>
-                <a:ea typeface="HGP創英角ｺﾞｼｯｸUB" panose="020B0900000000000000" pitchFamily="50" charset="-128"/>
-              </a:rPr>
-              <a:t>可能</a:t>
-            </a:r>
-            <a:r>
-              <a:rPr kumimoji="1" lang="en-US" altLang="ja-JP" dirty="0">
-                <a:latin typeface="HGP創英角ｺﾞｼｯｸUB" panose="020B0900000000000000" pitchFamily="50" charset="-128"/>
-                <a:ea typeface="HGP創英角ｺﾞｼｯｸUB" panose="020B0900000000000000" pitchFamily="50" charset="-128"/>
-              </a:rPr>
-              <a:t>(</a:t>
-            </a:r>
-            <a:r>
-              <a:rPr kumimoji="1" lang="ja-JP" altLang="en-US" dirty="0">
-                <a:latin typeface="HGP創英角ｺﾞｼｯｸUB" panose="020B0900000000000000" pitchFamily="50" charset="-128"/>
-                <a:ea typeface="HGP創英角ｺﾞｼｯｸUB" panose="020B0900000000000000" pitchFamily="50" charset="-128"/>
-              </a:rPr>
-              <a:t>完全なパターン化</a:t>
-            </a:r>
-            <a:r>
-              <a:rPr kumimoji="1" lang="en-US" altLang="ja-JP" dirty="0">
-                <a:latin typeface="HGP創英角ｺﾞｼｯｸUB" panose="020B0900000000000000" pitchFamily="50" charset="-128"/>
-                <a:ea typeface="HGP創英角ｺﾞｼｯｸUB" panose="020B0900000000000000" pitchFamily="50" charset="-128"/>
-              </a:rPr>
-              <a:t>)</a:t>
-            </a:r>
-          </a:p>
-          <a:p>
-            <a:r>
-              <a:rPr kumimoji="1" lang="ja-JP" altLang="en-US" dirty="0">
-                <a:latin typeface="HGP創英角ｺﾞｼｯｸUB" panose="020B0900000000000000" pitchFamily="50" charset="-128"/>
-                <a:ea typeface="HGP創英角ｺﾞｼｯｸUB" panose="020B0900000000000000" pitchFamily="50" charset="-128"/>
-              </a:rPr>
-              <a:t>スクロールの壁は</a:t>
-            </a:r>
-            <a:r>
-              <a:rPr kumimoji="1" lang="ja-JP" altLang="en-US" dirty="0">
-                <a:solidFill>
-                  <a:srgbClr val="FF0000"/>
-                </a:solidFill>
-                <a:latin typeface="HGP創英角ｺﾞｼｯｸUB" panose="020B0900000000000000" pitchFamily="50" charset="-128"/>
-                <a:ea typeface="HGP創英角ｺﾞｼｯｸUB" panose="020B0900000000000000" pitchFamily="50" charset="-128"/>
-              </a:rPr>
-              <a:t>接触で</a:t>
-            </a:r>
-            <a:r>
-              <a:rPr lang="ja-JP" altLang="en-US" dirty="0">
-                <a:solidFill>
-                  <a:srgbClr val="FF0000"/>
-                </a:solidFill>
-                <a:latin typeface="HGP創英角ｺﾞｼｯｸUB" panose="020B0900000000000000" pitchFamily="50" charset="-128"/>
-                <a:ea typeface="HGP創英角ｺﾞｼｯｸUB" panose="020B0900000000000000" pitchFamily="50" charset="-128"/>
-              </a:rPr>
-              <a:t>ダメージ</a:t>
-            </a:r>
+              </a:endParaRPr>
+            </a:p>
+          </p:txBody>
+        </p:sp>
+        <p:sp>
+          <p:nvSpPr>
+            <p:cNvPr id="24" name="矢印: 右 23">
+              <a:extLst>
+                <a:ext uri="{FF2B5EF4-FFF2-40B4-BE49-F238E27FC236}">
+                  <a16:creationId xmlns:a16="http://schemas.microsoft.com/office/drawing/2014/main" id="{8164A99B-EF71-4111-B18B-9A77197E3E7D}"/>
+                </a:ext>
+              </a:extLst>
+            </p:cNvPr>
+            <p:cNvSpPr/>
+            <p:nvPr/>
+          </p:nvSpPr>
+          <p:spPr>
+            <a:xfrm rot="884672">
+              <a:off x="5589416" y="1688861"/>
+              <a:ext cx="794826" cy="520233"/>
+            </a:xfrm>
+            <a:prstGeom prst="rightArrow">
+              <a:avLst/>
+            </a:prstGeom>
+          </p:spPr>
+          <p:style>
+            <a:lnRef idx="2">
+              <a:schemeClr val="accent2">
+                <a:shade val="50000"/>
+              </a:schemeClr>
+            </a:lnRef>
+            <a:fillRef idx="1">
+              <a:schemeClr val="accent2"/>
+            </a:fillRef>
+            <a:effectRef idx="0">
+              <a:schemeClr val="accent2"/>
+            </a:effectRef>
+            <a:fontRef idx="minor">
+              <a:schemeClr val="lt1"/>
+            </a:fontRef>
+          </p:style>
+          <p:txBody>
+            <a:bodyPr rtlCol="0" anchor="ctr"/>
+            <a:lstStyle/>
+            <a:p>
+              <a:pPr algn="ctr"/>
+              <a:endParaRPr kumimoji="1" lang="ja-JP" altLang="en-US"/>
+            </a:p>
+          </p:txBody>
+        </p:sp>
+      </p:grpSp>
+      <p:sp>
+        <p:nvSpPr>
+          <p:cNvPr id="26" name="台形 25">
+            <a:extLst>
+              <a:ext uri="{FF2B5EF4-FFF2-40B4-BE49-F238E27FC236}">
+                <a16:creationId xmlns:a16="http://schemas.microsoft.com/office/drawing/2014/main" id="{9BC666B4-E74C-45BF-B0C3-95CF86F7CF36}"/>
+              </a:ext>
+            </a:extLst>
+          </p:cNvPr>
+          <p:cNvSpPr/>
+          <p:nvPr/>
+        </p:nvSpPr>
+        <p:spPr>
+          <a:xfrm rot="21079893">
+            <a:off x="4429595" y="3604963"/>
+            <a:ext cx="5349008" cy="2759394"/>
+          </a:xfrm>
+          <a:prstGeom prst="trapezoid">
+            <a:avLst/>
+          </a:prstGeom>
+        </p:spPr>
+        <p:style>
+          <a:lnRef idx="2">
+            <a:schemeClr val="accent1">
+              <a:shade val="50000"/>
+            </a:schemeClr>
+          </a:lnRef>
+          <a:fillRef idx="1">
+            <a:schemeClr val="accent1"/>
+          </a:fillRef>
+          <a:effectRef idx="0">
+            <a:schemeClr val="accent1"/>
+          </a:effectRef>
+          <a:fontRef idx="minor">
+            <a:schemeClr val="lt1"/>
+          </a:fontRef>
+        </p:style>
+        <p:txBody>
+          <a:bodyPr rtlCol="0" anchor="ctr"/>
+          <a:lstStyle/>
+          <a:p>
+            <a:pPr algn="ctr"/>
+            <a:endParaRPr kumimoji="1" lang="ja-JP" altLang="en-US"/>
+          </a:p>
+        </p:txBody>
+      </p:sp>
+      <p:sp>
+        <p:nvSpPr>
+          <p:cNvPr id="27" name="正方形/長方形 26">
+            <a:extLst>
+              <a:ext uri="{FF2B5EF4-FFF2-40B4-BE49-F238E27FC236}">
+                <a16:creationId xmlns:a16="http://schemas.microsoft.com/office/drawing/2014/main" id="{49EB64FB-8AC1-4D84-8A60-FE3EBF7E4894}"/>
+              </a:ext>
+            </a:extLst>
+          </p:cNvPr>
+          <p:cNvSpPr/>
+          <p:nvPr/>
+        </p:nvSpPr>
+        <p:spPr>
+          <a:xfrm rot="21079893">
+            <a:off x="4779015" y="4892730"/>
+            <a:ext cx="1450323" cy="334545"/>
+          </a:xfrm>
+          <a:prstGeom prst="rect">
+            <a:avLst/>
+          </a:prstGeom>
+          <a:solidFill>
+            <a:schemeClr val="tx1"/>
+          </a:solidFill>
+        </p:spPr>
+        <p:style>
+          <a:lnRef idx="2">
+            <a:schemeClr val="accent1">
+              <a:shade val="50000"/>
+            </a:schemeClr>
+          </a:lnRef>
+          <a:fillRef idx="1">
+            <a:schemeClr val="accent1"/>
+          </a:fillRef>
+          <a:effectRef idx="0">
+            <a:schemeClr val="accent1"/>
+          </a:effectRef>
+          <a:fontRef idx="minor">
+            <a:schemeClr val="lt1"/>
+          </a:fontRef>
+        </p:style>
+        <p:txBody>
+          <a:bodyPr rtlCol="0" anchor="ctr"/>
+          <a:lstStyle/>
+          <a:p>
+            <a:pPr algn="ctr"/>
+            <a:endParaRPr kumimoji="1" lang="ja-JP" altLang="en-US"/>
+          </a:p>
+        </p:txBody>
+      </p:sp>
+      <p:sp>
+        <p:nvSpPr>
+          <p:cNvPr id="28" name="正方形/長方形 27">
+            <a:extLst>
+              <a:ext uri="{FF2B5EF4-FFF2-40B4-BE49-F238E27FC236}">
+                <a16:creationId xmlns:a16="http://schemas.microsoft.com/office/drawing/2014/main" id="{D28233A5-2E63-42DB-B0B8-C6295AD22329}"/>
+              </a:ext>
+            </a:extLst>
+          </p:cNvPr>
+          <p:cNvSpPr/>
+          <p:nvPr/>
+        </p:nvSpPr>
+        <p:spPr>
+          <a:xfrm rot="21079893">
+            <a:off x="4830608" y="4152431"/>
+            <a:ext cx="1450323" cy="334545"/>
+          </a:xfrm>
+          <a:prstGeom prst="rect">
+            <a:avLst/>
+          </a:prstGeom>
+          <a:solidFill>
+            <a:srgbClr val="FFC000"/>
+          </a:solidFill>
+        </p:spPr>
+        <p:style>
+          <a:lnRef idx="2">
+            <a:schemeClr val="accent1">
+              <a:shade val="50000"/>
+            </a:schemeClr>
+          </a:lnRef>
+          <a:fillRef idx="1">
+            <a:schemeClr val="accent1"/>
+          </a:fillRef>
+          <a:effectRef idx="0">
+            <a:schemeClr val="accent1"/>
+          </a:effectRef>
+          <a:fontRef idx="minor">
+            <a:schemeClr val="lt1"/>
+          </a:fontRef>
+        </p:style>
+        <p:txBody>
+          <a:bodyPr rtlCol="0" anchor="ctr"/>
+          <a:lstStyle/>
+          <a:p>
+            <a:pPr algn="ctr"/>
+            <a:endParaRPr kumimoji="1" lang="ja-JP" altLang="en-US"/>
+          </a:p>
+        </p:txBody>
+      </p:sp>
+      <p:sp>
+        <p:nvSpPr>
+          <p:cNvPr id="29" name="正方形/長方形 28">
+            <a:extLst>
+              <a:ext uri="{FF2B5EF4-FFF2-40B4-BE49-F238E27FC236}">
+                <a16:creationId xmlns:a16="http://schemas.microsoft.com/office/drawing/2014/main" id="{3D642816-16A4-46AC-9D8F-A79A246CDDBE}"/>
+              </a:ext>
+            </a:extLst>
+          </p:cNvPr>
+          <p:cNvSpPr/>
+          <p:nvPr/>
+        </p:nvSpPr>
+        <p:spPr>
+          <a:xfrm rot="21079893">
+            <a:off x="4663065" y="5880950"/>
+            <a:ext cx="1450323" cy="334545"/>
+          </a:xfrm>
+          <a:prstGeom prst="rect">
+            <a:avLst/>
+          </a:prstGeom>
+          <a:solidFill>
+            <a:schemeClr val="tx1"/>
+          </a:solidFill>
+        </p:spPr>
+        <p:style>
+          <a:lnRef idx="2">
+            <a:schemeClr val="accent1">
+              <a:shade val="50000"/>
+            </a:schemeClr>
+          </a:lnRef>
+          <a:fillRef idx="1">
+            <a:schemeClr val="accent1"/>
+          </a:fillRef>
+          <a:effectRef idx="0">
+            <a:schemeClr val="accent1"/>
+          </a:effectRef>
+          <a:fontRef idx="minor">
+            <a:schemeClr val="lt1"/>
+          </a:fontRef>
+        </p:style>
+        <p:txBody>
+          <a:bodyPr rtlCol="0" anchor="ctr"/>
+          <a:lstStyle/>
+          <a:p>
+            <a:pPr algn="ctr"/>
+            <a:endParaRPr kumimoji="1" lang="ja-JP" altLang="en-US"/>
+          </a:p>
+        </p:txBody>
+      </p:sp>
+      <p:sp>
+        <p:nvSpPr>
+          <p:cNvPr id="30" name="正方形/長方形 29">
+            <a:extLst>
+              <a:ext uri="{FF2B5EF4-FFF2-40B4-BE49-F238E27FC236}">
+                <a16:creationId xmlns:a16="http://schemas.microsoft.com/office/drawing/2014/main" id="{57161BBC-0AAD-490D-95C9-102ABC499C1F}"/>
+              </a:ext>
+            </a:extLst>
+          </p:cNvPr>
+          <p:cNvSpPr/>
+          <p:nvPr/>
+        </p:nvSpPr>
+        <p:spPr>
+          <a:xfrm rot="21079893">
+            <a:off x="7366050" y="5507724"/>
+            <a:ext cx="1450323" cy="334545"/>
+          </a:xfrm>
+          <a:prstGeom prst="rect">
+            <a:avLst/>
+          </a:prstGeom>
+          <a:solidFill>
+            <a:srgbClr val="FFC000"/>
+          </a:solidFill>
+        </p:spPr>
+        <p:style>
+          <a:lnRef idx="2">
+            <a:schemeClr val="accent1">
+              <a:shade val="50000"/>
+            </a:schemeClr>
+          </a:lnRef>
+          <a:fillRef idx="1">
+            <a:schemeClr val="accent1"/>
+          </a:fillRef>
+          <a:effectRef idx="0">
+            <a:schemeClr val="accent1"/>
+          </a:effectRef>
+          <a:fontRef idx="minor">
+            <a:schemeClr val="lt1"/>
+          </a:fontRef>
+        </p:style>
+        <p:txBody>
+          <a:bodyPr rtlCol="0" anchor="ctr"/>
+          <a:lstStyle/>
+          <a:p>
+            <a:pPr algn="ctr"/>
+            <a:endParaRPr kumimoji="1" lang="ja-JP" altLang="en-US"/>
+          </a:p>
+        </p:txBody>
+      </p:sp>
+      <p:sp>
+        <p:nvSpPr>
+          <p:cNvPr id="31" name="正方形/長方形 30">
+            <a:extLst>
+              <a:ext uri="{FF2B5EF4-FFF2-40B4-BE49-F238E27FC236}">
+                <a16:creationId xmlns:a16="http://schemas.microsoft.com/office/drawing/2014/main" id="{EE5C7784-C9E8-45EF-AC47-88C91877AEF0}"/>
+              </a:ext>
+            </a:extLst>
+          </p:cNvPr>
+          <p:cNvSpPr/>
+          <p:nvPr/>
+        </p:nvSpPr>
+        <p:spPr>
+          <a:xfrm rot="21079893">
+            <a:off x="7928568" y="4411273"/>
+            <a:ext cx="1450323" cy="334545"/>
+          </a:xfrm>
+          <a:prstGeom prst="rect">
+            <a:avLst/>
+          </a:prstGeom>
+          <a:solidFill>
+            <a:schemeClr val="tx1"/>
+          </a:solidFill>
+        </p:spPr>
+        <p:style>
+          <a:lnRef idx="2">
+            <a:schemeClr val="accent1">
+              <a:shade val="50000"/>
+            </a:schemeClr>
+          </a:lnRef>
+          <a:fillRef idx="1">
+            <a:schemeClr val="accent1"/>
+          </a:fillRef>
+          <a:effectRef idx="0">
+            <a:schemeClr val="accent1"/>
+          </a:effectRef>
+          <a:fontRef idx="minor">
+            <a:schemeClr val="lt1"/>
+          </a:fontRef>
+        </p:style>
+        <p:txBody>
+          <a:bodyPr rtlCol="0" anchor="ctr"/>
+          <a:lstStyle/>
+          <a:p>
+            <a:pPr algn="ctr"/>
+            <a:endParaRPr kumimoji="1" lang="ja-JP" altLang="en-US"/>
+          </a:p>
+        </p:txBody>
+      </p:sp>
+      <p:sp>
+        <p:nvSpPr>
+          <p:cNvPr id="32" name="正方形/長方形 31">
+            <a:extLst>
+              <a:ext uri="{FF2B5EF4-FFF2-40B4-BE49-F238E27FC236}">
+                <a16:creationId xmlns:a16="http://schemas.microsoft.com/office/drawing/2014/main" id="{15FB2EBF-8B79-4E25-A846-CCC50DF686A1}"/>
+              </a:ext>
+            </a:extLst>
+          </p:cNvPr>
+          <p:cNvSpPr/>
+          <p:nvPr/>
+        </p:nvSpPr>
+        <p:spPr>
+          <a:xfrm rot="21079893">
+            <a:off x="7632628" y="3672649"/>
+            <a:ext cx="1450323" cy="334545"/>
+          </a:xfrm>
+          <a:prstGeom prst="rect">
+            <a:avLst/>
+          </a:prstGeom>
+          <a:solidFill>
+            <a:schemeClr val="tx1"/>
+          </a:solidFill>
+        </p:spPr>
+        <p:style>
+          <a:lnRef idx="2">
+            <a:schemeClr val="accent1">
+              <a:shade val="50000"/>
+            </a:schemeClr>
+          </a:lnRef>
+          <a:fillRef idx="1">
+            <a:schemeClr val="accent1"/>
+          </a:fillRef>
+          <a:effectRef idx="0">
+            <a:schemeClr val="accent1"/>
+          </a:effectRef>
+          <a:fontRef idx="minor">
+            <a:schemeClr val="lt1"/>
+          </a:fontRef>
+        </p:style>
+        <p:txBody>
+          <a:bodyPr rtlCol="0" anchor="ctr"/>
+          <a:lstStyle/>
+          <a:p>
+            <a:pPr algn="ctr"/>
+            <a:endParaRPr kumimoji="1" lang="ja-JP" altLang="en-US"/>
+          </a:p>
+        </p:txBody>
+      </p:sp>
+      <p:sp>
+        <p:nvSpPr>
+          <p:cNvPr id="33" name="正方形/長方形 32">
+            <a:extLst>
+              <a:ext uri="{FF2B5EF4-FFF2-40B4-BE49-F238E27FC236}">
+                <a16:creationId xmlns:a16="http://schemas.microsoft.com/office/drawing/2014/main" id="{EDED33F0-D297-4E8A-8367-C69B3B5CC7BC}"/>
+              </a:ext>
+            </a:extLst>
+          </p:cNvPr>
+          <p:cNvSpPr/>
+          <p:nvPr/>
+        </p:nvSpPr>
+        <p:spPr>
+          <a:xfrm rot="21079893">
+            <a:off x="6829852" y="3590089"/>
+            <a:ext cx="340559" cy="1135720"/>
+          </a:xfrm>
+          <a:prstGeom prst="rect">
+            <a:avLst/>
+          </a:prstGeom>
+          <a:solidFill>
+            <a:schemeClr val="tx1"/>
+          </a:solidFill>
+        </p:spPr>
+        <p:style>
+          <a:lnRef idx="2">
+            <a:schemeClr val="accent1">
+              <a:shade val="50000"/>
+            </a:schemeClr>
+          </a:lnRef>
+          <a:fillRef idx="1">
+            <a:schemeClr val="accent1"/>
+          </a:fillRef>
+          <a:effectRef idx="0">
+            <a:schemeClr val="accent1"/>
+          </a:effectRef>
+          <a:fontRef idx="minor">
+            <a:schemeClr val="lt1"/>
+          </a:fontRef>
+        </p:style>
+        <p:txBody>
+          <a:bodyPr rtlCol="0" anchor="ctr"/>
+          <a:lstStyle/>
+          <a:p>
+            <a:pPr algn="ctr"/>
+            <a:endParaRPr kumimoji="1" lang="ja-JP" altLang="en-US"/>
+          </a:p>
+        </p:txBody>
+      </p:sp>
+      <p:sp>
+        <p:nvSpPr>
+          <p:cNvPr id="34" name="正方形/長方形 33">
+            <a:extLst>
+              <a:ext uri="{FF2B5EF4-FFF2-40B4-BE49-F238E27FC236}">
+                <a16:creationId xmlns:a16="http://schemas.microsoft.com/office/drawing/2014/main" id="{4A002213-6F15-47B7-95EE-49D85078FDEE}"/>
+              </a:ext>
+            </a:extLst>
+          </p:cNvPr>
+          <p:cNvSpPr/>
+          <p:nvPr/>
+        </p:nvSpPr>
+        <p:spPr>
+          <a:xfrm rot="21079893">
+            <a:off x="7077108" y="5216236"/>
+            <a:ext cx="340559" cy="1135720"/>
+          </a:xfrm>
+          <a:prstGeom prst="rect">
+            <a:avLst/>
+          </a:prstGeom>
+          <a:solidFill>
+            <a:schemeClr val="tx1"/>
+          </a:solidFill>
+        </p:spPr>
+        <p:style>
+          <a:lnRef idx="2">
+            <a:schemeClr val="accent1">
+              <a:shade val="50000"/>
+            </a:schemeClr>
+          </a:lnRef>
+          <a:fillRef idx="1">
+            <a:schemeClr val="accent1"/>
+          </a:fillRef>
+          <a:effectRef idx="0">
+            <a:schemeClr val="accent1"/>
+          </a:effectRef>
+          <a:fontRef idx="minor">
+            <a:schemeClr val="lt1"/>
+          </a:fontRef>
+        </p:style>
+        <p:txBody>
+          <a:bodyPr rtlCol="0" anchor="ctr"/>
+          <a:lstStyle/>
+          <a:p>
+            <a:pPr algn="ctr"/>
+            <a:endParaRPr kumimoji="1" lang="ja-JP" altLang="en-US" dirty="0"/>
+          </a:p>
+        </p:txBody>
+      </p:sp>
+      <p:sp>
+        <p:nvSpPr>
+          <p:cNvPr id="35" name="部分円 34">
+            <a:extLst>
+              <a:ext uri="{FF2B5EF4-FFF2-40B4-BE49-F238E27FC236}">
+                <a16:creationId xmlns:a16="http://schemas.microsoft.com/office/drawing/2014/main" id="{D50380CC-E2DD-46ED-ABA1-2B69BDABB070}"/>
+              </a:ext>
+            </a:extLst>
+          </p:cNvPr>
+          <p:cNvSpPr/>
+          <p:nvPr/>
+        </p:nvSpPr>
+        <p:spPr>
+          <a:xfrm rot="3379795">
+            <a:off x="5757075" y="5203030"/>
+            <a:ext cx="553560" cy="519699"/>
+          </a:xfrm>
+          <a:prstGeom prst="pie">
+            <a:avLst>
+              <a:gd name="adj1" fmla="val 19150261"/>
+              <a:gd name="adj2" fmla="val 16200000"/>
+            </a:avLst>
+          </a:prstGeom>
+        </p:spPr>
+        <p:style>
+          <a:lnRef idx="2">
+            <a:schemeClr val="accent6">
+              <a:shade val="50000"/>
+            </a:schemeClr>
+          </a:lnRef>
+          <a:fillRef idx="1">
+            <a:schemeClr val="accent6"/>
+          </a:fillRef>
+          <a:effectRef idx="0">
+            <a:schemeClr val="accent6"/>
+          </a:effectRef>
+          <a:fontRef idx="minor">
+            <a:schemeClr val="lt1"/>
+          </a:fontRef>
+        </p:style>
+        <p:txBody>
+          <a:bodyPr rtlCol="0" anchor="ctr"/>
+          <a:lstStyle/>
+          <a:p>
+            <a:pPr algn="ctr"/>
             <a:endParaRPr kumimoji="1" lang="ja-JP" altLang="en-US" dirty="0">
               <a:solidFill>
-                <a:srgbClr val="FF0000"/>
+                <a:schemeClr val="tx1"/>
               </a:solidFill>
-              <a:latin typeface="HGP創英角ｺﾞｼｯｸUB" panose="020B0900000000000000" pitchFamily="50" charset="-128"/>
-              <a:ea typeface="HGP創英角ｺﾞｼｯｸUB" panose="020B0900000000000000" pitchFamily="50" charset="-128"/>
             </a:endParaRPr>
+          </a:p>
+        </p:txBody>
+      </p:sp>
+      <p:sp>
+        <p:nvSpPr>
+          <p:cNvPr id="36" name="矢印: 右 35">
+            <a:extLst>
+              <a:ext uri="{FF2B5EF4-FFF2-40B4-BE49-F238E27FC236}">
+                <a16:creationId xmlns:a16="http://schemas.microsoft.com/office/drawing/2014/main" id="{1CBE6AA8-1BA1-4A7D-89FF-76682EF46549}"/>
+              </a:ext>
+            </a:extLst>
+          </p:cNvPr>
+          <p:cNvSpPr/>
+          <p:nvPr/>
+        </p:nvSpPr>
+        <p:spPr>
+          <a:xfrm rot="10253421">
+            <a:off x="6340662" y="4006791"/>
+            <a:ext cx="414086" cy="355046"/>
+          </a:xfrm>
+          <a:prstGeom prst="rightArrow">
+            <a:avLst/>
+          </a:prstGeom>
+        </p:spPr>
+        <p:style>
+          <a:lnRef idx="2">
+            <a:schemeClr val="accent2">
+              <a:shade val="50000"/>
+            </a:schemeClr>
+          </a:lnRef>
+          <a:fillRef idx="1">
+            <a:schemeClr val="accent2"/>
+          </a:fillRef>
+          <a:effectRef idx="0">
+            <a:schemeClr val="accent2"/>
+          </a:effectRef>
+          <a:fontRef idx="minor">
+            <a:schemeClr val="lt1"/>
+          </a:fontRef>
+        </p:style>
+        <p:txBody>
+          <a:bodyPr rtlCol="0" anchor="ctr"/>
+          <a:lstStyle/>
+          <a:p>
+            <a:pPr algn="ctr"/>
+            <a:endParaRPr kumimoji="1" lang="ja-JP" altLang="en-US"/>
+          </a:p>
+        </p:txBody>
+      </p:sp>
+      <p:sp>
+        <p:nvSpPr>
+          <p:cNvPr id="37" name="矢印: 右 36">
+            <a:extLst>
+              <a:ext uri="{FF2B5EF4-FFF2-40B4-BE49-F238E27FC236}">
+                <a16:creationId xmlns:a16="http://schemas.microsoft.com/office/drawing/2014/main" id="{17DCF29D-8266-47BA-A034-B12140CAAEC8}"/>
+              </a:ext>
+            </a:extLst>
+          </p:cNvPr>
+          <p:cNvSpPr/>
+          <p:nvPr/>
+        </p:nvSpPr>
+        <p:spPr>
+          <a:xfrm rot="10253421">
+            <a:off x="8887095" y="5270256"/>
+            <a:ext cx="787696" cy="355046"/>
+          </a:xfrm>
+          <a:prstGeom prst="rightArrow">
+            <a:avLst/>
+          </a:prstGeom>
+        </p:spPr>
+        <p:style>
+          <a:lnRef idx="2">
+            <a:schemeClr val="accent2">
+              <a:shade val="50000"/>
+            </a:schemeClr>
+          </a:lnRef>
+          <a:fillRef idx="1">
+            <a:schemeClr val="accent2"/>
+          </a:fillRef>
+          <a:effectRef idx="0">
+            <a:schemeClr val="accent2"/>
+          </a:effectRef>
+          <a:fontRef idx="minor">
+            <a:schemeClr val="lt1"/>
+          </a:fontRef>
+        </p:style>
+        <p:txBody>
+          <a:bodyPr rtlCol="0" anchor="ctr"/>
+          <a:lstStyle/>
+          <a:p>
+            <a:pPr algn="ctr"/>
+            <a:endParaRPr kumimoji="1" lang="ja-JP" altLang="en-US"/>
           </a:p>
         </p:txBody>
       </p:sp>
     </p:spTree>
     <p:extLst>
       <p:ext uri="{BB962C8B-B14F-4D97-AF65-F5344CB8AC3E}">
-        <p14:creationId xmlns:p14="http://schemas.microsoft.com/office/powerpoint/2010/main" val="3381831073"/>
+        <p14:creationId xmlns:p14="http://schemas.microsoft.com/office/powerpoint/2010/main" val="384783874"/>
       </p:ext>
     </p:extLst>
   </p:cSld>
   <p:clrMapOvr>
     <a:masterClrMapping/>
   </p:clrMapOvr>
+  <p:transition spd="slow">
+    <p:push dir="u"/>
+  </p:transition>
+</p:sld>
+</file>
+
+<file path=ppt/slides/slide6.xml><?xml version="1.0" encoding="utf-8"?>
+<p:sld xmlns:a="http://schemas.openxmlformats.org/drawingml/2006/main" xmlns:r="http://schemas.openxmlformats.org/officeDocument/2006/relationships" xmlns:p="http://schemas.openxmlformats.org/presentationml/2006/main">
+  <p:cSld>
+    <p:spTree>
+      <p:nvGrpSpPr>
+        <p:cNvPr id="1" name=""/>
+        <p:cNvGrpSpPr/>
+        <p:nvPr/>
+      </p:nvGrpSpPr>
+      <p:grpSpPr>
+        <a:xfrm>
+          <a:off x="0" y="0"/>
+          <a:ext cx="0" cy="0"/>
+          <a:chOff x="0" y="0"/>
+          <a:chExt cx="0" cy="0"/>
+        </a:xfrm>
+      </p:grpSpPr>
+      <p:sp>
+        <p:nvSpPr>
+          <p:cNvPr id="21" name="タイトル 1">
+            <a:extLst>
+              <a:ext uri="{FF2B5EF4-FFF2-40B4-BE49-F238E27FC236}">
+                <a16:creationId xmlns:a16="http://schemas.microsoft.com/office/drawing/2014/main" id="{18FA6BCD-E401-4F7A-AC8D-6B84E3675107}"/>
+              </a:ext>
+            </a:extLst>
+          </p:cNvPr>
+          <p:cNvSpPr>
+            <a:spLocks noGrp="1"/>
+          </p:cNvSpPr>
+          <p:nvPr>
+            <p:ph type="title"/>
+          </p:nvPr>
+        </p:nvSpPr>
+        <p:spPr>
+          <a:xfrm>
+            <a:off x="225457" y="198970"/>
+            <a:ext cx="4921577" cy="1325563"/>
+          </a:xfrm>
+        </p:spPr>
+        <p:txBody>
+          <a:bodyPr>
+            <a:noAutofit/>
+          </a:bodyPr>
+          <a:lstStyle/>
+          <a:p>
+            <a:r>
+              <a:rPr kumimoji="1" lang="ja-JP" altLang="en-US" sz="6000" dirty="0">
+                <a:effectLst>
+                  <a:glow rad="254000">
+                    <a:schemeClr val="bg1"/>
+                  </a:glow>
+                </a:effectLst>
+                <a:latin typeface="HGP創英角ｺﾞｼｯｸUB" panose="020B0900000000000000" pitchFamily="50" charset="-128"/>
+                <a:ea typeface="HGP創英角ｺﾞｼｯｸUB" panose="020B0900000000000000" pitchFamily="50" charset="-128"/>
+              </a:rPr>
+              <a:t>新要素  </a:t>
+            </a:r>
+            <a:r>
+              <a:rPr lang="ja-JP" altLang="en-US" sz="8000" dirty="0">
+                <a:effectLst>
+                  <a:glow rad="254000">
+                    <a:schemeClr val="bg1"/>
+                  </a:glow>
+                </a:effectLst>
+                <a:latin typeface="HGP創英角ｺﾞｼｯｸUB" panose="020B0900000000000000" pitchFamily="50" charset="-128"/>
+                <a:ea typeface="HGP創英角ｺﾞｼｯｸUB" panose="020B0900000000000000" pitchFamily="50" charset="-128"/>
+              </a:rPr>
+              <a:t>傾き</a:t>
+            </a:r>
+            <a:endParaRPr kumimoji="1" lang="ja-JP" altLang="en-US" sz="6000" dirty="0">
+              <a:effectLst>
+                <a:glow rad="254000">
+                  <a:schemeClr val="bg1"/>
+                </a:glow>
+              </a:effectLst>
+              <a:latin typeface="HGP創英角ｺﾞｼｯｸUB" panose="020B0900000000000000" pitchFamily="50" charset="-128"/>
+              <a:ea typeface="HGP創英角ｺﾞｼｯｸUB" panose="020B0900000000000000" pitchFamily="50" charset="-128"/>
+            </a:endParaRPr>
+          </a:p>
+        </p:txBody>
+      </p:sp>
+      <p:sp>
+        <p:nvSpPr>
+          <p:cNvPr id="6" name="テキスト ボックス 5">
+            <a:extLst>
+              <a:ext uri="{FF2B5EF4-FFF2-40B4-BE49-F238E27FC236}">
+                <a16:creationId xmlns:a16="http://schemas.microsoft.com/office/drawing/2014/main" id="{057C84C2-788F-48C8-9A96-846A6D10C560}"/>
+              </a:ext>
+            </a:extLst>
+          </p:cNvPr>
+          <p:cNvSpPr txBox="1"/>
+          <p:nvPr/>
+        </p:nvSpPr>
+        <p:spPr>
+          <a:xfrm>
+            <a:off x="225457" y="1596281"/>
+            <a:ext cx="3619902" cy="646331"/>
+          </a:xfrm>
+          <a:prstGeom prst="rect">
+            <a:avLst/>
+          </a:prstGeom>
+          <a:noFill/>
+        </p:spPr>
+        <p:txBody>
+          <a:bodyPr wrap="none" rtlCol="0">
+            <a:spAutoFit/>
+          </a:bodyPr>
+          <a:lstStyle/>
+          <a:p>
+            <a:r>
+              <a:rPr kumimoji="1" lang="ja-JP" altLang="en-US" sz="3600" dirty="0">
+                <a:effectLst>
+                  <a:glow rad="190500">
+                    <a:schemeClr val="bg1"/>
+                  </a:glow>
+                </a:effectLst>
+                <a:latin typeface="HGP創英角ｺﾞｼｯｸUB" panose="020B0900000000000000" pitchFamily="50" charset="-128"/>
+                <a:ea typeface="HGP創英角ｺﾞｼｯｸUB" panose="020B0900000000000000" pitchFamily="50" charset="-128"/>
+              </a:rPr>
+              <a:t>・移動速度が変化</a:t>
+            </a:r>
+          </a:p>
+        </p:txBody>
+      </p:sp>
+      <p:sp>
+        <p:nvSpPr>
+          <p:cNvPr id="19" name="テキスト ボックス 18">
+            <a:extLst>
+              <a:ext uri="{FF2B5EF4-FFF2-40B4-BE49-F238E27FC236}">
+                <a16:creationId xmlns:a16="http://schemas.microsoft.com/office/drawing/2014/main" id="{9B7D31F0-1960-4DFB-AE5B-10B215DED17A}"/>
+              </a:ext>
+            </a:extLst>
+          </p:cNvPr>
+          <p:cNvSpPr txBox="1"/>
+          <p:nvPr/>
+        </p:nvSpPr>
+        <p:spPr>
+          <a:xfrm>
+            <a:off x="225457" y="2341564"/>
+            <a:ext cx="2932213" cy="646331"/>
+          </a:xfrm>
+          <a:prstGeom prst="rect">
+            <a:avLst/>
+          </a:prstGeom>
+          <a:noFill/>
+        </p:spPr>
+        <p:txBody>
+          <a:bodyPr wrap="none" rtlCol="0">
+            <a:spAutoFit/>
+          </a:bodyPr>
+          <a:lstStyle/>
+          <a:p>
+            <a:r>
+              <a:rPr kumimoji="1" lang="ja-JP" altLang="en-US" sz="3600" dirty="0">
+                <a:effectLst>
+                  <a:glow rad="190500">
+                    <a:schemeClr val="bg1"/>
+                  </a:glow>
+                </a:effectLst>
+                <a:latin typeface="HGP創英角ｺﾞｼｯｸUB" panose="020B0900000000000000" pitchFamily="50" charset="-128"/>
+                <a:ea typeface="HGP創英角ｺﾞｼｯｸUB" panose="020B0900000000000000" pitchFamily="50" charset="-128"/>
+              </a:rPr>
+              <a:t>・</a:t>
+            </a:r>
+            <a:r>
+              <a:rPr lang="ja-JP" altLang="en-US" sz="3600" dirty="0">
+                <a:effectLst>
+                  <a:glow rad="190500">
+                    <a:schemeClr val="bg1"/>
+                  </a:glow>
+                </a:effectLst>
+                <a:latin typeface="HGP創英角ｺﾞｼｯｸUB" panose="020B0900000000000000" pitchFamily="50" charset="-128"/>
+                <a:ea typeface="HGP創英角ｺﾞｼｯｸUB" panose="020B0900000000000000" pitchFamily="50" charset="-128"/>
+              </a:rPr>
+              <a:t>マップ</a:t>
+            </a:r>
+            <a:r>
+              <a:rPr kumimoji="1" lang="ja-JP" altLang="en-US" sz="3600" dirty="0">
+                <a:effectLst>
+                  <a:glow rad="190500">
+                    <a:schemeClr val="bg1"/>
+                  </a:glow>
+                </a:effectLst>
+                <a:latin typeface="HGP創英角ｺﾞｼｯｸUB" panose="020B0900000000000000" pitchFamily="50" charset="-128"/>
+                <a:ea typeface="HGP創英角ｺﾞｼｯｸUB" panose="020B0900000000000000" pitchFamily="50" charset="-128"/>
+              </a:rPr>
+              <a:t>が変化</a:t>
+            </a:r>
+          </a:p>
+        </p:txBody>
+      </p:sp>
+      <p:sp>
+        <p:nvSpPr>
+          <p:cNvPr id="26" name="台形 25">
+            <a:extLst>
+              <a:ext uri="{FF2B5EF4-FFF2-40B4-BE49-F238E27FC236}">
+                <a16:creationId xmlns:a16="http://schemas.microsoft.com/office/drawing/2014/main" id="{9BC666B4-E74C-45BF-B0C3-95CF86F7CF36}"/>
+              </a:ext>
+            </a:extLst>
+          </p:cNvPr>
+          <p:cNvSpPr/>
+          <p:nvPr/>
+        </p:nvSpPr>
+        <p:spPr>
+          <a:xfrm rot="21079893">
+            <a:off x="3345513" y="1392062"/>
+            <a:ext cx="8692516" cy="4670637"/>
+          </a:xfrm>
+          <a:prstGeom prst="trapezoid">
+            <a:avLst/>
+          </a:prstGeom>
+        </p:spPr>
+        <p:style>
+          <a:lnRef idx="2">
+            <a:schemeClr val="accent1">
+              <a:shade val="50000"/>
+            </a:schemeClr>
+          </a:lnRef>
+          <a:fillRef idx="1">
+            <a:schemeClr val="accent1"/>
+          </a:fillRef>
+          <a:effectRef idx="0">
+            <a:schemeClr val="accent1"/>
+          </a:effectRef>
+          <a:fontRef idx="minor">
+            <a:schemeClr val="lt1"/>
+          </a:fontRef>
+        </p:style>
+        <p:txBody>
+          <a:bodyPr rtlCol="0" anchor="ctr"/>
+          <a:lstStyle/>
+          <a:p>
+            <a:pPr algn="ctr"/>
+            <a:endParaRPr kumimoji="1" lang="ja-JP" altLang="en-US"/>
+          </a:p>
+        </p:txBody>
+      </p:sp>
+      <p:sp>
+        <p:nvSpPr>
+          <p:cNvPr id="27" name="正方形/長方形 26">
+            <a:extLst>
+              <a:ext uri="{FF2B5EF4-FFF2-40B4-BE49-F238E27FC236}">
+                <a16:creationId xmlns:a16="http://schemas.microsoft.com/office/drawing/2014/main" id="{49EB64FB-8AC1-4D84-8A60-FE3EBF7E4894}"/>
+              </a:ext>
+            </a:extLst>
+          </p:cNvPr>
+          <p:cNvSpPr/>
+          <p:nvPr/>
+        </p:nvSpPr>
+        <p:spPr>
+          <a:xfrm rot="21079893">
+            <a:off x="3913345" y="3571777"/>
+            <a:ext cx="2356877" cy="566261"/>
+          </a:xfrm>
+          <a:prstGeom prst="rect">
+            <a:avLst/>
+          </a:prstGeom>
+          <a:solidFill>
+            <a:schemeClr val="tx1"/>
+          </a:solidFill>
+        </p:spPr>
+        <p:style>
+          <a:lnRef idx="2">
+            <a:schemeClr val="accent1">
+              <a:shade val="50000"/>
+            </a:schemeClr>
+          </a:lnRef>
+          <a:fillRef idx="1">
+            <a:schemeClr val="accent1"/>
+          </a:fillRef>
+          <a:effectRef idx="0">
+            <a:schemeClr val="accent1"/>
+          </a:effectRef>
+          <a:fontRef idx="minor">
+            <a:schemeClr val="lt1"/>
+          </a:fontRef>
+        </p:style>
+        <p:txBody>
+          <a:bodyPr rtlCol="0" anchor="ctr"/>
+          <a:lstStyle/>
+          <a:p>
+            <a:pPr algn="ctr"/>
+            <a:endParaRPr kumimoji="1" lang="ja-JP" altLang="en-US"/>
+          </a:p>
+        </p:txBody>
+      </p:sp>
+      <p:sp>
+        <p:nvSpPr>
+          <p:cNvPr id="28" name="正方形/長方形 27">
+            <a:extLst>
+              <a:ext uri="{FF2B5EF4-FFF2-40B4-BE49-F238E27FC236}">
+                <a16:creationId xmlns:a16="http://schemas.microsoft.com/office/drawing/2014/main" id="{D28233A5-2E63-42DB-B0B8-C6295AD22329}"/>
+              </a:ext>
+            </a:extLst>
+          </p:cNvPr>
+          <p:cNvSpPr/>
+          <p:nvPr/>
+        </p:nvSpPr>
+        <p:spPr>
+          <a:xfrm rot="21079893">
+            <a:off x="3997187" y="2318724"/>
+            <a:ext cx="2356877" cy="566261"/>
+          </a:xfrm>
+          <a:prstGeom prst="rect">
+            <a:avLst/>
+          </a:prstGeom>
+          <a:solidFill>
+            <a:srgbClr val="FFC000"/>
+          </a:solidFill>
+        </p:spPr>
+        <p:style>
+          <a:lnRef idx="2">
+            <a:schemeClr val="accent1">
+              <a:shade val="50000"/>
+            </a:schemeClr>
+          </a:lnRef>
+          <a:fillRef idx="1">
+            <a:schemeClr val="accent1"/>
+          </a:fillRef>
+          <a:effectRef idx="0">
+            <a:schemeClr val="accent1"/>
+          </a:effectRef>
+          <a:fontRef idx="minor">
+            <a:schemeClr val="lt1"/>
+          </a:fontRef>
+        </p:style>
+        <p:txBody>
+          <a:bodyPr rtlCol="0" anchor="ctr"/>
+          <a:lstStyle/>
+          <a:p>
+            <a:pPr algn="ctr"/>
+            <a:endParaRPr kumimoji="1" lang="ja-JP" altLang="en-US"/>
+          </a:p>
+        </p:txBody>
+      </p:sp>
+      <p:sp>
+        <p:nvSpPr>
+          <p:cNvPr id="29" name="正方形/長方形 28">
+            <a:extLst>
+              <a:ext uri="{FF2B5EF4-FFF2-40B4-BE49-F238E27FC236}">
+                <a16:creationId xmlns:a16="http://schemas.microsoft.com/office/drawing/2014/main" id="{3D642816-16A4-46AC-9D8F-A79A246CDDBE}"/>
+              </a:ext>
+            </a:extLst>
+          </p:cNvPr>
+          <p:cNvSpPr/>
+          <p:nvPr/>
+        </p:nvSpPr>
+        <p:spPr>
+          <a:xfrm rot="21079893">
+            <a:off x="3724918" y="5244469"/>
+            <a:ext cx="2356877" cy="566261"/>
+          </a:xfrm>
+          <a:prstGeom prst="rect">
+            <a:avLst/>
+          </a:prstGeom>
+          <a:solidFill>
+            <a:schemeClr val="tx1"/>
+          </a:solidFill>
+        </p:spPr>
+        <p:style>
+          <a:lnRef idx="2">
+            <a:schemeClr val="accent1">
+              <a:shade val="50000"/>
+            </a:schemeClr>
+          </a:lnRef>
+          <a:fillRef idx="1">
+            <a:schemeClr val="accent1"/>
+          </a:fillRef>
+          <a:effectRef idx="0">
+            <a:schemeClr val="accent1"/>
+          </a:effectRef>
+          <a:fontRef idx="minor">
+            <a:schemeClr val="lt1"/>
+          </a:fontRef>
+        </p:style>
+        <p:txBody>
+          <a:bodyPr rtlCol="0" anchor="ctr"/>
+          <a:lstStyle/>
+          <a:p>
+            <a:pPr algn="ctr"/>
+            <a:endParaRPr kumimoji="1" lang="ja-JP" altLang="en-US"/>
+          </a:p>
+        </p:txBody>
+      </p:sp>
+      <p:sp>
+        <p:nvSpPr>
+          <p:cNvPr id="30" name="正方形/長方形 29">
+            <a:extLst>
+              <a:ext uri="{FF2B5EF4-FFF2-40B4-BE49-F238E27FC236}">
+                <a16:creationId xmlns:a16="http://schemas.microsoft.com/office/drawing/2014/main" id="{57161BBC-0AAD-490D-95C9-102ABC499C1F}"/>
+              </a:ext>
+            </a:extLst>
+          </p:cNvPr>
+          <p:cNvSpPr/>
+          <p:nvPr/>
+        </p:nvSpPr>
+        <p:spPr>
+          <a:xfrm rot="21079893">
+            <a:off x="8117460" y="4612735"/>
+            <a:ext cx="2356877" cy="566261"/>
+          </a:xfrm>
+          <a:prstGeom prst="rect">
+            <a:avLst/>
+          </a:prstGeom>
+          <a:solidFill>
+            <a:srgbClr val="FFC000"/>
+          </a:solidFill>
+        </p:spPr>
+        <p:style>
+          <a:lnRef idx="2">
+            <a:schemeClr val="accent1">
+              <a:shade val="50000"/>
+            </a:schemeClr>
+          </a:lnRef>
+          <a:fillRef idx="1">
+            <a:schemeClr val="accent1"/>
+          </a:fillRef>
+          <a:effectRef idx="0">
+            <a:schemeClr val="accent1"/>
+          </a:effectRef>
+          <a:fontRef idx="minor">
+            <a:schemeClr val="lt1"/>
+          </a:fontRef>
+        </p:style>
+        <p:txBody>
+          <a:bodyPr rtlCol="0" anchor="ctr"/>
+          <a:lstStyle/>
+          <a:p>
+            <a:pPr algn="ctr"/>
+            <a:endParaRPr kumimoji="1" lang="ja-JP" altLang="en-US"/>
+          </a:p>
+        </p:txBody>
+      </p:sp>
+      <p:sp>
+        <p:nvSpPr>
+          <p:cNvPr id="31" name="正方形/長方形 30">
+            <a:extLst>
+              <a:ext uri="{FF2B5EF4-FFF2-40B4-BE49-F238E27FC236}">
+                <a16:creationId xmlns:a16="http://schemas.microsoft.com/office/drawing/2014/main" id="{EE5C7784-C9E8-45EF-AC47-88C91877AEF0}"/>
+              </a:ext>
+            </a:extLst>
+          </p:cNvPr>
+          <p:cNvSpPr/>
+          <p:nvPr/>
+        </p:nvSpPr>
+        <p:spPr>
+          <a:xfrm rot="21079893">
+            <a:off x="9031591" y="2756848"/>
+            <a:ext cx="2356877" cy="566261"/>
+          </a:xfrm>
+          <a:prstGeom prst="rect">
+            <a:avLst/>
+          </a:prstGeom>
+          <a:solidFill>
+            <a:schemeClr val="tx1"/>
+          </a:solidFill>
+        </p:spPr>
+        <p:style>
+          <a:lnRef idx="2">
+            <a:schemeClr val="accent1">
+              <a:shade val="50000"/>
+            </a:schemeClr>
+          </a:lnRef>
+          <a:fillRef idx="1">
+            <a:schemeClr val="accent1"/>
+          </a:fillRef>
+          <a:effectRef idx="0">
+            <a:schemeClr val="accent1"/>
+          </a:effectRef>
+          <a:fontRef idx="minor">
+            <a:schemeClr val="lt1"/>
+          </a:fontRef>
+        </p:style>
+        <p:txBody>
+          <a:bodyPr rtlCol="0" anchor="ctr"/>
+          <a:lstStyle/>
+          <a:p>
+            <a:pPr algn="ctr"/>
+            <a:endParaRPr kumimoji="1" lang="ja-JP" altLang="en-US"/>
+          </a:p>
+        </p:txBody>
+      </p:sp>
+      <p:sp>
+        <p:nvSpPr>
+          <p:cNvPr id="32" name="正方形/長方形 31">
+            <a:extLst>
+              <a:ext uri="{FF2B5EF4-FFF2-40B4-BE49-F238E27FC236}">
+                <a16:creationId xmlns:a16="http://schemas.microsoft.com/office/drawing/2014/main" id="{15FB2EBF-8B79-4E25-A846-CCC50DF686A1}"/>
+              </a:ext>
+            </a:extLst>
+          </p:cNvPr>
+          <p:cNvSpPr/>
+          <p:nvPr/>
+        </p:nvSpPr>
+        <p:spPr>
+          <a:xfrm rot="21079893">
+            <a:off x="8550668" y="1506630"/>
+            <a:ext cx="2356877" cy="566261"/>
+          </a:xfrm>
+          <a:prstGeom prst="rect">
+            <a:avLst/>
+          </a:prstGeom>
+          <a:solidFill>
+            <a:schemeClr val="tx1"/>
+          </a:solidFill>
+        </p:spPr>
+        <p:style>
+          <a:lnRef idx="2">
+            <a:schemeClr val="accent1">
+              <a:shade val="50000"/>
+            </a:schemeClr>
+          </a:lnRef>
+          <a:fillRef idx="1">
+            <a:schemeClr val="accent1"/>
+          </a:fillRef>
+          <a:effectRef idx="0">
+            <a:schemeClr val="accent1"/>
+          </a:effectRef>
+          <a:fontRef idx="minor">
+            <a:schemeClr val="lt1"/>
+          </a:fontRef>
+        </p:style>
+        <p:txBody>
+          <a:bodyPr rtlCol="0" anchor="ctr"/>
+          <a:lstStyle/>
+          <a:p>
+            <a:pPr algn="ctr"/>
+            <a:endParaRPr kumimoji="1" lang="ja-JP" altLang="en-US"/>
+          </a:p>
+        </p:txBody>
+      </p:sp>
+      <p:sp>
+        <p:nvSpPr>
+          <p:cNvPr id="33" name="正方形/長方形 32">
+            <a:extLst>
+              <a:ext uri="{FF2B5EF4-FFF2-40B4-BE49-F238E27FC236}">
+                <a16:creationId xmlns:a16="http://schemas.microsoft.com/office/drawing/2014/main" id="{EDED33F0-D297-4E8A-8367-C69B3B5CC7BC}"/>
+              </a:ext>
+            </a:extLst>
+          </p:cNvPr>
+          <p:cNvSpPr/>
+          <p:nvPr/>
+        </p:nvSpPr>
+        <p:spPr>
+          <a:xfrm rot="21079893">
+            <a:off x="7246100" y="1366886"/>
+            <a:ext cx="553432" cy="1922355"/>
+          </a:xfrm>
+          <a:prstGeom prst="rect">
+            <a:avLst/>
+          </a:prstGeom>
+          <a:solidFill>
+            <a:schemeClr val="tx1"/>
+          </a:solidFill>
+        </p:spPr>
+        <p:style>
+          <a:lnRef idx="2">
+            <a:schemeClr val="accent1">
+              <a:shade val="50000"/>
+            </a:schemeClr>
+          </a:lnRef>
+          <a:fillRef idx="1">
+            <a:schemeClr val="accent1"/>
+          </a:fillRef>
+          <a:effectRef idx="0">
+            <a:schemeClr val="accent1"/>
+          </a:effectRef>
+          <a:fontRef idx="minor">
+            <a:schemeClr val="lt1"/>
+          </a:fontRef>
+        </p:style>
+        <p:txBody>
+          <a:bodyPr rtlCol="0" anchor="ctr"/>
+          <a:lstStyle/>
+          <a:p>
+            <a:pPr algn="ctr"/>
+            <a:endParaRPr kumimoji="1" lang="ja-JP" altLang="en-US"/>
+          </a:p>
+        </p:txBody>
+      </p:sp>
+      <p:sp>
+        <p:nvSpPr>
+          <p:cNvPr id="34" name="正方形/長方形 33">
+            <a:extLst>
+              <a:ext uri="{FF2B5EF4-FFF2-40B4-BE49-F238E27FC236}">
+                <a16:creationId xmlns:a16="http://schemas.microsoft.com/office/drawing/2014/main" id="{4A002213-6F15-47B7-95EE-49D85078FDEE}"/>
+              </a:ext>
+            </a:extLst>
+          </p:cNvPr>
+          <p:cNvSpPr/>
+          <p:nvPr/>
+        </p:nvSpPr>
+        <p:spPr>
+          <a:xfrm rot="21079893">
+            <a:off x="7647909" y="4119353"/>
+            <a:ext cx="553432" cy="1922355"/>
+          </a:xfrm>
+          <a:prstGeom prst="rect">
+            <a:avLst/>
+          </a:prstGeom>
+          <a:solidFill>
+            <a:schemeClr val="tx1"/>
+          </a:solidFill>
+        </p:spPr>
+        <p:style>
+          <a:lnRef idx="2">
+            <a:schemeClr val="accent1">
+              <a:shade val="50000"/>
+            </a:schemeClr>
+          </a:lnRef>
+          <a:fillRef idx="1">
+            <a:schemeClr val="accent1"/>
+          </a:fillRef>
+          <a:effectRef idx="0">
+            <a:schemeClr val="accent1"/>
+          </a:effectRef>
+          <a:fontRef idx="minor">
+            <a:schemeClr val="lt1"/>
+          </a:fontRef>
+        </p:style>
+        <p:txBody>
+          <a:bodyPr rtlCol="0" anchor="ctr"/>
+          <a:lstStyle/>
+          <a:p>
+            <a:pPr algn="ctr"/>
+            <a:endParaRPr kumimoji="1" lang="ja-JP" altLang="en-US" dirty="0"/>
+          </a:p>
+        </p:txBody>
+      </p:sp>
+      <p:sp>
+        <p:nvSpPr>
+          <p:cNvPr id="35" name="部分円 34">
+            <a:extLst>
+              <a:ext uri="{FF2B5EF4-FFF2-40B4-BE49-F238E27FC236}">
+                <a16:creationId xmlns:a16="http://schemas.microsoft.com/office/drawing/2014/main" id="{D50380CC-E2DD-46ED-ABA1-2B69BDABB070}"/>
+              </a:ext>
+            </a:extLst>
+          </p:cNvPr>
+          <p:cNvSpPr/>
+          <p:nvPr/>
+        </p:nvSpPr>
+        <p:spPr>
+          <a:xfrm rot="3379795">
+            <a:off x="5484062" y="4114556"/>
+            <a:ext cx="936973" cy="844548"/>
+          </a:xfrm>
+          <a:prstGeom prst="pie">
+            <a:avLst>
+              <a:gd name="adj1" fmla="val 19150261"/>
+              <a:gd name="adj2" fmla="val 16200000"/>
+            </a:avLst>
+          </a:prstGeom>
+        </p:spPr>
+        <p:style>
+          <a:lnRef idx="2">
+            <a:schemeClr val="accent6">
+              <a:shade val="50000"/>
+            </a:schemeClr>
+          </a:lnRef>
+          <a:fillRef idx="1">
+            <a:schemeClr val="accent6"/>
+          </a:fillRef>
+          <a:effectRef idx="0">
+            <a:schemeClr val="accent6"/>
+          </a:effectRef>
+          <a:fontRef idx="minor">
+            <a:schemeClr val="lt1"/>
+          </a:fontRef>
+        </p:style>
+        <p:txBody>
+          <a:bodyPr rtlCol="0" anchor="ctr"/>
+          <a:lstStyle/>
+          <a:p>
+            <a:pPr algn="ctr"/>
+            <a:endParaRPr kumimoji="1" lang="ja-JP" altLang="en-US" dirty="0">
+              <a:solidFill>
+                <a:schemeClr val="tx1"/>
+              </a:solidFill>
+            </a:endParaRPr>
+          </a:p>
+        </p:txBody>
+      </p:sp>
+      <p:sp>
+        <p:nvSpPr>
+          <p:cNvPr id="38" name="テキスト ボックス 37">
+            <a:extLst>
+              <a:ext uri="{FF2B5EF4-FFF2-40B4-BE49-F238E27FC236}">
+                <a16:creationId xmlns:a16="http://schemas.microsoft.com/office/drawing/2014/main" id="{0949D951-C8BB-4EE9-A699-0D1769D0A4F7}"/>
+              </a:ext>
+            </a:extLst>
+          </p:cNvPr>
+          <p:cNvSpPr txBox="1"/>
+          <p:nvPr/>
+        </p:nvSpPr>
+        <p:spPr>
+          <a:xfrm>
+            <a:off x="229454" y="3039978"/>
+            <a:ext cx="3270447" cy="646331"/>
+          </a:xfrm>
+          <a:prstGeom prst="rect">
+            <a:avLst/>
+          </a:prstGeom>
+          <a:noFill/>
+        </p:spPr>
+        <p:txBody>
+          <a:bodyPr wrap="none" rtlCol="0">
+            <a:spAutoFit/>
+          </a:bodyPr>
+          <a:lstStyle/>
+          <a:p>
+            <a:r>
+              <a:rPr kumimoji="1" lang="ja-JP" altLang="en-US" sz="3600" dirty="0">
+                <a:effectLst>
+                  <a:glow rad="190500">
+                    <a:schemeClr val="accent4">
+                      <a:satMod val="175000"/>
+                    </a:schemeClr>
+                  </a:glow>
+                </a:effectLst>
+                <a:latin typeface="HGP創英角ｺﾞｼｯｸUB" panose="020B0900000000000000" pitchFamily="50" charset="-128"/>
+                <a:ea typeface="HGP創英角ｺﾞｼｯｸUB" panose="020B0900000000000000" pitchFamily="50" charset="-128"/>
+              </a:rPr>
+              <a:t>・</a:t>
+            </a:r>
+            <a:r>
+              <a:rPr lang="ja-JP" altLang="en-US" sz="3600" dirty="0">
+                <a:solidFill>
+                  <a:srgbClr val="FF0000"/>
+                </a:solidFill>
+                <a:effectLst>
+                  <a:glow rad="190500">
+                    <a:schemeClr val="accent4">
+                      <a:satMod val="175000"/>
+                    </a:schemeClr>
+                  </a:glow>
+                </a:effectLst>
+                <a:latin typeface="HGP創英角ｺﾞｼｯｸUB" panose="020B0900000000000000" pitchFamily="50" charset="-128"/>
+                <a:ea typeface="HGP創英角ｺﾞｼｯｸUB" panose="020B0900000000000000" pitchFamily="50" charset="-128"/>
+              </a:rPr>
+              <a:t>ギミック</a:t>
+            </a:r>
+            <a:r>
+              <a:rPr kumimoji="1" lang="ja-JP" altLang="en-US" sz="3600" dirty="0">
+                <a:effectLst>
+                  <a:glow rad="190500">
+                    <a:schemeClr val="accent4">
+                      <a:satMod val="175000"/>
+                    </a:schemeClr>
+                  </a:glow>
+                </a:effectLst>
+                <a:latin typeface="HGP創英角ｺﾞｼｯｸUB" panose="020B0900000000000000" pitchFamily="50" charset="-128"/>
+                <a:ea typeface="HGP創英角ｺﾞｼｯｸUB" panose="020B0900000000000000" pitchFamily="50" charset="-128"/>
+              </a:rPr>
+              <a:t>が起動</a:t>
+            </a:r>
+          </a:p>
+        </p:txBody>
+      </p:sp>
+      <p:sp>
+        <p:nvSpPr>
+          <p:cNvPr id="39" name="矢印: 右 38">
+            <a:extLst>
+              <a:ext uri="{FF2B5EF4-FFF2-40B4-BE49-F238E27FC236}">
+                <a16:creationId xmlns:a16="http://schemas.microsoft.com/office/drawing/2014/main" id="{00E21541-0A77-4191-983A-E5241486E27D}"/>
+              </a:ext>
+            </a:extLst>
+          </p:cNvPr>
+          <p:cNvSpPr/>
+          <p:nvPr/>
+        </p:nvSpPr>
+        <p:spPr>
+          <a:xfrm rot="10253421">
+            <a:off x="8994800" y="2046831"/>
+            <a:ext cx="2789935" cy="618656"/>
+          </a:xfrm>
+          <a:prstGeom prst="rightArrow">
+            <a:avLst/>
+          </a:prstGeom>
+        </p:spPr>
+        <p:style>
+          <a:lnRef idx="2">
+            <a:schemeClr val="accent2">
+              <a:shade val="50000"/>
+            </a:schemeClr>
+          </a:lnRef>
+          <a:fillRef idx="1">
+            <a:schemeClr val="accent2"/>
+          </a:fillRef>
+          <a:effectRef idx="0">
+            <a:schemeClr val="accent2"/>
+          </a:effectRef>
+          <a:fontRef idx="minor">
+            <a:schemeClr val="lt1"/>
+          </a:fontRef>
+        </p:style>
+        <p:txBody>
+          <a:bodyPr rtlCol="0" anchor="ctr"/>
+          <a:lstStyle/>
+          <a:p>
+            <a:pPr algn="ctr"/>
+            <a:endParaRPr kumimoji="1" lang="ja-JP" altLang="en-US"/>
+          </a:p>
+        </p:txBody>
+      </p:sp>
+      <p:sp>
+        <p:nvSpPr>
+          <p:cNvPr id="4" name="楕円 3">
+            <a:extLst>
+              <a:ext uri="{FF2B5EF4-FFF2-40B4-BE49-F238E27FC236}">
+                <a16:creationId xmlns:a16="http://schemas.microsoft.com/office/drawing/2014/main" id="{EC972AA1-2E7C-40A3-A424-64A1D53762EE}"/>
+              </a:ext>
+            </a:extLst>
+          </p:cNvPr>
+          <p:cNvSpPr/>
+          <p:nvPr/>
+        </p:nvSpPr>
+        <p:spPr>
+          <a:xfrm>
+            <a:off x="7865090" y="2242611"/>
+            <a:ext cx="1137289" cy="1077357"/>
+          </a:xfrm>
+          <a:prstGeom prst="ellipse">
+            <a:avLst/>
+          </a:prstGeom>
+          <a:solidFill>
+            <a:srgbClr val="987B10"/>
+          </a:solidFill>
+          <a:ln>
+            <a:noFill/>
+          </a:ln>
+        </p:spPr>
+        <p:style>
+          <a:lnRef idx="2">
+            <a:schemeClr val="accent1">
+              <a:shade val="50000"/>
+            </a:schemeClr>
+          </a:lnRef>
+          <a:fillRef idx="1">
+            <a:schemeClr val="accent1"/>
+          </a:fillRef>
+          <a:effectRef idx="0">
+            <a:schemeClr val="accent1"/>
+          </a:effectRef>
+          <a:fontRef idx="minor">
+            <a:schemeClr val="lt1"/>
+          </a:fontRef>
+        </p:style>
+        <p:txBody>
+          <a:bodyPr rtlCol="0" anchor="ctr"/>
+          <a:lstStyle/>
+          <a:p>
+            <a:pPr algn="ctr"/>
+            <a:r>
+              <a:rPr kumimoji="1" lang="ja-JP" altLang="en-US" sz="3600" dirty="0">
+                <a:latin typeface="HGP創英角ｺﾞｼｯｸUB" panose="020B0900000000000000" pitchFamily="50" charset="-128"/>
+                <a:ea typeface="HGP創英角ｺﾞｼｯｸUB" panose="020B0900000000000000" pitchFamily="50" charset="-128"/>
+              </a:rPr>
+              <a:t>岩</a:t>
+            </a:r>
+          </a:p>
+        </p:txBody>
+      </p:sp>
+    </p:spTree>
+    <p:extLst>
+      <p:ext uri="{BB962C8B-B14F-4D97-AF65-F5344CB8AC3E}">
+        <p14:creationId xmlns:p14="http://schemas.microsoft.com/office/powerpoint/2010/main" val="814693251"/>
+      </p:ext>
+    </p:extLst>
+  </p:cSld>
+  <p:clrMapOvr>
+    <a:masterClrMapping/>
+  </p:clrMapOvr>
+  <p:transition spd="slow">
+    <p:push dir="u"/>
+  </p:transition>
 </p:sld>
 </file>
 

--- a/99_pranning/00_本企画.pptx
+++ b/99_pranning/00_本企画.pptx
@@ -7,10 +7,11 @@
   <p:sldIdLst>
     <p:sldId id="256" r:id="rId2"/>
     <p:sldId id="258" r:id="rId3"/>
-    <p:sldId id="257" r:id="rId4"/>
-    <p:sldId id="265" r:id="rId5"/>
-    <p:sldId id="272" r:id="rId6"/>
-    <p:sldId id="273" r:id="rId7"/>
+    <p:sldId id="274" r:id="rId4"/>
+    <p:sldId id="257" r:id="rId5"/>
+    <p:sldId id="265" r:id="rId6"/>
+    <p:sldId id="272" r:id="rId7"/>
+    <p:sldId id="273" r:id="rId8"/>
   </p:sldIdLst>
   <p:sldSz cx="12192000" cy="6858000"/>
   <p:notesSz cx="6858000" cy="9144000"/>
@@ -3647,8 +3648,8 @@
         </p:nvSpPr>
         <p:spPr>
           <a:xfrm>
-            <a:off x="2146169" y="2341726"/>
-            <a:ext cx="7899662" cy="1087274"/>
+            <a:off x="331404" y="2341726"/>
+            <a:ext cx="11529192" cy="1087274"/>
           </a:xfrm>
         </p:spPr>
         <p:txBody>
@@ -3681,6 +3682,51 @@
               </a:rPr>
               <a:t>デビルワールド</a:t>
             </a:r>
+            <a:r>
+              <a:rPr kumimoji="1" lang="en-US" altLang="ja-JP" sz="8000" dirty="0">
+                <a:effectLst>
+                  <a:glow rad="190500">
+                    <a:schemeClr val="bg1"/>
+                  </a:glow>
+                </a:effectLst>
+                <a:latin typeface="HGP創英角ｺﾞｼｯｸUB" panose="020B0900000000000000" pitchFamily="50" charset="-128"/>
+                <a:ea typeface="HGP創英角ｺﾞｼｯｸUB" panose="020B0900000000000000" pitchFamily="50" charset="-128"/>
+              </a:rPr>
+              <a:t>(</a:t>
+            </a:r>
+            <a:r>
+              <a:rPr kumimoji="1" lang="ja-JP" altLang="en-US" sz="8000" dirty="0">
+                <a:effectLst>
+                  <a:glow rad="190500">
+                    <a:schemeClr val="bg1"/>
+                  </a:glow>
+                </a:effectLst>
+                <a:latin typeface="HGP創英角ｺﾞｼｯｸUB" panose="020B0900000000000000" pitchFamily="50" charset="-128"/>
+                <a:ea typeface="HGP創英角ｺﾞｼｯｸUB" panose="020B0900000000000000" pitchFamily="50" charset="-128"/>
+              </a:rPr>
+              <a:t>仮</a:t>
+            </a:r>
+            <a:r>
+              <a:rPr kumimoji="1" lang="en-US" altLang="ja-JP" sz="8000" dirty="0">
+                <a:effectLst>
+                  <a:glow rad="190500">
+                    <a:schemeClr val="bg1"/>
+                  </a:glow>
+                </a:effectLst>
+                <a:latin typeface="HGP創英角ｺﾞｼｯｸUB" panose="020B0900000000000000" pitchFamily="50" charset="-128"/>
+                <a:ea typeface="HGP創英角ｺﾞｼｯｸUB" panose="020B0900000000000000" pitchFamily="50" charset="-128"/>
+              </a:rPr>
+              <a:t>)</a:t>
+            </a:r>
+            <a:endParaRPr kumimoji="1" lang="ja-JP" altLang="en-US" sz="8000" dirty="0">
+              <a:effectLst>
+                <a:glow rad="190500">
+                  <a:schemeClr val="bg1"/>
+                </a:glow>
+              </a:effectLst>
+              <a:latin typeface="HGP創英角ｺﾞｼｯｸUB" panose="020B0900000000000000" pitchFamily="50" charset="-128"/>
+              <a:ea typeface="HGP創英角ｺﾞｼｯｸUB" panose="020B0900000000000000" pitchFamily="50" charset="-128"/>
+            </a:endParaRPr>
           </a:p>
         </p:txBody>
       </p:sp>
@@ -3703,7 +3749,7 @@
         <p:spPr>
           <a:xfrm>
             <a:off x="2146169" y="3521075"/>
-            <a:ext cx="7899662" cy="602317"/>
+            <a:ext cx="7899662" cy="2077085"/>
           </a:xfrm>
         </p:spPr>
         <p:txBody>
@@ -3745,6 +3791,56 @@
               <a:latin typeface="HGP創英角ｺﾞｼｯｸUB" panose="020B0900000000000000" pitchFamily="50" charset="-128"/>
               <a:ea typeface="HGP創英角ｺﾞｼｯｸUB" panose="020B0900000000000000" pitchFamily="50" charset="-128"/>
             </a:endParaRPr>
+          </a:p>
+          <a:p>
+            <a:r>
+              <a:rPr kumimoji="1" lang="ja-JP" altLang="en-US" sz="2000" dirty="0">
+                <a:effectLst>
+                  <a:glow rad="190500">
+                    <a:schemeClr val="bg1"/>
+                  </a:glow>
+                </a:effectLst>
+                <a:latin typeface="HGP創英角ｺﾞｼｯｸUB" panose="020B0900000000000000" pitchFamily="50" charset="-128"/>
+                <a:ea typeface="HGP創英角ｺﾞｼｯｸUB" panose="020B0900000000000000" pitchFamily="50" charset="-128"/>
+              </a:rPr>
+              <a:t>グレムリン特攻隊</a:t>
+            </a:r>
+            <a:r>
+              <a:rPr kumimoji="1" lang="en-US" altLang="ja-JP" sz="2000" dirty="0">
+                <a:effectLst>
+                  <a:glow rad="190500">
+                    <a:schemeClr val="bg1"/>
+                  </a:glow>
+                </a:effectLst>
+                <a:latin typeface="HGP創英角ｺﾞｼｯｸUB" panose="020B0900000000000000" pitchFamily="50" charset="-128"/>
+                <a:ea typeface="HGP創英角ｺﾞｼｯｸUB" panose="020B0900000000000000" pitchFamily="50" charset="-128"/>
+              </a:rPr>
+              <a:t>(</a:t>
+            </a:r>
+            <a:r>
+              <a:rPr kumimoji="1" lang="ja-JP" altLang="en-US" sz="2000" dirty="0">
+                <a:effectLst>
+                  <a:glow rad="190500">
+                    <a:schemeClr val="bg1"/>
+                  </a:glow>
+                </a:effectLst>
+                <a:latin typeface="HGP創英角ｺﾞｼｯｸUB" panose="020B0900000000000000" pitchFamily="50" charset="-128"/>
+                <a:ea typeface="HGP創英角ｺﾞｼｯｸUB" panose="020B0900000000000000" pitchFamily="50" charset="-128"/>
+              </a:rPr>
+              <a:t>仮</a:t>
+            </a:r>
+            <a:r>
+              <a:rPr kumimoji="1" lang="en-US" altLang="ja-JP" sz="2000" dirty="0">
+                <a:effectLst>
+                  <a:glow rad="190500">
+                    <a:schemeClr val="bg1"/>
+                  </a:glow>
+                </a:effectLst>
+                <a:latin typeface="HGP創英角ｺﾞｼｯｸUB" panose="020B0900000000000000" pitchFamily="50" charset="-128"/>
+                <a:ea typeface="HGP創英角ｺﾞｼｯｸUB" panose="020B0900000000000000" pitchFamily="50" charset="-128"/>
+              </a:rPr>
+              <a:t>)</a:t>
+            </a:r>
           </a:p>
         </p:txBody>
       </p:sp>
@@ -3781,12 +3877,131 @@
           <a:chExt cx="0" cy="0"/>
         </a:xfrm>
       </p:grpSpPr>
-      <p:sp>
-        <p:nvSpPr>
-          <p:cNvPr id="3" name="コンテンツ プレースホルダー 2">
-            <a:extLst>
-              <a:ext uri="{FF2B5EF4-FFF2-40B4-BE49-F238E27FC236}">
-                <a16:creationId xmlns:a16="http://schemas.microsoft.com/office/drawing/2014/main" id="{9562E871-E0CE-41B2-AC84-2B5CBBA01099}"/>
+      <p:pic>
+        <p:nvPicPr>
+          <p:cNvPr id="20" name="図 19">
+            <a:extLst>
+              <a:ext uri="{FF2B5EF4-FFF2-40B4-BE49-F238E27FC236}">
+                <a16:creationId xmlns:a16="http://schemas.microsoft.com/office/drawing/2014/main" id="{EDEC12A9-2B44-4C1E-8590-DD06491CB489}"/>
+              </a:ext>
+            </a:extLst>
+          </p:cNvPr>
+          <p:cNvPicPr>
+            <a:picLocks noChangeAspect="1"/>
+          </p:cNvPicPr>
+          <p:nvPr/>
+        </p:nvPicPr>
+        <p:blipFill>
+          <a:blip r:embed="rId2">
+            <a:extLst>
+              <a:ext uri="{28A0092B-C50C-407E-A947-70E740481C1C}">
+                <a14:useLocalDpi xmlns:a14="http://schemas.microsoft.com/office/drawing/2010/main" val="0"/>
+              </a:ext>
+            </a:extLst>
+          </a:blip>
+          <a:stretch>
+            <a:fillRect/>
+          </a:stretch>
+        </p:blipFill>
+        <p:spPr>
+          <a:xfrm>
+            <a:off x="1639064" y="1804795"/>
+            <a:ext cx="4904262" cy="5231213"/>
+          </a:xfrm>
+          <a:prstGeom prst="rect">
+            <a:avLst/>
+          </a:prstGeom>
+        </p:spPr>
+      </p:pic>
+      <p:sp>
+        <p:nvSpPr>
+          <p:cNvPr id="18" name="吹き出し: 円形 17">
+            <a:extLst>
+              <a:ext uri="{FF2B5EF4-FFF2-40B4-BE49-F238E27FC236}">
+                <a16:creationId xmlns:a16="http://schemas.microsoft.com/office/drawing/2014/main" id="{A6D19C87-5FAF-4B91-AB77-811D746D951B}"/>
+              </a:ext>
+            </a:extLst>
+          </p:cNvPr>
+          <p:cNvSpPr/>
+          <p:nvPr/>
+        </p:nvSpPr>
+        <p:spPr>
+          <a:xfrm>
+            <a:off x="4651771" y="1804795"/>
+            <a:ext cx="5979894" cy="1910497"/>
+          </a:xfrm>
+          <a:prstGeom prst="wedgeEllipseCallout">
+            <a:avLst>
+              <a:gd name="adj1" fmla="val -54319"/>
+              <a:gd name="adj2" fmla="val 38134"/>
+            </a:avLst>
+          </a:prstGeom>
+          <a:solidFill>
+            <a:schemeClr val="bg1"/>
+          </a:solidFill>
+          <a:ln w="76200">
+            <a:solidFill>
+              <a:schemeClr val="tx1"/>
+            </a:solidFill>
+          </a:ln>
+        </p:spPr>
+        <p:style>
+          <a:lnRef idx="2">
+            <a:schemeClr val="accent1">
+              <a:shade val="50000"/>
+            </a:schemeClr>
+          </a:lnRef>
+          <a:fillRef idx="1">
+            <a:schemeClr val="accent1"/>
+          </a:fillRef>
+          <a:effectRef idx="0">
+            <a:schemeClr val="accent1"/>
+          </a:effectRef>
+          <a:fontRef idx="minor">
+            <a:schemeClr val="lt1"/>
+          </a:fontRef>
+        </p:style>
+        <p:txBody>
+          <a:bodyPr rtlCol="0" anchor="ctr"/>
+          <a:lstStyle/>
+          <a:p>
+            <a:pPr algn="ctr"/>
+            <a:r>
+              <a:rPr lang="ja-JP" altLang="en-US" sz="4800" dirty="0">
+                <a:solidFill>
+                  <a:srgbClr val="00B0F0"/>
+                </a:solidFill>
+                <a:effectLst>
+                  <a:glow rad="63500">
+                    <a:schemeClr val="tx1"/>
+                  </a:glow>
+                </a:effectLst>
+                <a:latin typeface="HGP創英角ｺﾞｼｯｸUB" panose="020B0900000000000000" pitchFamily="50" charset="-128"/>
+                <a:ea typeface="HGP創英角ｺﾞｼｯｸUB" panose="020B0900000000000000" pitchFamily="50" charset="-128"/>
+              </a:rPr>
+              <a:t>ユーザー俺！！</a:t>
+            </a:r>
+            <a:endParaRPr kumimoji="1" lang="ja-JP" altLang="en-US" sz="4800" dirty="0">
+              <a:solidFill>
+                <a:srgbClr val="00B0F0"/>
+              </a:solidFill>
+              <a:effectLst>
+                <a:glow rad="63500">
+                  <a:schemeClr val="tx1"/>
+                </a:glow>
+              </a:effectLst>
+              <a:latin typeface="HGP創英角ｺﾞｼｯｸUB" panose="020B0900000000000000" pitchFamily="50" charset="-128"/>
+              <a:ea typeface="HGP創英角ｺﾞｼｯｸUB" panose="020B0900000000000000" pitchFamily="50" charset="-128"/>
+            </a:endParaRPr>
+          </a:p>
+        </p:txBody>
+      </p:sp>
+      <p:sp>
+        <p:nvSpPr>
+          <p:cNvPr id="23" name="タイトル 1">
+            <a:extLst>
+              <a:ext uri="{FF2B5EF4-FFF2-40B4-BE49-F238E27FC236}">
+                <a16:creationId xmlns:a16="http://schemas.microsoft.com/office/drawing/2014/main" id="{BABA42EF-3F9B-4F8E-8314-B3AF9BFAD87A}"/>
               </a:ext>
             </a:extLst>
           </p:cNvPr>
@@ -3794,58 +4009,42 @@
             <a:spLocks noGrp="1"/>
           </p:cNvSpPr>
           <p:nvPr>
-            <p:ph idx="1"/>
+            <p:ph type="title"/>
           </p:nvPr>
         </p:nvSpPr>
         <p:spPr>
           <a:xfrm>
-            <a:off x="522402" y="232493"/>
-            <a:ext cx="5487186" cy="1982804"/>
+            <a:off x="357537" y="286909"/>
+            <a:ext cx="11549983" cy="1325563"/>
           </a:xfrm>
         </p:spPr>
         <p:txBody>
-          <a:bodyPr/>
+          <a:bodyPr>
+            <a:noAutofit/>
+          </a:bodyPr>
           <a:lstStyle/>
           <a:p>
-            <a:pPr marL="0" indent="0">
-              <a:buNone/>
-            </a:pPr>
-            <a:r>
-              <a:rPr lang="ja-JP" altLang="en-US" sz="4000" dirty="0">
+            <a:r>
+              <a:rPr kumimoji="1" lang="ja-JP" altLang="en-US" sz="6000" dirty="0">
                 <a:effectLst>
-                  <a:glow rad="190500">
+                  <a:glow rad="254000">
                     <a:schemeClr val="bg1"/>
                   </a:glow>
                 </a:effectLst>
                 <a:latin typeface="HGP創英角ｺﾞｼｯｸUB" panose="020B0900000000000000" pitchFamily="50" charset="-128"/>
                 <a:ea typeface="HGP創英角ｺﾞｼｯｸUB" panose="020B0900000000000000" pitchFamily="50" charset="-128"/>
               </a:rPr>
-              <a:t>ターゲット</a:t>
-            </a:r>
-            <a:endParaRPr lang="en-US" altLang="ja-JP" sz="4000" dirty="0">
-              <a:effectLst>
-                <a:glow rad="190500">
-                  <a:schemeClr val="bg1"/>
-                </a:glow>
-              </a:effectLst>
-              <a:latin typeface="HGP創英角ｺﾞｼｯｸUB" panose="020B0900000000000000" pitchFamily="50" charset="-128"/>
-              <a:ea typeface="HGP創英角ｺﾞｼｯｸUB" panose="020B0900000000000000" pitchFamily="50" charset="-128"/>
-            </a:endParaRPr>
-          </a:p>
-          <a:p>
-            <a:pPr marL="0" indent="0">
-              <a:buNone/>
-            </a:pPr>
-            <a:r>
-              <a:rPr kumimoji="1" lang="en-US" altLang="ja-JP" sz="3600" b="1" dirty="0">
+              <a:t>ターゲット  </a:t>
+            </a:r>
+            <a:r>
+              <a:rPr kumimoji="1" lang="en-US" altLang="ja-JP" sz="8000" dirty="0">
                 <a:solidFill>
                   <a:srgbClr val="FF0000"/>
                 </a:solidFill>
                 <a:effectLst>
-                  <a:glow rad="228600">
+                  <a:glow rad="254000">
                     <a:schemeClr val="accent4">
                       <a:satMod val="175000"/>
-                      <a:alpha val="40000"/>
                     </a:schemeClr>
                   </a:glow>
                 </a:effectLst>
@@ -3855,26 +4054,27 @@
               <a:t>AKR</a:t>
             </a:r>
             <a:r>
-              <a:rPr kumimoji="1" lang="ja-JP" altLang="en-US" dirty="0">
+              <a:rPr kumimoji="1" lang="ja-JP" altLang="en-US" sz="8000" dirty="0">
+                <a:solidFill>
+                  <a:srgbClr val="FF0000"/>
+                </a:solidFill>
                 <a:effectLst>
-                  <a:glow rad="228600">
+                  <a:glow rad="254000">
                     <a:schemeClr val="accent4">
                       <a:satMod val="175000"/>
-                      <a:alpha val="40000"/>
                     </a:schemeClr>
                   </a:glow>
                 </a:effectLst>
                 <a:latin typeface="HGP創英角ｺﾞｼｯｸUB" panose="020B0900000000000000" pitchFamily="50" charset="-128"/>
                 <a:ea typeface="HGP創英角ｺﾞｼｯｸUB" panose="020B0900000000000000" pitchFamily="50" charset="-128"/>
               </a:rPr>
-              <a:t>狙い撃ち</a:t>
-            </a:r>
-            <a:endParaRPr kumimoji="1" lang="en-US" altLang="ja-JP" dirty="0">
+              <a:t>狙い撃ち！！</a:t>
+            </a:r>
+            <a:endParaRPr kumimoji="1" lang="ja-JP" altLang="en-US" sz="6000" dirty="0">
               <a:effectLst>
-                <a:glow rad="228600">
+                <a:glow rad="254000">
                   <a:schemeClr val="accent4">
                     <a:satMod val="175000"/>
-                    <a:alpha val="40000"/>
                   </a:schemeClr>
                 </a:glow>
               </a:effectLst>
@@ -3882,98 +4082,77 @@
               <a:ea typeface="HGP創英角ｺﾞｼｯｸUB" panose="020B0900000000000000" pitchFamily="50" charset="-128"/>
             </a:endParaRPr>
           </a:p>
-          <a:p>
-            <a:pPr marL="0" indent="0">
-              <a:buNone/>
-            </a:pPr>
-            <a:r>
-              <a:rPr lang="en-US" altLang="ja-JP" sz="3600" b="1" dirty="0">
-                <a:solidFill>
-                  <a:srgbClr val="FF0000"/>
-                </a:solidFill>
-                <a:effectLst>
-                  <a:glow rad="228600">
-                    <a:schemeClr val="accent4">
-                      <a:satMod val="175000"/>
-                      <a:alpha val="40000"/>
-                    </a:schemeClr>
-                  </a:glow>
-                </a:effectLst>
-                <a:latin typeface="HGP創英角ｺﾞｼｯｸUB" panose="020B0900000000000000" pitchFamily="50" charset="-128"/>
-                <a:ea typeface="HGP創英角ｺﾞｼｯｸUB" panose="020B0900000000000000" pitchFamily="50" charset="-128"/>
-              </a:rPr>
-              <a:t>40-50</a:t>
-            </a:r>
-            <a:r>
-              <a:rPr lang="ja-JP" altLang="en-US" sz="3600" b="1" dirty="0">
-                <a:solidFill>
-                  <a:srgbClr val="FF0000"/>
-                </a:solidFill>
-                <a:effectLst>
-                  <a:glow rad="228600">
-                    <a:schemeClr val="accent4">
-                      <a:satMod val="175000"/>
-                      <a:alpha val="40000"/>
-                    </a:schemeClr>
-                  </a:glow>
-                </a:effectLst>
-                <a:latin typeface="HGP創英角ｺﾞｼｯｸUB" panose="020B0900000000000000" pitchFamily="50" charset="-128"/>
-                <a:ea typeface="HGP創英角ｺﾞｼｯｸUB" panose="020B0900000000000000" pitchFamily="50" charset="-128"/>
-              </a:rPr>
-              <a:t>世代</a:t>
-            </a:r>
-            <a:r>
-              <a:rPr lang="ja-JP" altLang="en-US" dirty="0">
-                <a:effectLst>
-                  <a:glow rad="228600">
-                    <a:schemeClr val="accent4">
-                      <a:satMod val="175000"/>
-                      <a:alpha val="40000"/>
-                    </a:schemeClr>
-                  </a:glow>
-                </a:effectLst>
-                <a:latin typeface="HGP創英角ｺﾞｼｯｸUB" panose="020B0900000000000000" pitchFamily="50" charset="-128"/>
-                <a:ea typeface="HGP創英角ｺﾞｼｯｸUB" panose="020B0900000000000000" pitchFamily="50" charset="-128"/>
-              </a:rPr>
-              <a:t>に刺さるとうれしい</a:t>
-            </a:r>
-          </a:p>
-          <a:p>
-            <a:pPr marL="0" indent="0">
-              <a:buNone/>
-            </a:pPr>
-            <a:endParaRPr kumimoji="1" lang="en-US" altLang="ja-JP" dirty="0">
-              <a:effectLst>
-                <a:glow rad="228600">
-                  <a:schemeClr val="accent4">
-                    <a:satMod val="175000"/>
-                    <a:alpha val="40000"/>
-                  </a:schemeClr>
-                </a:glow>
-              </a:effectLst>
-              <a:latin typeface="HGP創英角ｺﾞｼｯｸUB" panose="020B0900000000000000" pitchFamily="50" charset="-128"/>
-              <a:ea typeface="HGP創英角ｺﾞｼｯｸUB" panose="020B0900000000000000" pitchFamily="50" charset="-128"/>
-            </a:endParaRPr>
-          </a:p>
-          <a:p>
-            <a:pPr marL="0" indent="0" algn="r">
-              <a:buNone/>
-            </a:pPr>
-            <a:endParaRPr kumimoji="1" lang="en-US" altLang="ja-JP" dirty="0">
-              <a:effectLst>
-                <a:glow rad="228600">
-                  <a:schemeClr val="accent4">
-                    <a:satMod val="175000"/>
-                    <a:alpha val="40000"/>
-                  </a:schemeClr>
-                </a:glow>
-              </a:effectLst>
-              <a:latin typeface="HGP創英角ｺﾞｼｯｸUB" panose="020B0900000000000000" pitchFamily="50" charset="-128"/>
-              <a:ea typeface="HGP創英角ｺﾞｼｯｸUB" panose="020B0900000000000000" pitchFamily="50" charset="-128"/>
-            </a:endParaRPr>
-          </a:p>
-        </p:txBody>
-      </p:sp>
+        </p:txBody>
+      </p:sp>
+      <p:pic>
+        <p:nvPicPr>
+          <p:cNvPr id="25" name="図 24">
+            <a:extLst>
+              <a:ext uri="{FF2B5EF4-FFF2-40B4-BE49-F238E27FC236}">
+                <a16:creationId xmlns:a16="http://schemas.microsoft.com/office/drawing/2014/main" id="{4270D3EC-738C-4D7D-9BF3-C84625A79408}"/>
+              </a:ext>
+            </a:extLst>
+          </p:cNvPr>
+          <p:cNvPicPr>
+            <a:picLocks noChangeAspect="1"/>
+          </p:cNvPicPr>
+          <p:nvPr/>
+        </p:nvPicPr>
+        <p:blipFill>
+          <a:blip r:embed="rId3">
+            <a:extLst>
+              <a:ext uri="{28A0092B-C50C-407E-A947-70E740481C1C}">
+                <a14:useLocalDpi xmlns:a14="http://schemas.microsoft.com/office/drawing/2010/main" val="0"/>
+              </a:ext>
+            </a:extLst>
+          </a:blip>
+          <a:stretch>
+            <a:fillRect/>
+          </a:stretch>
+        </p:blipFill>
+        <p:spPr>
+          <a:xfrm>
+            <a:off x="9556033" y="2362200"/>
+            <a:ext cx="567690" cy="756920"/>
+          </a:xfrm>
+          <a:prstGeom prst="rect">
+            <a:avLst/>
+          </a:prstGeom>
+        </p:spPr>
+      </p:pic>
+    </p:spTree>
+    <p:extLst>
+      <p:ext uri="{BB962C8B-B14F-4D97-AF65-F5344CB8AC3E}">
+        <p14:creationId xmlns:p14="http://schemas.microsoft.com/office/powerpoint/2010/main" val="127015273"/>
+      </p:ext>
+    </p:extLst>
+  </p:cSld>
+  <p:clrMapOvr>
+    <a:masterClrMapping/>
+  </p:clrMapOvr>
+  <p:transition spd="slow">
+    <p:push dir="u"/>
+  </p:transition>
+</p:sld>
+</file>
+
+<file path=ppt/slides/slide3.xml><?xml version="1.0" encoding="utf-8"?>
+<p:sld xmlns:a="http://schemas.openxmlformats.org/drawingml/2006/main" xmlns:r="http://schemas.openxmlformats.org/officeDocument/2006/relationships" xmlns:p="http://schemas.openxmlformats.org/presentationml/2006/main">
+  <p:cSld>
+    <p:spTree>
+      <p:nvGrpSpPr>
+        <p:cNvPr id="1" name=""/>
+        <p:cNvGrpSpPr/>
+        <p:nvPr/>
+      </p:nvGrpSpPr>
+      <p:grpSpPr>
+        <a:xfrm>
+          <a:off x="0" y="0"/>
+          <a:ext cx="0" cy="0"/>
+          <a:chOff x="0" y="0"/>
+          <a:chExt cx="0" cy="0"/>
+        </a:xfrm>
+      </p:grpSpPr>
       <p:sp>
         <p:nvSpPr>
           <p:cNvPr id="6" name="コンテンツ プレースホルダー 2">
@@ -5252,7 +5431,7 @@
     </p:spTree>
     <p:extLst>
       <p:ext uri="{BB962C8B-B14F-4D97-AF65-F5344CB8AC3E}">
-        <p14:creationId xmlns:p14="http://schemas.microsoft.com/office/powerpoint/2010/main" val="127015273"/>
+        <p14:creationId xmlns:p14="http://schemas.microsoft.com/office/powerpoint/2010/main" val="3024307757"/>
       </p:ext>
     </p:extLst>
   </p:cSld>
@@ -5265,7 +5444,7 @@
 </p:sld>
 </file>
 
-<file path=ppt/slides/slide3.xml><?xml version="1.0" encoding="utf-8"?>
+<file path=ppt/slides/slide4.xml><?xml version="1.0" encoding="utf-8"?>
 <p:sld xmlns:a="http://schemas.openxmlformats.org/drawingml/2006/main" xmlns:r="http://schemas.openxmlformats.org/officeDocument/2006/relationships" xmlns:p="http://schemas.openxmlformats.org/presentationml/2006/main">
   <p:cSld>
     <p:spTree>
@@ -6493,7 +6672,7 @@
 </p:sld>
 </file>
 
-<file path=ppt/slides/slide4.xml><?xml version="1.0" encoding="utf-8"?>
+<file path=ppt/slides/slide5.xml><?xml version="1.0" encoding="utf-8"?>
 <p:sld xmlns:a="http://schemas.openxmlformats.org/drawingml/2006/main" xmlns:r="http://schemas.openxmlformats.org/officeDocument/2006/relationships" xmlns:p="http://schemas.openxmlformats.org/presentationml/2006/main">
   <p:cSld>
     <p:spTree>
@@ -7299,7 +7478,7 @@
 </p:sld>
 </file>
 
-<file path=ppt/slides/slide5.xml><?xml version="1.0" encoding="utf-8"?>
+<file path=ppt/slides/slide6.xml><?xml version="1.0" encoding="utf-8"?>
 <p:sld xmlns:a="http://schemas.openxmlformats.org/drawingml/2006/main" xmlns:r="http://schemas.openxmlformats.org/officeDocument/2006/relationships" xmlns:p="http://schemas.openxmlformats.org/presentationml/2006/main">
   <p:cSld>
     <p:spTree>
@@ -8656,7 +8835,7 @@
 </p:sld>
 </file>
 
-<file path=ppt/slides/slide6.xml><?xml version="1.0" encoding="utf-8"?>
+<file path=ppt/slides/slide7.xml><?xml version="1.0" encoding="utf-8"?>
 <p:sld xmlns:a="http://schemas.openxmlformats.org/drawingml/2006/main" xmlns:r="http://schemas.openxmlformats.org/officeDocument/2006/relationships" xmlns:p="http://schemas.openxmlformats.org/presentationml/2006/main">
   <p:cSld>
     <p:spTree>

--- a/99_pranning/00_本企画.pptx
+++ b/99_pranning/00_本企画.pptx
@@ -276,7 +276,7 @@
           <a:p>
             <a:fld id="{9B9A9FCF-59BB-4F27-83CB-095BDFC50065}" type="datetimeFigureOut">
               <a:rPr kumimoji="1" lang="ja-JP" altLang="en-US" smtClean="0"/>
-              <a:t>2024/10/8</a:t>
+              <a:t>2024/10/11</a:t>
             </a:fld>
             <a:endParaRPr kumimoji="1" lang="ja-JP" altLang="en-US"/>
           </a:p>
@@ -506,7 +506,7 @@
           <a:p>
             <a:fld id="{9B9A9FCF-59BB-4F27-83CB-095BDFC50065}" type="datetimeFigureOut">
               <a:rPr kumimoji="1" lang="ja-JP" altLang="en-US" smtClean="0"/>
-              <a:t>2024/10/8</a:t>
+              <a:t>2024/10/11</a:t>
             </a:fld>
             <a:endParaRPr kumimoji="1" lang="ja-JP" altLang="en-US"/>
           </a:p>
@@ -746,7 +746,7 @@
           <a:p>
             <a:fld id="{9B9A9FCF-59BB-4F27-83CB-095BDFC50065}" type="datetimeFigureOut">
               <a:rPr kumimoji="1" lang="ja-JP" altLang="en-US" smtClean="0"/>
-              <a:t>2024/10/8</a:t>
+              <a:t>2024/10/11</a:t>
             </a:fld>
             <a:endParaRPr kumimoji="1" lang="ja-JP" altLang="en-US"/>
           </a:p>
@@ -976,7 +976,7 @@
           <a:p>
             <a:fld id="{9B9A9FCF-59BB-4F27-83CB-095BDFC50065}" type="datetimeFigureOut">
               <a:rPr kumimoji="1" lang="ja-JP" altLang="en-US" smtClean="0"/>
-              <a:t>2024/10/8</a:t>
+              <a:t>2024/10/11</a:t>
             </a:fld>
             <a:endParaRPr kumimoji="1" lang="ja-JP" altLang="en-US"/>
           </a:p>
@@ -1251,7 +1251,7 @@
           <a:p>
             <a:fld id="{9B9A9FCF-59BB-4F27-83CB-095BDFC50065}" type="datetimeFigureOut">
               <a:rPr kumimoji="1" lang="ja-JP" altLang="en-US" smtClean="0"/>
-              <a:t>2024/10/8</a:t>
+              <a:t>2024/10/11</a:t>
             </a:fld>
             <a:endParaRPr kumimoji="1" lang="ja-JP" altLang="en-US"/>
           </a:p>
@@ -1580,7 +1580,7 @@
           <a:p>
             <a:fld id="{9B9A9FCF-59BB-4F27-83CB-095BDFC50065}" type="datetimeFigureOut">
               <a:rPr kumimoji="1" lang="ja-JP" altLang="en-US" smtClean="0"/>
-              <a:t>2024/10/8</a:t>
+              <a:t>2024/10/11</a:t>
             </a:fld>
             <a:endParaRPr kumimoji="1" lang="ja-JP" altLang="en-US"/>
           </a:p>
@@ -2056,7 +2056,7 @@
           <a:p>
             <a:fld id="{9B9A9FCF-59BB-4F27-83CB-095BDFC50065}" type="datetimeFigureOut">
               <a:rPr kumimoji="1" lang="ja-JP" altLang="en-US" smtClean="0"/>
-              <a:t>2024/10/8</a:t>
+              <a:t>2024/10/11</a:t>
             </a:fld>
             <a:endParaRPr kumimoji="1" lang="ja-JP" altLang="en-US"/>
           </a:p>
@@ -2197,7 +2197,7 @@
           <a:p>
             <a:fld id="{9B9A9FCF-59BB-4F27-83CB-095BDFC50065}" type="datetimeFigureOut">
               <a:rPr kumimoji="1" lang="ja-JP" altLang="en-US" smtClean="0"/>
-              <a:t>2024/10/8</a:t>
+              <a:t>2024/10/11</a:t>
             </a:fld>
             <a:endParaRPr kumimoji="1" lang="ja-JP" altLang="en-US"/>
           </a:p>
@@ -2310,7 +2310,7 @@
           <a:p>
             <a:fld id="{9B9A9FCF-59BB-4F27-83CB-095BDFC50065}" type="datetimeFigureOut">
               <a:rPr kumimoji="1" lang="ja-JP" altLang="en-US" smtClean="0"/>
-              <a:t>2024/10/8</a:t>
+              <a:t>2024/10/11</a:t>
             </a:fld>
             <a:endParaRPr kumimoji="1" lang="ja-JP" altLang="en-US"/>
           </a:p>
@@ -2653,7 +2653,7 @@
           <a:p>
             <a:fld id="{9B9A9FCF-59BB-4F27-83CB-095BDFC50065}" type="datetimeFigureOut">
               <a:rPr kumimoji="1" lang="ja-JP" altLang="en-US" smtClean="0"/>
-              <a:t>2024/10/8</a:t>
+              <a:t>2024/10/11</a:t>
             </a:fld>
             <a:endParaRPr kumimoji="1" lang="ja-JP" altLang="en-US"/>
           </a:p>
@@ -2941,7 +2941,7 @@
           <a:p>
             <a:fld id="{9B9A9FCF-59BB-4F27-83CB-095BDFC50065}" type="datetimeFigureOut">
               <a:rPr kumimoji="1" lang="ja-JP" altLang="en-US" smtClean="0"/>
-              <a:t>2024/10/8</a:t>
+              <a:t>2024/10/11</a:t>
             </a:fld>
             <a:endParaRPr kumimoji="1" lang="ja-JP" altLang="en-US"/>
           </a:p>
@@ -3224,7 +3224,7 @@
           <a:p>
             <a:fld id="{9B9A9FCF-59BB-4F27-83CB-095BDFC50065}" type="datetimeFigureOut">
               <a:rPr kumimoji="1" lang="ja-JP" altLang="en-US" smtClean="0"/>
-              <a:t>2024/10/8</a:t>
+              <a:t>2024/10/11</a:t>
             </a:fld>
             <a:endParaRPr kumimoji="1" lang="ja-JP" altLang="en-US"/>
           </a:p>
@@ -3670,7 +3670,7 @@
           <a:lstStyle/>
           <a:p>
             <a:r>
-              <a:rPr kumimoji="1" lang="ja-JP" altLang="en-US" sz="8000" dirty="0">
+              <a:rPr kumimoji="1" lang="en-US" altLang="ja-JP" sz="8000" dirty="0">
                 <a:effectLst>
                   <a:glow rad="190500">
                     <a:schemeClr val="bg1"/>
@@ -3679,32 +3679,17 @@
                 <a:latin typeface="HGP創英角ｺﾞｼｯｸUB" panose="020B0900000000000000" pitchFamily="50" charset="-128"/>
                 <a:ea typeface="HGP創英角ｺﾞｼｯｸUB" panose="020B0900000000000000" pitchFamily="50" charset="-128"/>
               </a:rPr>
-              <a:t>仮称</a:t>
-            </a:r>
-            <a:r>
-              <a:rPr lang="en-US" altLang="ja-JP" sz="8000" dirty="0">
-                <a:effectLst>
-                  <a:glow rad="190500">
-                    <a:schemeClr val="bg1"/>
-                  </a:glow>
-                </a:effectLst>
-                <a:latin typeface="HGP創英角ｺﾞｼｯｸUB" panose="020B0900000000000000" pitchFamily="50" charset="-128"/>
-                <a:ea typeface="HGP創英角ｺﾞｼｯｸUB" panose="020B0900000000000000" pitchFamily="50" charset="-128"/>
-              </a:rPr>
-              <a:t>:</a:t>
-            </a:r>
-            <a:r>
-              <a:rPr kumimoji="1" lang="ja-JP" altLang="en-US" sz="8000" dirty="0">
-                <a:effectLst>
-                  <a:glow rad="190500">
-                    <a:schemeClr val="bg1"/>
-                  </a:glow>
-                </a:effectLst>
-                <a:latin typeface="HGP創英角ｺﾞｼｯｸUB" panose="020B0900000000000000" pitchFamily="50" charset="-128"/>
-                <a:ea typeface="HGP創英角ｺﾞｼｯｸUB" panose="020B0900000000000000" pitchFamily="50" charset="-128"/>
-              </a:rPr>
-              <a:t>ティルトワールド</a:t>
-            </a:r>
+              <a:t>Hello, Devil World</a:t>
+            </a:r>
+            <a:endParaRPr kumimoji="1" lang="ja-JP" altLang="en-US" sz="8000" dirty="0">
+              <a:effectLst>
+                <a:glow rad="190500">
+                  <a:schemeClr val="bg1"/>
+                </a:glow>
+              </a:effectLst>
+              <a:latin typeface="HGP創英角ｺﾞｼｯｸUB" panose="020B0900000000000000" pitchFamily="50" charset="-128"/>
+              <a:ea typeface="HGP創英角ｺﾞｼｯｸUB" panose="020B0900000000000000" pitchFamily="50" charset="-128"/>
+            </a:endParaRPr>
           </a:p>
         </p:txBody>
       </p:sp>
@@ -3760,15 +3745,6 @@
               </a:rPr>
               <a:t>卒業制作</a:t>
             </a:r>
-            <a:endParaRPr kumimoji="1" lang="en-US" altLang="ja-JP" dirty="0">
-              <a:effectLst>
-                <a:glow rad="190500">
-                  <a:schemeClr val="bg1"/>
-                </a:glow>
-              </a:effectLst>
-              <a:latin typeface="HGP創英角ｺﾞｼｯｸUB" panose="020B0900000000000000" pitchFamily="50" charset="-128"/>
-              <a:ea typeface="HGP創英角ｺﾞｼｯｸUB" panose="020B0900000000000000" pitchFamily="50" charset="-128"/>
-            </a:endParaRPr>
           </a:p>
           <a:p>
             <a:r>
@@ -3781,7 +3757,7 @@
                 <a:latin typeface="HGP創英角ｺﾞｼｯｸUB" panose="020B0900000000000000" pitchFamily="50" charset="-128"/>
                 <a:ea typeface="HGP創英角ｺﾞｼｯｸUB" panose="020B0900000000000000" pitchFamily="50" charset="-128"/>
               </a:rPr>
-              <a:t>トゲアリカネナシココロナシ</a:t>
+              <a:t>チーム：</a:t>
             </a:r>
             <a:r>
               <a:rPr lang="en-US" altLang="ja-JP" dirty="0">
@@ -3793,31 +3769,7 @@
                 <a:latin typeface="HGP創英角ｺﾞｼｯｸUB" panose="020B0900000000000000" pitchFamily="50" charset="-128"/>
                 <a:ea typeface="HGP創英角ｺﾞｼｯｸUB" panose="020B0900000000000000" pitchFamily="50" charset="-128"/>
               </a:rPr>
-              <a:t>(</a:t>
-            </a:r>
-            <a:r>
-              <a:rPr lang="ja-JP" altLang="en-US" dirty="0">
-                <a:effectLst>
-                  <a:glow rad="190500">
-                    <a:schemeClr val="bg1"/>
-                  </a:glow>
-                </a:effectLst>
-                <a:latin typeface="HGP創英角ｺﾞｼｯｸUB" panose="020B0900000000000000" pitchFamily="50" charset="-128"/>
-                <a:ea typeface="HGP創英角ｺﾞｼｯｸUB" panose="020B0900000000000000" pitchFamily="50" charset="-128"/>
-              </a:rPr>
-              <a:t>仮</a:t>
-            </a:r>
-            <a:r>
-              <a:rPr lang="en-US" altLang="ja-JP" dirty="0">
-                <a:effectLst>
-                  <a:glow rad="190500">
-                    <a:schemeClr val="bg1"/>
-                  </a:glow>
-                </a:effectLst>
-                <a:latin typeface="HGP創英角ｺﾞｼｯｸUB" panose="020B0900000000000000" pitchFamily="50" charset="-128"/>
-                <a:ea typeface="HGP創英角ｺﾞｼｯｸUB" panose="020B0900000000000000" pitchFamily="50" charset="-128"/>
-              </a:rPr>
-              <a:t>)</a:t>
+              <a:t>void main()</a:t>
             </a:r>
             <a:endParaRPr kumimoji="1" lang="en-US" altLang="ja-JP" dirty="0">
               <a:effectLst>
